--- a/設計資料.pptx
+++ b/設計資料.pptx
@@ -1,119 +1,3 @@
-
-<file path=ppt/presentation.xml><?xml version="1.0" encoding="utf-8"?>
-<p:presentation xmlns:a="http://schemas.openxmlformats.org/drawingml/2006/main" xmlns:r="http://schemas.openxmlformats.org/officeDocument/2006/relationships" xmlns:p="http://schemas.openxmlformats.org/presentationml/2006/main" saveSubsetFonts="1">
-  <p:sldMasterIdLst>
-    <p:sldMasterId id="2147483648" r:id="rId1"/>
-  </p:sldMasterIdLst>
-  <p:sldIdLst>
-    <p:sldId id="256" r:id="rId2"/>
-    <p:sldId id="257" r:id="rId3"/>
-    <p:sldId id="258" r:id="rId4"/>
-    <p:sldId id="259" r:id="rId5"/>
-  </p:sldIdLst>
-  <p:sldSz cx="12192000" cy="6858000"/>
-  <p:notesSz cx="6858000" cy="9144000"/>
-  <p:defaultTextStyle>
-    <a:defPPr>
-      <a:defRPr lang="ja-JP"/>
-    </a:defPPr>
-    <a:lvl1pPr marL="0" algn="l" defTabSz="914400" rtl="0" eaLnBrk="1" latinLnBrk="0" hangingPunct="1">
-      <a:defRPr kumimoji="1" sz="1800" kern="1200">
-        <a:solidFill>
-          <a:schemeClr val="tx1"/>
-        </a:solidFill>
-        <a:latin typeface="+mn-lt"/>
-        <a:ea typeface="+mn-ea"/>
-        <a:cs typeface="+mn-cs"/>
-      </a:defRPr>
-    </a:lvl1pPr>
-    <a:lvl2pPr marL="457200" algn="l" defTabSz="914400" rtl="0" eaLnBrk="1" latinLnBrk="0" hangingPunct="1">
-      <a:defRPr kumimoji="1" sz="1800" kern="1200">
-        <a:solidFill>
-          <a:schemeClr val="tx1"/>
-        </a:solidFill>
-        <a:latin typeface="+mn-lt"/>
-        <a:ea typeface="+mn-ea"/>
-        <a:cs typeface="+mn-cs"/>
-      </a:defRPr>
-    </a:lvl2pPr>
-    <a:lvl3pPr marL="914400" algn="l" defTabSz="914400" rtl="0" eaLnBrk="1" latinLnBrk="0" hangingPunct="1">
-      <a:defRPr kumimoji="1" sz="1800" kern="1200">
-        <a:solidFill>
-          <a:schemeClr val="tx1"/>
-        </a:solidFill>
-        <a:latin typeface="+mn-lt"/>
-        <a:ea typeface="+mn-ea"/>
-        <a:cs typeface="+mn-cs"/>
-      </a:defRPr>
-    </a:lvl3pPr>
-    <a:lvl4pPr marL="1371600" algn="l" defTabSz="914400" rtl="0" eaLnBrk="1" latinLnBrk="0" hangingPunct="1">
-      <a:defRPr kumimoji="1" sz="1800" kern="1200">
-        <a:solidFill>
-          <a:schemeClr val="tx1"/>
-        </a:solidFill>
-        <a:latin typeface="+mn-lt"/>
-        <a:ea typeface="+mn-ea"/>
-        <a:cs typeface="+mn-cs"/>
-      </a:defRPr>
-    </a:lvl4pPr>
-    <a:lvl5pPr marL="1828800" algn="l" defTabSz="914400" rtl="0" eaLnBrk="1" latinLnBrk="0" hangingPunct="1">
-      <a:defRPr kumimoji="1" sz="1800" kern="1200">
-        <a:solidFill>
-          <a:schemeClr val="tx1"/>
-        </a:solidFill>
-        <a:latin typeface="+mn-lt"/>
-        <a:ea typeface="+mn-ea"/>
-        <a:cs typeface="+mn-cs"/>
-      </a:defRPr>
-    </a:lvl5pPr>
-    <a:lvl6pPr marL="2286000" algn="l" defTabSz="914400" rtl="0" eaLnBrk="1" latinLnBrk="0" hangingPunct="1">
-      <a:defRPr kumimoji="1" sz="1800" kern="1200">
-        <a:solidFill>
-          <a:schemeClr val="tx1"/>
-        </a:solidFill>
-        <a:latin typeface="+mn-lt"/>
-        <a:ea typeface="+mn-ea"/>
-        <a:cs typeface="+mn-cs"/>
-      </a:defRPr>
-    </a:lvl6pPr>
-    <a:lvl7pPr marL="2743200" algn="l" defTabSz="914400" rtl="0" eaLnBrk="1" latinLnBrk="0" hangingPunct="1">
-      <a:defRPr kumimoji="1" sz="1800" kern="1200">
-        <a:solidFill>
-          <a:schemeClr val="tx1"/>
-        </a:solidFill>
-        <a:latin typeface="+mn-lt"/>
-        <a:ea typeface="+mn-ea"/>
-        <a:cs typeface="+mn-cs"/>
-      </a:defRPr>
-    </a:lvl7pPr>
-    <a:lvl8pPr marL="3200400" algn="l" defTabSz="914400" rtl="0" eaLnBrk="1" latinLnBrk="0" hangingPunct="1">
-      <a:defRPr kumimoji="1" sz="1800" kern="1200">
-        <a:solidFill>
-          <a:schemeClr val="tx1"/>
-        </a:solidFill>
-        <a:latin typeface="+mn-lt"/>
-        <a:ea typeface="+mn-ea"/>
-        <a:cs typeface="+mn-cs"/>
-      </a:defRPr>
-    </a:lvl8pPr>
-    <a:lvl9pPr marL="3657600" algn="l" defTabSz="914400" rtl="0" eaLnBrk="1" latinLnBrk="0" hangingPunct="1">
-      <a:defRPr kumimoji="1" sz="1800" kern="1200">
-        <a:solidFill>
-          <a:schemeClr val="tx1"/>
-        </a:solidFill>
-        <a:latin typeface="+mn-lt"/>
-        <a:ea typeface="+mn-ea"/>
-        <a:cs typeface="+mn-cs"/>
-      </a:defRPr>
-    </a:lvl9pPr>
-  </p:defaultTextStyle>
-  <p:extLst>
-    <p:ext uri="{EFAFB233-063F-42B5-8137-9DF3F51BA10A}">
-      <p15:sldGuideLst xmlns:p15="http://schemas.microsoft.com/office/powerpoint/2012/main"/>
-    </p:ext>
-  </p:extLst>
-</p:presentation>
-</file>
 
 <file path=ppt/slideLayouts/slideLayout1.xml><?xml version="1.0" encoding="utf-8"?>
 <p:sldLayout xmlns:a="http://schemas.openxmlformats.org/drawingml/2006/main" xmlns:r="http://schemas.openxmlformats.org/officeDocument/2006/relationships" xmlns:p="http://schemas.openxmlformats.org/presentationml/2006/main" type="title" preserve="1">
@@ -246,7 +130,7 @@
           <a:p>
             <a:fld id="{6D5AE416-A1F7-4A45-86C7-F92E55601727}" type="datetimeFigureOut">
               <a:rPr kumimoji="1" lang="ja-JP" altLang="en-US" smtClean="0"/>
-              <a:t>2016/1/19</a:t>
+              <a:t>2016/1/20</a:t>
             </a:fld>
             <a:endParaRPr kumimoji="1" lang="ja-JP" altLang="en-US"/>
           </a:p>
@@ -448,7 +332,7 @@
           <a:p>
             <a:fld id="{6D5AE416-A1F7-4A45-86C7-F92E55601727}" type="datetimeFigureOut">
               <a:rPr kumimoji="1" lang="ja-JP" altLang="en-US" smtClean="0"/>
-              <a:t>2016/1/19</a:t>
+              <a:t>2016/1/20</a:t>
             </a:fld>
             <a:endParaRPr kumimoji="1" lang="ja-JP" altLang="en-US"/>
           </a:p>
@@ -660,7 +544,7 @@
           <a:p>
             <a:fld id="{6D5AE416-A1F7-4A45-86C7-F92E55601727}" type="datetimeFigureOut">
               <a:rPr kumimoji="1" lang="ja-JP" altLang="en-US" smtClean="0"/>
-              <a:t>2016/1/19</a:t>
+              <a:t>2016/1/20</a:t>
             </a:fld>
             <a:endParaRPr kumimoji="1" lang="ja-JP" altLang="en-US"/>
           </a:p>
@@ -862,7 +746,7 @@
           <a:p>
             <a:fld id="{6D5AE416-A1F7-4A45-86C7-F92E55601727}" type="datetimeFigureOut">
               <a:rPr kumimoji="1" lang="ja-JP" altLang="en-US" smtClean="0"/>
-              <a:t>2016/1/19</a:t>
+              <a:t>2016/1/20</a:t>
             </a:fld>
             <a:endParaRPr kumimoji="1" lang="ja-JP" altLang="en-US"/>
           </a:p>
@@ -1108,7 +992,7 @@
           <a:p>
             <a:fld id="{6D5AE416-A1F7-4A45-86C7-F92E55601727}" type="datetimeFigureOut">
               <a:rPr kumimoji="1" lang="ja-JP" altLang="en-US" smtClean="0"/>
-              <a:t>2016/1/19</a:t>
+              <a:t>2016/1/20</a:t>
             </a:fld>
             <a:endParaRPr kumimoji="1" lang="ja-JP" altLang="en-US"/>
           </a:p>
@@ -1404,7 +1288,7 @@
           <a:p>
             <a:fld id="{6D5AE416-A1F7-4A45-86C7-F92E55601727}" type="datetimeFigureOut">
               <a:rPr kumimoji="1" lang="ja-JP" altLang="en-US" smtClean="0"/>
-              <a:t>2016/1/19</a:t>
+              <a:t>2016/1/20</a:t>
             </a:fld>
             <a:endParaRPr kumimoji="1" lang="ja-JP" altLang="en-US"/>
           </a:p>
@@ -1835,7 +1719,7 @@
           <a:p>
             <a:fld id="{6D5AE416-A1F7-4A45-86C7-F92E55601727}" type="datetimeFigureOut">
               <a:rPr kumimoji="1" lang="ja-JP" altLang="en-US" smtClean="0"/>
-              <a:t>2016/1/19</a:t>
+              <a:t>2016/1/20</a:t>
             </a:fld>
             <a:endParaRPr kumimoji="1" lang="ja-JP" altLang="en-US"/>
           </a:p>
@@ -1953,7 +1837,7 @@
           <a:p>
             <a:fld id="{6D5AE416-A1F7-4A45-86C7-F92E55601727}" type="datetimeFigureOut">
               <a:rPr kumimoji="1" lang="ja-JP" altLang="en-US" smtClean="0"/>
-              <a:t>2016/1/19</a:t>
+              <a:t>2016/1/20</a:t>
             </a:fld>
             <a:endParaRPr kumimoji="1" lang="ja-JP" altLang="en-US"/>
           </a:p>
@@ -2048,7 +1932,7 @@
           <a:p>
             <a:fld id="{6D5AE416-A1F7-4A45-86C7-F92E55601727}" type="datetimeFigureOut">
               <a:rPr kumimoji="1" lang="ja-JP" altLang="en-US" smtClean="0"/>
-              <a:t>2016/1/19</a:t>
+              <a:t>2016/1/20</a:t>
             </a:fld>
             <a:endParaRPr kumimoji="1" lang="ja-JP" altLang="en-US"/>
           </a:p>
@@ -2357,7 +2241,7 @@
           <a:p>
             <a:fld id="{6D5AE416-A1F7-4A45-86C7-F92E55601727}" type="datetimeFigureOut">
               <a:rPr kumimoji="1" lang="ja-JP" altLang="en-US" smtClean="0"/>
-              <a:t>2016/1/19</a:t>
+              <a:t>2016/1/20</a:t>
             </a:fld>
             <a:endParaRPr kumimoji="1" lang="ja-JP" altLang="en-US"/>
           </a:p>
@@ -2610,7 +2494,7 @@
           <a:p>
             <a:fld id="{6D5AE416-A1F7-4A45-86C7-F92E55601727}" type="datetimeFigureOut">
               <a:rPr kumimoji="1" lang="ja-JP" altLang="en-US" smtClean="0"/>
-              <a:t>2016/1/19</a:t>
+              <a:t>2016/1/20</a:t>
             </a:fld>
             <a:endParaRPr kumimoji="1" lang="ja-JP" altLang="en-US"/>
           </a:p>
@@ -2855,7 +2739,7 @@
           <a:p>
             <a:fld id="{6D5AE416-A1F7-4A45-86C7-F92E55601727}" type="datetimeFigureOut">
               <a:rPr kumimoji="1" lang="ja-JP" altLang="en-US" smtClean="0"/>
-              <a:t>2016/1/19</a:t>
+              <a:t>2016/1/20</a:t>
             </a:fld>
             <a:endParaRPr kumimoji="1" lang="ja-JP" altLang="en-US"/>
           </a:p>
@@ -3262,14 +3146,14 @@
       </p:grpSpPr>
       <p:sp>
         <p:nvSpPr>
-          <p:cNvPr id="4" name="テキスト ボックス 3"/>
+          <p:cNvPr id="5" name="テキスト ボックス 4"/>
           <p:cNvSpPr txBox="1"/>
           <p:nvPr/>
         </p:nvSpPr>
         <p:spPr>
           <a:xfrm>
-            <a:off x="844731" y="740229"/>
-            <a:ext cx="1454244" cy="3970318"/>
+            <a:off x="326571" y="627018"/>
+            <a:ext cx="9642383" cy="3693319"/>
           </a:xfrm>
           <a:prstGeom prst="rect">
             <a:avLst/>
@@ -3283,265 +3167,134 @@
           <a:lstStyle/>
           <a:p>
             <a:r>
+              <a:rPr lang="ja-JP" altLang="en-US" dirty="0"/>
+              <a:t>タイトル</a:t>
+            </a:r>
+            <a:endParaRPr lang="en-US" altLang="ja-JP" dirty="0"/>
+          </a:p>
+          <a:p>
+            <a:r>
               <a:rPr kumimoji="1" lang="ja-JP" altLang="en-US" dirty="0" smtClean="0"/>
-              <a:t>スケジュール</a:t>
+              <a:t>　パズドラデータベース</a:t>
             </a:r>
             <a:endParaRPr kumimoji="1" lang="en-US" altLang="ja-JP" dirty="0" smtClean="0"/>
           </a:p>
           <a:p>
+            <a:endParaRPr lang="en-US" altLang="ja-JP" dirty="0" smtClean="0"/>
+          </a:p>
+          <a:p>
+            <a:endParaRPr lang="en-US" altLang="ja-JP" dirty="0" smtClean="0"/>
+          </a:p>
+          <a:p>
+            <a:r>
+              <a:rPr lang="ja-JP" altLang="en-US" dirty="0" smtClean="0"/>
+              <a:t>内容</a:t>
+            </a:r>
+            <a:endParaRPr lang="en-US" altLang="ja-JP" dirty="0"/>
+          </a:p>
+          <a:p>
             <a:r>
               <a:rPr kumimoji="1" lang="ja-JP" altLang="en-US" dirty="0" smtClean="0"/>
-              <a:t>１日目</a:t>
+              <a:t>　・モンスター情報（ステータスや属性）などを、データベースに保存・閲覧といった</a:t>
+            </a:r>
+            <a:r>
+              <a:rPr kumimoji="1" lang="en-US" altLang="ja-JP" dirty="0" smtClean="0"/>
+              <a:t>CRUD</a:t>
+            </a:r>
+            <a:r>
+              <a:rPr kumimoji="1" lang="ja-JP" altLang="en-US" dirty="0" smtClean="0"/>
+              <a:t>機能の実装</a:t>
             </a:r>
             <a:endParaRPr kumimoji="1" lang="en-US" altLang="ja-JP" dirty="0" smtClean="0"/>
           </a:p>
           <a:p>
             <a:r>
+              <a:rPr lang="ja-JP" altLang="en-US" dirty="0" smtClean="0"/>
+              <a:t>　・授業で習ったことの復習</a:t>
+            </a:r>
+            <a:endParaRPr lang="en-US" altLang="ja-JP" dirty="0" smtClean="0"/>
+          </a:p>
+          <a:p>
+            <a:r>
               <a:rPr kumimoji="1" lang="ja-JP" altLang="en-US" dirty="0" smtClean="0"/>
-              <a:t>　</a:t>
-            </a:r>
-            <a:r>
-              <a:rPr kumimoji="1" lang="en-US" altLang="ja-JP" dirty="0" smtClean="0"/>
-              <a:t>PC</a:t>
-            </a:r>
+              <a:t>　・画像のアップロード機能の実装</a:t>
+            </a:r>
+            <a:endParaRPr kumimoji="1" lang="en-US" altLang="ja-JP" dirty="0" smtClean="0"/>
+          </a:p>
+          <a:p>
+            <a:r>
+              <a:rPr lang="ja-JP" altLang="en-US" dirty="0" smtClean="0"/>
+              <a:t>　・</a:t>
+            </a:r>
+            <a:r>
+              <a:rPr lang="en-US" altLang="ja-JP" dirty="0" smtClean="0"/>
+              <a:t>CSS</a:t>
+            </a:r>
+            <a:r>
+              <a:rPr lang="ja-JP" altLang="en-US" dirty="0" smtClean="0"/>
+              <a:t>などによるレイアウトの変更など</a:t>
+            </a:r>
+            <a:endParaRPr lang="en-US" altLang="ja-JP" dirty="0" smtClean="0"/>
+          </a:p>
+          <a:p>
+            <a:endParaRPr kumimoji="1" lang="en-US" altLang="ja-JP" dirty="0" smtClean="0"/>
+          </a:p>
+          <a:p>
+            <a:endParaRPr lang="en-US" altLang="ja-JP" dirty="0" smtClean="0"/>
+          </a:p>
+          <a:p>
+            <a:r>
+              <a:rPr lang="ja-JP" altLang="en-US" dirty="0" smtClean="0"/>
+              <a:t>弱点</a:t>
+            </a:r>
+            <a:r>
+              <a:rPr lang="ja-JP" altLang="en-US" dirty="0"/>
+              <a:t>意識</a:t>
+            </a:r>
+            <a:r>
+              <a:rPr lang="ja-JP" altLang="en-US" dirty="0" smtClean="0"/>
+              <a:t>のある個所を積極的に担当者に割り振ることにより、習熟度を高めることを目的とする。</a:t>
+            </a:r>
+            <a:endParaRPr lang="en-US" altLang="ja-JP" dirty="0" smtClean="0"/>
+          </a:p>
+          <a:p>
             <a:r>
               <a:rPr kumimoji="1" lang="ja-JP" altLang="en-US" dirty="0" smtClean="0"/>
-              <a:t>設定</a:t>
+              <a:t>また、個々の技術向上のため余力のある者は積極的に新機能を実装したい</a:t>
             </a:r>
             <a:endParaRPr kumimoji="1" lang="en-US" altLang="ja-JP" dirty="0" smtClean="0"/>
           </a:p>
-          <a:p>
-            <a:r>
-              <a:rPr lang="ja-JP" altLang="en-US" dirty="0"/>
-              <a:t>　</a:t>
-            </a:r>
-            <a:r>
-              <a:rPr lang="ja-JP" altLang="en-US" dirty="0" smtClean="0"/>
-              <a:t>設計</a:t>
-            </a:r>
-            <a:endParaRPr lang="en-US" altLang="ja-JP" dirty="0" smtClean="0"/>
-          </a:p>
-          <a:p>
-            <a:r>
-              <a:rPr kumimoji="1" lang="ja-JP" altLang="en-US" dirty="0"/>
-              <a:t>　</a:t>
-            </a:r>
-            <a:r>
-              <a:rPr kumimoji="1" lang="ja-JP" altLang="en-US" dirty="0" smtClean="0"/>
-              <a:t>役割分担</a:t>
-            </a:r>
-            <a:endParaRPr kumimoji="1" lang="en-US" altLang="ja-JP" dirty="0" smtClean="0"/>
-          </a:p>
-          <a:p>
-            <a:r>
-              <a:rPr lang="en-US" altLang="ja-JP" dirty="0" smtClean="0"/>
-              <a:t>2</a:t>
-            </a:r>
-            <a:r>
-              <a:rPr lang="ja-JP" altLang="en-US" dirty="0" smtClean="0"/>
-              <a:t>日目</a:t>
-            </a:r>
-            <a:endParaRPr lang="en-US" altLang="ja-JP" dirty="0"/>
-          </a:p>
-          <a:p>
-            <a:r>
-              <a:rPr kumimoji="1" lang="ja-JP" altLang="en-US" dirty="0" smtClean="0"/>
-              <a:t>　制作</a:t>
-            </a:r>
-            <a:endParaRPr kumimoji="1" lang="en-US" altLang="ja-JP" dirty="0" smtClean="0"/>
-          </a:p>
-          <a:p>
-            <a:r>
-              <a:rPr lang="en-US" altLang="ja-JP" dirty="0" smtClean="0"/>
-              <a:t>3</a:t>
-            </a:r>
-            <a:r>
-              <a:rPr lang="ja-JP" altLang="en-US" dirty="0" smtClean="0"/>
-              <a:t>日目</a:t>
-            </a:r>
-            <a:endParaRPr lang="en-US" altLang="ja-JP" dirty="0"/>
-          </a:p>
-          <a:p>
-            <a:r>
-              <a:rPr lang="ja-JP" altLang="en-US" dirty="0"/>
-              <a:t>　制作</a:t>
-            </a:r>
-            <a:endParaRPr lang="en-US" altLang="ja-JP" dirty="0"/>
-          </a:p>
-          <a:p>
-            <a:r>
-              <a:rPr lang="en-US" altLang="ja-JP" dirty="0" smtClean="0"/>
-              <a:t>4</a:t>
-            </a:r>
-            <a:r>
-              <a:rPr lang="ja-JP" altLang="en-US" dirty="0" smtClean="0"/>
-              <a:t>日目</a:t>
-            </a:r>
-            <a:endParaRPr lang="en-US" altLang="ja-JP" dirty="0"/>
-          </a:p>
-          <a:p>
-            <a:r>
-              <a:rPr lang="ja-JP" altLang="en-US" dirty="0"/>
-              <a:t>　発表準備</a:t>
-            </a:r>
-            <a:endParaRPr lang="en-US" altLang="ja-JP" dirty="0"/>
-          </a:p>
-          <a:p>
-            <a:r>
-              <a:rPr lang="en-US" altLang="ja-JP" dirty="0" smtClean="0"/>
-              <a:t>5</a:t>
-            </a:r>
-            <a:r>
-              <a:rPr lang="ja-JP" altLang="en-US" dirty="0" smtClean="0"/>
-              <a:t>日目</a:t>
-            </a:r>
-            <a:endParaRPr lang="en-US" altLang="ja-JP" dirty="0" smtClean="0"/>
-          </a:p>
-          <a:p>
-            <a:r>
-              <a:rPr lang="ja-JP" altLang="en-US" dirty="0"/>
-              <a:t>　発表</a:t>
-            </a:r>
-          </a:p>
-          <a:p>
-            <a:endParaRPr kumimoji="1" lang="ja-JP" altLang="en-US" dirty="0"/>
-          </a:p>
-        </p:txBody>
-      </p:sp>
-      <p:sp>
-        <p:nvSpPr>
-          <p:cNvPr id="5" name="テキスト ボックス 4"/>
+        </p:txBody>
+      </p:sp>
+      <p:sp>
+        <p:nvSpPr>
+          <p:cNvPr id="7" name="テキスト ボックス 6"/>
           <p:cNvSpPr txBox="1"/>
           <p:nvPr/>
         </p:nvSpPr>
         <p:spPr>
           <a:xfrm>
-            <a:off x="3435531" y="740229"/>
-            <a:ext cx="2303836" cy="646331"/>
+            <a:off x="0" y="0"/>
+            <a:ext cx="12192000" cy="369332"/>
           </a:xfrm>
           <a:prstGeom prst="rect">
             <a:avLst/>
           </a:prstGeom>
-          <a:noFill/>
+          <a:solidFill>
+            <a:schemeClr val="accent6"/>
+          </a:solidFill>
         </p:spPr>
         <p:txBody>
-          <a:bodyPr wrap="none" rtlCol="0">
+          <a:bodyPr wrap="square" rtlCol="0">
             <a:spAutoFit/>
           </a:bodyPr>
           <a:lstStyle/>
           <a:p>
             <a:r>
               <a:rPr kumimoji="1" lang="ja-JP" altLang="en-US" dirty="0" smtClean="0"/>
-              <a:t>作るもの</a:t>
+              <a:t>作るもの及び目的</a:t>
             </a:r>
             <a:endParaRPr kumimoji="1" lang="en-US" altLang="ja-JP" dirty="0" smtClean="0"/>
-          </a:p>
-          <a:p>
-            <a:r>
-              <a:rPr kumimoji="1" lang="ja-JP" altLang="en-US" dirty="0" smtClean="0"/>
-              <a:t>パズドラデータベース</a:t>
-            </a:r>
-            <a:endParaRPr kumimoji="1" lang="ja-JP" altLang="en-US" dirty="0"/>
-          </a:p>
-        </p:txBody>
-      </p:sp>
-      <p:sp>
-        <p:nvSpPr>
-          <p:cNvPr id="6" name="テキスト ボックス 5"/>
-          <p:cNvSpPr txBox="1"/>
-          <p:nvPr/>
-        </p:nvSpPr>
-        <p:spPr>
-          <a:xfrm>
-            <a:off x="6653348" y="740228"/>
-            <a:ext cx="2915413" cy="1754326"/>
-          </a:xfrm>
-          <a:prstGeom prst="rect">
-            <a:avLst/>
-          </a:prstGeom>
-          <a:noFill/>
-        </p:spPr>
-        <p:txBody>
-          <a:bodyPr wrap="none" rtlCol="0">
-            <a:spAutoFit/>
-          </a:bodyPr>
-          <a:lstStyle/>
-          <a:p>
-            <a:r>
-              <a:rPr kumimoji="1" lang="ja-JP" altLang="en-US" dirty="0" smtClean="0"/>
-              <a:t>作業内容</a:t>
-            </a:r>
-            <a:endParaRPr kumimoji="1" lang="en-US" altLang="ja-JP" dirty="0" smtClean="0"/>
-          </a:p>
-          <a:p>
-            <a:r>
-              <a:rPr lang="en-US" altLang="ja-JP" dirty="0" smtClean="0"/>
-              <a:t>1/19</a:t>
-            </a:r>
-            <a:r>
-              <a:rPr lang="ja-JP" altLang="en-US" dirty="0" smtClean="0"/>
-              <a:t>（火）</a:t>
-            </a:r>
-            <a:endParaRPr kumimoji="1" lang="en-US" altLang="ja-JP" dirty="0" smtClean="0"/>
-          </a:p>
-          <a:p>
-            <a:r>
-              <a:rPr kumimoji="1" lang="ja-JP" altLang="en-US" dirty="0" smtClean="0"/>
-              <a:t>斎藤</a:t>
-            </a:r>
-            <a:r>
-              <a:rPr kumimoji="1" lang="en-US" altLang="ja-JP" dirty="0" smtClean="0"/>
-              <a:t>	DB</a:t>
-            </a:r>
-            <a:r>
-              <a:rPr kumimoji="1" lang="ja-JP" altLang="en-US" dirty="0" smtClean="0"/>
-              <a:t>作成</a:t>
-            </a:r>
-            <a:endParaRPr kumimoji="1" lang="en-US" altLang="ja-JP" dirty="0" smtClean="0"/>
-          </a:p>
-          <a:p>
-            <a:r>
-              <a:rPr lang="ja-JP" altLang="en-US" dirty="0" smtClean="0"/>
-              <a:t>岩崎</a:t>
-            </a:r>
-            <a:r>
-              <a:rPr lang="en-US" altLang="ja-JP" dirty="0" smtClean="0"/>
-              <a:t>	</a:t>
-            </a:r>
-            <a:r>
-              <a:rPr lang="ja-JP" altLang="en-US" dirty="0" smtClean="0"/>
-              <a:t>塩ふり</a:t>
-            </a:r>
-            <a:r>
-              <a:rPr lang="en-US" altLang="ja-JP" dirty="0" smtClean="0"/>
-              <a:t>/</a:t>
-            </a:r>
-            <a:r>
-              <a:rPr lang="en-US" altLang="ja-JP" dirty="0" err="1" smtClean="0"/>
-              <a:t>gitHub</a:t>
-            </a:r>
-            <a:r>
-              <a:rPr lang="ja-JP" altLang="en-US" dirty="0" smtClean="0"/>
-              <a:t>準備</a:t>
-            </a:r>
-            <a:endParaRPr lang="en-US" altLang="ja-JP" dirty="0" smtClean="0"/>
-          </a:p>
-          <a:p>
-            <a:r>
-              <a:rPr lang="ja-JP" altLang="en-US" dirty="0" smtClean="0"/>
-              <a:t>水野</a:t>
-            </a:r>
-            <a:r>
-              <a:rPr lang="en-US" altLang="ja-JP" dirty="0" smtClean="0"/>
-              <a:t>	Bake</a:t>
-            </a:r>
-          </a:p>
-          <a:p>
-            <a:r>
-              <a:rPr lang="ja-JP" altLang="en-US" dirty="0" smtClean="0"/>
-              <a:t>高野</a:t>
-            </a:r>
-            <a:endParaRPr lang="en-US" altLang="ja-JP" dirty="0"/>
           </a:p>
         </p:txBody>
       </p:sp>
@@ -3558,7 +3311,7 @@
 </p:sld>
 </file>
 
-<file path=ppt/slides/slide2.xml><?xml version="1.0" encoding="utf-8"?>
+<file path=ppt/slides/slide4.xml><?xml version="1.0" encoding="utf-8"?>
 <p:sld xmlns:a="http://schemas.openxmlformats.org/drawingml/2006/main" xmlns:r="http://schemas.openxmlformats.org/officeDocument/2006/relationships" xmlns:p="http://schemas.openxmlformats.org/presentationml/2006/main">
   <p:cSld>
     <p:spTree>
@@ -3577,14 +3330,95 @@
       </p:grpSpPr>
       <p:sp>
         <p:nvSpPr>
+          <p:cNvPr id="3" name="円形吹き出し 2"/>
+          <p:cNvSpPr/>
+          <p:nvPr/>
+        </p:nvSpPr>
+        <p:spPr>
+          <a:xfrm>
+            <a:off x="3129099" y="692331"/>
+            <a:ext cx="5347062" cy="1944580"/>
+          </a:xfrm>
+          <a:prstGeom prst="wedgeEllipseCallout">
+            <a:avLst>
+              <a:gd name="adj1" fmla="val 62356"/>
+              <a:gd name="adj2" fmla="val 56622"/>
+            </a:avLst>
+          </a:prstGeom>
+          <a:noFill/>
+          <a:ln w="38100">
+            <a:solidFill>
+              <a:schemeClr val="accent1"/>
+            </a:solidFill>
+          </a:ln>
+        </p:spPr>
+        <p:style>
+          <a:lnRef idx="2">
+            <a:schemeClr val="accent1">
+              <a:shade val="50000"/>
+            </a:schemeClr>
+          </a:lnRef>
+          <a:fillRef idx="1">
+            <a:schemeClr val="accent1"/>
+          </a:fillRef>
+          <a:effectRef idx="0">
+            <a:schemeClr val="accent1"/>
+          </a:effectRef>
+          <a:fontRef idx="minor">
+            <a:schemeClr val="lt1"/>
+          </a:fontRef>
+        </p:style>
+        <p:txBody>
+          <a:bodyPr rtlCol="0" anchor="ctr"/>
+          <a:lstStyle/>
+          <a:p>
+            <a:pPr algn="ctr"/>
+            <a:endParaRPr kumimoji="1" lang="ja-JP" altLang="en-US"/>
+          </a:p>
+        </p:txBody>
+      </p:sp>
+      <p:sp>
+        <p:nvSpPr>
+          <p:cNvPr id="9" name="テキスト ボックス 8"/>
+          <p:cNvSpPr txBox="1"/>
+          <p:nvPr/>
+        </p:nvSpPr>
+        <p:spPr>
+          <a:xfrm>
+            <a:off x="0" y="0"/>
+            <a:ext cx="12192000" cy="369332"/>
+          </a:xfrm>
+          <a:prstGeom prst="rect">
+            <a:avLst/>
+          </a:prstGeom>
+          <a:solidFill>
+            <a:schemeClr val="accent6"/>
+          </a:solidFill>
+        </p:spPr>
+        <p:txBody>
+          <a:bodyPr wrap="square" rtlCol="0">
+            <a:spAutoFit/>
+          </a:bodyPr>
+          <a:lstStyle/>
+          <a:p>
+            <a:r>
+              <a:rPr kumimoji="1" lang="ja-JP" altLang="en-US" dirty="0" smtClean="0"/>
+              <a:t>データベース</a:t>
+            </a:r>
+            <a:endParaRPr kumimoji="1" lang="en-US" altLang="ja-JP" dirty="0" smtClean="0"/>
+          </a:p>
+        </p:txBody>
+      </p:sp>
+      <p:sp>
+        <p:nvSpPr>
           <p:cNvPr id="4" name="テキスト ボックス 3"/>
           <p:cNvSpPr txBox="1"/>
           <p:nvPr/>
         </p:nvSpPr>
         <p:spPr>
           <a:xfrm>
-            <a:off x="113211" y="69669"/>
-            <a:ext cx="1681871" cy="369332"/>
+            <a:off x="1280700" y="3808129"/>
+            <a:ext cx="798617" cy="369332"/>
           </a:xfrm>
           <a:prstGeom prst="rect">
             <a:avLst/>
@@ -3598,8 +3432,12 @@
           <a:lstStyle/>
           <a:p>
             <a:r>
+              <a:rPr kumimoji="1" lang="en-US" altLang="ja-JP" dirty="0" smtClean="0"/>
+              <a:t>DB</a:t>
+            </a:r>
+            <a:r>
               <a:rPr kumimoji="1" lang="ja-JP" altLang="en-US" dirty="0" smtClean="0"/>
-              <a:t>データベース案</a:t>
+              <a:t>名：</a:t>
             </a:r>
             <a:endParaRPr kumimoji="1" lang="ja-JP" altLang="en-US" dirty="0"/>
           </a:p>
@@ -3613,13 +3451,20 @@
         </p:nvSpPr>
         <p:spPr>
           <a:xfrm>
-            <a:off x="317863" y="505096"/>
-            <a:ext cx="1547218" cy="2031325"/>
+            <a:off x="492036" y="1164831"/>
+            <a:ext cx="1146450" cy="1438573"/>
           </a:xfrm>
-          <a:prstGeom prst="rect">
-            <a:avLst/>
+          <a:prstGeom prst="roundRect">
+            <a:avLst>
+              <a:gd name="adj" fmla="val 8527"/>
+            </a:avLst>
           </a:prstGeom>
           <a:noFill/>
+          <a:ln>
+            <a:solidFill>
+              <a:schemeClr val="accent1"/>
+            </a:solidFill>
+          </a:ln>
         </p:spPr>
         <p:txBody>
           <a:bodyPr wrap="none" rtlCol="0">
@@ -3628,51 +3473,51 @@
           <a:lstStyle/>
           <a:p>
             <a:r>
-              <a:rPr kumimoji="1" lang="ja-JP" altLang="en-US" dirty="0" smtClean="0"/>
+              <a:rPr kumimoji="1" lang="ja-JP" altLang="en-US" sz="1200" dirty="0" smtClean="0"/>
               <a:t>■必要な情報</a:t>
             </a:r>
-            <a:endParaRPr kumimoji="1" lang="en-US" altLang="ja-JP" dirty="0" smtClean="0"/>
-          </a:p>
-          <a:p>
-            <a:r>
-              <a:rPr kumimoji="1" lang="ja-JP" altLang="en-US" dirty="0" smtClean="0"/>
+            <a:endParaRPr kumimoji="1" lang="en-US" altLang="ja-JP" sz="1200" dirty="0" smtClean="0"/>
+          </a:p>
+          <a:p>
+            <a:r>
+              <a:rPr kumimoji="1" lang="ja-JP" altLang="en-US" sz="1200" dirty="0" smtClean="0"/>
               <a:t>レベル</a:t>
             </a:r>
-            <a:endParaRPr kumimoji="1" lang="en-US" altLang="ja-JP" dirty="0" smtClean="0"/>
-          </a:p>
-          <a:p>
-            <a:r>
-              <a:rPr lang="en-US" altLang="ja-JP" dirty="0" smtClean="0"/>
+            <a:endParaRPr kumimoji="1" lang="en-US" altLang="ja-JP" sz="1200" dirty="0" smtClean="0"/>
+          </a:p>
+          <a:p>
+            <a:r>
+              <a:rPr lang="en-US" altLang="ja-JP" sz="1200" dirty="0" smtClean="0"/>
               <a:t>HP</a:t>
             </a:r>
           </a:p>
           <a:p>
             <a:r>
-              <a:rPr kumimoji="1" lang="ja-JP" altLang="en-US" dirty="0" smtClean="0"/>
+              <a:rPr kumimoji="1" lang="ja-JP" altLang="en-US" sz="1200" dirty="0" smtClean="0"/>
               <a:t>攻撃力</a:t>
             </a:r>
-            <a:endParaRPr kumimoji="1" lang="en-US" altLang="ja-JP" dirty="0" smtClean="0"/>
-          </a:p>
-          <a:p>
-            <a:r>
-              <a:rPr lang="ja-JP" altLang="en-US" dirty="0" smtClean="0"/>
+            <a:endParaRPr kumimoji="1" lang="en-US" altLang="ja-JP" sz="1200" dirty="0" smtClean="0"/>
+          </a:p>
+          <a:p>
+            <a:r>
+              <a:rPr lang="ja-JP" altLang="en-US" sz="1200" dirty="0" smtClean="0"/>
               <a:t>属性</a:t>
             </a:r>
-            <a:endParaRPr lang="en-US" altLang="ja-JP" dirty="0" smtClean="0"/>
-          </a:p>
-          <a:p>
-            <a:r>
-              <a:rPr kumimoji="1" lang="ja-JP" altLang="en-US" dirty="0" smtClean="0"/>
+            <a:endParaRPr lang="en-US" altLang="ja-JP" sz="1200" dirty="0" smtClean="0"/>
+          </a:p>
+          <a:p>
+            <a:r>
+              <a:rPr kumimoji="1" lang="ja-JP" altLang="en-US" sz="1200" dirty="0" smtClean="0"/>
               <a:t>種族</a:t>
             </a:r>
-            <a:endParaRPr kumimoji="1" lang="en-US" altLang="ja-JP" dirty="0" smtClean="0"/>
-          </a:p>
-          <a:p>
-            <a:r>
-              <a:rPr lang="ja-JP" altLang="en-US" dirty="0"/>
+            <a:endParaRPr kumimoji="1" lang="en-US" altLang="ja-JP" sz="1200" dirty="0" smtClean="0"/>
+          </a:p>
+          <a:p>
+            <a:r>
+              <a:rPr lang="ja-JP" altLang="en-US" sz="1200" dirty="0"/>
               <a:t>画像</a:t>
             </a:r>
-            <a:endParaRPr kumimoji="1" lang="ja-JP" altLang="en-US" dirty="0"/>
+            <a:endParaRPr kumimoji="1" lang="ja-JP" altLang="en-US" sz="1200" dirty="0"/>
           </a:p>
         </p:txBody>
       </p:sp>
@@ -3684,8 +3529,8 @@
         </p:nvSpPr>
         <p:spPr>
           <a:xfrm>
-            <a:off x="6191794" y="1894113"/>
-            <a:ext cx="2974660" cy="923330"/>
+            <a:off x="5286103" y="1018290"/>
+            <a:ext cx="1818126" cy="577081"/>
           </a:xfrm>
           <a:prstGeom prst="rect">
             <a:avLst/>
@@ -3704,27 +3549,27 @@
           <a:lstStyle/>
           <a:p>
             <a:r>
-              <a:rPr kumimoji="1" lang="ja-JP" altLang="en-US" dirty="0" smtClean="0"/>
+              <a:rPr kumimoji="1" lang="ja-JP" altLang="en-US" sz="1050" dirty="0" smtClean="0"/>
               <a:t>＜属性＞</a:t>
             </a:r>
-            <a:endParaRPr kumimoji="1" lang="en-US" altLang="ja-JP" dirty="0" smtClean="0"/>
-          </a:p>
-          <a:p>
-            <a:r>
-              <a:rPr lang="en-US" altLang="ja-JP" dirty="0" smtClean="0"/>
+            <a:endParaRPr kumimoji="1" lang="en-US" altLang="ja-JP" sz="1050" dirty="0" smtClean="0"/>
+          </a:p>
+          <a:p>
+            <a:r>
+              <a:rPr lang="en-US" altLang="ja-JP" sz="1050" dirty="0" smtClean="0"/>
               <a:t>Id</a:t>
             </a:r>
           </a:p>
           <a:p>
             <a:r>
-              <a:rPr kumimoji="1" lang="en-US" altLang="ja-JP" dirty="0" smtClean="0"/>
+              <a:rPr kumimoji="1" lang="en-US" altLang="ja-JP" sz="1050" dirty="0" smtClean="0"/>
               <a:t>Type</a:t>
             </a:r>
             <a:r>
-              <a:rPr kumimoji="1" lang="ja-JP" altLang="en-US" dirty="0" smtClean="0"/>
+              <a:rPr kumimoji="1" lang="ja-JP" altLang="en-US" sz="1050" dirty="0" smtClean="0"/>
               <a:t>・・・（火、水、木、光、闇）</a:t>
             </a:r>
-            <a:endParaRPr kumimoji="1" lang="en-US" altLang="ja-JP" dirty="0" smtClean="0"/>
+            <a:endParaRPr kumimoji="1" lang="en-US" altLang="ja-JP" sz="1050" dirty="0" smtClean="0"/>
           </a:p>
         </p:txBody>
       </p:sp>
@@ -3736,8 +3581,8 @@
         </p:nvSpPr>
         <p:spPr>
           <a:xfrm>
-            <a:off x="6191794" y="3243942"/>
-            <a:ext cx="4505529" cy="923330"/>
+            <a:off x="5268958" y="1672123"/>
+            <a:ext cx="2642070" cy="577081"/>
           </a:xfrm>
           <a:prstGeom prst="rect">
             <a:avLst/>
@@ -3756,35 +3601,35 @@
           <a:lstStyle/>
           <a:p>
             <a:r>
-              <a:rPr kumimoji="1" lang="ja-JP" altLang="en-US" dirty="0" smtClean="0"/>
+              <a:rPr kumimoji="1" lang="ja-JP" altLang="en-US" sz="1050" dirty="0" smtClean="0"/>
               <a:t>＜種族＞</a:t>
             </a:r>
-            <a:endParaRPr kumimoji="1" lang="en-US" altLang="ja-JP" dirty="0" smtClean="0"/>
-          </a:p>
-          <a:p>
-            <a:r>
-              <a:rPr lang="en-US" altLang="ja-JP" dirty="0" smtClean="0"/>
+            <a:endParaRPr kumimoji="1" lang="en-US" altLang="ja-JP" sz="1050" dirty="0" smtClean="0"/>
+          </a:p>
+          <a:p>
+            <a:r>
+              <a:rPr lang="en-US" altLang="ja-JP" sz="1050" dirty="0" smtClean="0"/>
               <a:t>Id</a:t>
             </a:r>
           </a:p>
           <a:p>
             <a:r>
-              <a:rPr kumimoji="1" lang="en-US" altLang="ja-JP" dirty="0" smtClean="0"/>
+              <a:rPr kumimoji="1" lang="en-US" altLang="ja-JP" sz="1050" dirty="0" smtClean="0"/>
               <a:t>Type</a:t>
             </a:r>
             <a:r>
-              <a:rPr kumimoji="1" lang="ja-JP" altLang="en-US" dirty="0" smtClean="0"/>
+              <a:rPr kumimoji="1" lang="ja-JP" altLang="en-US" sz="1050" dirty="0" smtClean="0"/>
               <a:t>・・・（神、ドラゴン、バランス、攻撃、</a:t>
             </a:r>
             <a:r>
-              <a:rPr kumimoji="1" lang="en-US" altLang="ja-JP" dirty="0" err="1" smtClean="0"/>
+              <a:rPr kumimoji="1" lang="en-US" altLang="ja-JP" sz="1050" dirty="0" err="1" smtClean="0"/>
               <a:t>etc</a:t>
             </a:r>
             <a:r>
-              <a:rPr kumimoji="1" lang="ja-JP" altLang="en-US" dirty="0" smtClean="0"/>
+              <a:rPr kumimoji="1" lang="ja-JP" altLang="en-US" sz="1050" dirty="0" smtClean="0"/>
               <a:t>）</a:t>
             </a:r>
-            <a:endParaRPr kumimoji="1" lang="en-US" altLang="ja-JP" dirty="0" smtClean="0"/>
+            <a:endParaRPr kumimoji="1" lang="en-US" altLang="ja-JP" sz="1050" dirty="0" smtClean="0"/>
           </a:p>
         </p:txBody>
       </p:sp>
@@ -3796,8 +3641,8 @@
         </p:nvSpPr>
         <p:spPr>
           <a:xfrm>
-            <a:off x="3230879" y="1894113"/>
-            <a:ext cx="1822935" cy="2031325"/>
+            <a:off x="4021012" y="1018290"/>
+            <a:ext cx="1143262" cy="1223412"/>
           </a:xfrm>
           <a:prstGeom prst="rect">
             <a:avLst/>
@@ -3816,133 +3661,109 @@
           <a:lstStyle/>
           <a:p>
             <a:r>
-              <a:rPr kumimoji="1" lang="ja-JP" altLang="en-US" dirty="0" smtClean="0"/>
+              <a:rPr kumimoji="1" lang="ja-JP" altLang="en-US" sz="1050" dirty="0" smtClean="0"/>
               <a:t>＜キャラクター＞</a:t>
             </a:r>
-            <a:endParaRPr kumimoji="1" lang="en-US" altLang="ja-JP" dirty="0" smtClean="0"/>
-          </a:p>
-          <a:p>
-            <a:r>
-              <a:rPr lang="en-US" altLang="ja-JP" dirty="0" smtClean="0"/>
+            <a:endParaRPr kumimoji="1" lang="en-US" altLang="ja-JP" sz="1050" dirty="0" smtClean="0"/>
+          </a:p>
+          <a:p>
+            <a:r>
+              <a:rPr lang="en-US" altLang="ja-JP" sz="1050" dirty="0" smtClean="0"/>
               <a:t>Id</a:t>
             </a:r>
           </a:p>
           <a:p>
             <a:r>
-              <a:rPr kumimoji="1" lang="en-US" altLang="ja-JP" dirty="0" smtClean="0"/>
+              <a:rPr kumimoji="1" lang="en-US" altLang="ja-JP" sz="1050" dirty="0" smtClean="0"/>
               <a:t>HP</a:t>
             </a:r>
           </a:p>
           <a:p>
             <a:r>
-              <a:rPr lang="ja-JP" altLang="en-US" dirty="0" smtClean="0"/>
+              <a:rPr lang="ja-JP" altLang="en-US" sz="1050" dirty="0" smtClean="0"/>
               <a:t>攻撃力</a:t>
             </a:r>
-            <a:endParaRPr lang="en-US" altLang="ja-JP" dirty="0" smtClean="0"/>
-          </a:p>
-          <a:p>
-            <a:r>
-              <a:rPr lang="ja-JP" altLang="en-US" dirty="0" smtClean="0"/>
+            <a:endParaRPr lang="en-US" altLang="ja-JP" sz="1050" dirty="0" smtClean="0"/>
+          </a:p>
+          <a:p>
+            <a:r>
+              <a:rPr lang="ja-JP" altLang="en-US" sz="1050" dirty="0" smtClean="0"/>
               <a:t>種族</a:t>
             </a:r>
             <a:r>
-              <a:rPr lang="en-US" altLang="ja-JP" dirty="0" smtClean="0"/>
+              <a:rPr lang="en-US" altLang="ja-JP" sz="1050" dirty="0" smtClean="0"/>
               <a:t>id</a:t>
             </a:r>
           </a:p>
           <a:p>
             <a:r>
-              <a:rPr lang="ja-JP" altLang="en-US" dirty="0" smtClean="0"/>
+              <a:rPr lang="ja-JP" altLang="en-US" sz="1050" dirty="0" smtClean="0"/>
               <a:t>属性</a:t>
             </a:r>
             <a:r>
-              <a:rPr lang="en-US" altLang="ja-JP" dirty="0" smtClean="0"/>
+              <a:rPr lang="en-US" altLang="ja-JP" sz="1050" dirty="0" smtClean="0"/>
               <a:t>id</a:t>
             </a:r>
           </a:p>
           <a:p>
             <a:r>
-              <a:rPr kumimoji="1" lang="ja-JP" altLang="en-US" dirty="0"/>
+              <a:rPr kumimoji="1" lang="ja-JP" altLang="en-US" sz="1050" dirty="0"/>
               <a:t>画像</a:t>
             </a:r>
-            <a:endParaRPr kumimoji="1" lang="en-US" altLang="ja-JP" dirty="0" smtClean="0"/>
-          </a:p>
-        </p:txBody>
-      </p:sp>
-    </p:spTree>
-    <p:extLst>
-      <p:ext uri="{BB962C8B-B14F-4D97-AF65-F5344CB8AC3E}">
-        <p14:creationId xmlns:p14="http://schemas.microsoft.com/office/powerpoint/2010/main" val="2135604538"/>
-      </p:ext>
-    </p:extLst>
-  </p:cSld>
-  <p:clrMapOvr>
-    <a:masterClrMapping/>
-  </p:clrMapOvr>
-</p:sld>
-</file>
-
-<file path=ppt/slides/slide3.xml><?xml version="1.0" encoding="utf-8"?>
-<p:sld xmlns:a="http://schemas.openxmlformats.org/drawingml/2006/main" xmlns:r="http://schemas.openxmlformats.org/officeDocument/2006/relationships" xmlns:p="http://schemas.openxmlformats.org/presentationml/2006/main">
-  <p:cSld>
-    <p:spTree>
-      <p:nvGrpSpPr>
-        <p:cNvPr id="1" name=""/>
-        <p:cNvGrpSpPr/>
-        <p:nvPr/>
-      </p:nvGrpSpPr>
-      <p:grpSpPr>
-        <a:xfrm>
-          <a:off x="0" y="0"/>
-          <a:ext cx="0" cy="0"/>
-          <a:chOff x="0" y="0"/>
-          <a:chExt cx="0" cy="0"/>
-        </a:xfrm>
-      </p:grpSpPr>
-      <p:sp>
-        <p:nvSpPr>
-          <p:cNvPr id="4" name="テキスト ボックス 3"/>
+            <a:endParaRPr kumimoji="1" lang="en-US" altLang="ja-JP" sz="1050" dirty="0" smtClean="0"/>
+          </a:p>
+        </p:txBody>
+      </p:sp>
+      <p:sp>
+        <p:nvSpPr>
+          <p:cNvPr id="2" name="右矢印 1"/>
+          <p:cNvSpPr/>
+          <p:nvPr/>
+        </p:nvSpPr>
+        <p:spPr>
+          <a:xfrm>
+            <a:off x="1752130" y="1546361"/>
+            <a:ext cx="978408" cy="484632"/>
+          </a:xfrm>
+          <a:prstGeom prst="rightArrow">
+            <a:avLst/>
+          </a:prstGeom>
+        </p:spPr>
+        <p:style>
+          <a:lnRef idx="2">
+            <a:schemeClr val="accent1">
+              <a:shade val="50000"/>
+            </a:schemeClr>
+          </a:lnRef>
+          <a:fillRef idx="1">
+            <a:schemeClr val="accent1"/>
+          </a:fillRef>
+          <a:effectRef idx="0">
+            <a:schemeClr val="accent1"/>
+          </a:effectRef>
+          <a:fontRef idx="minor">
+            <a:schemeClr val="lt1"/>
+          </a:fontRef>
+        </p:style>
+        <p:txBody>
+          <a:bodyPr rtlCol="0" anchor="ctr"/>
+          <a:lstStyle/>
+          <a:p>
+            <a:pPr algn="ctr"/>
+            <a:endParaRPr kumimoji="1" lang="ja-JP" altLang="en-US"/>
+          </a:p>
+        </p:txBody>
+      </p:sp>
+      <p:sp>
+        <p:nvSpPr>
+          <p:cNvPr id="10" name="テキスト ボックス 9"/>
           <p:cNvSpPr txBox="1"/>
           <p:nvPr/>
         </p:nvSpPr>
         <p:spPr>
           <a:xfrm>
-            <a:off x="113211" y="69669"/>
-            <a:ext cx="647934" cy="369332"/>
-          </a:xfrm>
-          <a:prstGeom prst="rect">
-            <a:avLst/>
-          </a:prstGeom>
-          <a:noFill/>
-        </p:spPr>
-        <p:txBody>
-          <a:bodyPr wrap="none" rtlCol="0">
-            <a:spAutoFit/>
-          </a:bodyPr>
-          <a:lstStyle/>
-          <a:p>
-            <a:r>
-              <a:rPr kumimoji="1" lang="en-US" altLang="ja-JP" dirty="0" smtClean="0"/>
-              <a:t>ER</a:t>
-            </a:r>
-            <a:r>
-              <a:rPr kumimoji="1" lang="ja-JP" altLang="en-US" dirty="0" smtClean="0"/>
-              <a:t>図</a:t>
-            </a:r>
-            <a:endParaRPr kumimoji="1" lang="ja-JP" altLang="en-US" dirty="0"/>
-          </a:p>
-        </p:txBody>
-      </p:sp>
-      <p:sp>
-        <p:nvSpPr>
-          <p:cNvPr id="6" name="テキスト ボックス 5"/>
-          <p:cNvSpPr txBox="1"/>
-          <p:nvPr/>
-        </p:nvSpPr>
-        <p:spPr>
-          <a:xfrm>
-            <a:off x="6191794" y="1367243"/>
-            <a:ext cx="3077702" cy="1477328"/>
+            <a:off x="9279699" y="2624622"/>
+            <a:ext cx="1476686" cy="307777"/>
           </a:xfrm>
           <a:prstGeom prst="rect">
             <a:avLst/>
@@ -3961,423 +3782,74 @@
           <a:lstStyle/>
           <a:p>
             <a:r>
-              <a:rPr kumimoji="1" lang="ja-JP" altLang="en-US" dirty="0" smtClean="0"/>
-              <a:t>＜</a:t>
-            </a:r>
-            <a:r>
-              <a:rPr kumimoji="1" lang="en-US" altLang="ja-JP" dirty="0" err="1" smtClean="0"/>
-              <a:t>attrs</a:t>
-            </a:r>
-            <a:r>
-              <a:rPr kumimoji="1" lang="ja-JP" altLang="en-US" dirty="0" smtClean="0"/>
-              <a:t>＞</a:t>
-            </a:r>
-            <a:endParaRPr kumimoji="1" lang="en-US" altLang="ja-JP" dirty="0" smtClean="0"/>
-          </a:p>
-          <a:p>
-            <a:r>
-              <a:rPr lang="en-US" altLang="ja-JP" dirty="0" smtClean="0"/>
-              <a:t>Id		</a:t>
-            </a:r>
-            <a:r>
-              <a:rPr lang="en-US" altLang="ja-JP" dirty="0" err="1" smtClean="0"/>
-              <a:t>int</a:t>
-            </a:r>
-            <a:r>
-              <a:rPr lang="en-US" altLang="ja-JP" dirty="0" smtClean="0"/>
-              <a:t>/</a:t>
-            </a:r>
-            <a:r>
-              <a:rPr lang="en-US" altLang="ja-JP" dirty="0" err="1" smtClean="0"/>
-              <a:t>ai</a:t>
-            </a:r>
-            <a:r>
-              <a:rPr lang="en-US" altLang="ja-JP" dirty="0" smtClean="0"/>
-              <a:t>/</a:t>
-            </a:r>
-            <a:r>
-              <a:rPr lang="en-US" altLang="ja-JP" dirty="0" err="1" smtClean="0"/>
-              <a:t>pri</a:t>
-            </a:r>
-            <a:endParaRPr lang="en-US" altLang="ja-JP" dirty="0" smtClean="0"/>
-          </a:p>
-          <a:p>
-            <a:r>
-              <a:rPr kumimoji="1" lang="en-US" altLang="ja-JP" dirty="0" err="1" smtClean="0"/>
-              <a:t>attr_type</a:t>
-            </a:r>
-            <a:r>
-              <a:rPr kumimoji="1" lang="en-US" altLang="ja-JP" dirty="0" smtClean="0"/>
-              <a:t>		varchar</a:t>
-            </a:r>
-            <a:r>
-              <a:rPr kumimoji="1" lang="ja-JP" altLang="en-US" dirty="0" smtClean="0"/>
-              <a:t>（</a:t>
-            </a:r>
-            <a:r>
-              <a:rPr kumimoji="1" lang="en-US" altLang="ja-JP" dirty="0" smtClean="0"/>
-              <a:t>8</a:t>
-            </a:r>
-            <a:r>
-              <a:rPr kumimoji="1" lang="ja-JP" altLang="en-US" dirty="0" smtClean="0"/>
-              <a:t>）</a:t>
-            </a:r>
-            <a:endParaRPr kumimoji="1" lang="en-US" altLang="ja-JP" dirty="0" smtClean="0"/>
-          </a:p>
-          <a:p>
-            <a:r>
-              <a:rPr lang="en-US" altLang="ja-JP" dirty="0" smtClean="0"/>
-              <a:t>created		</a:t>
-            </a:r>
-            <a:r>
-              <a:rPr lang="ja-JP" altLang="en-US" dirty="0" smtClean="0"/>
-              <a:t>ｄａｔｅｔｉｍｅ</a:t>
-            </a:r>
-            <a:endParaRPr lang="en-US" altLang="ja-JP" dirty="0"/>
-          </a:p>
-          <a:p>
-            <a:r>
-              <a:rPr lang="en-US" altLang="ja-JP" dirty="0" smtClean="0"/>
-              <a:t>modified</a:t>
-            </a:r>
-            <a:r>
-              <a:rPr lang="en-US" altLang="ja-JP" dirty="0"/>
-              <a:t>		</a:t>
-            </a:r>
-            <a:r>
-              <a:rPr lang="ja-JP" altLang="en-US" dirty="0" smtClean="0"/>
-              <a:t>ｄａｔｅｔｉｍｅ</a:t>
-            </a:r>
-            <a:endParaRPr lang="en-US" altLang="ja-JP" dirty="0"/>
-          </a:p>
-        </p:txBody>
-      </p:sp>
-      <p:sp>
-        <p:nvSpPr>
-          <p:cNvPr id="7" name="テキスト ボックス 6"/>
+              <a:rPr kumimoji="1" lang="ja-JP" altLang="en-US" sz="1400" dirty="0" smtClean="0"/>
+              <a:t>テーブルは</a:t>
+            </a:r>
+            <a:r>
+              <a:rPr kumimoji="1" lang="en-US" altLang="ja-JP" sz="1400" dirty="0" smtClean="0"/>
+              <a:t>3</a:t>
+            </a:r>
+            <a:r>
+              <a:rPr kumimoji="1" lang="ja-JP" altLang="en-US" sz="1400" dirty="0" smtClean="0"/>
+              <a:t>つ？</a:t>
+            </a:r>
+            <a:endParaRPr kumimoji="1" lang="en-US" altLang="ja-JP" sz="1400" dirty="0" smtClean="0"/>
+          </a:p>
+        </p:txBody>
+      </p:sp>
+      <p:sp>
+        <p:nvSpPr>
+          <p:cNvPr id="11" name="テキスト ボックス 10"/>
           <p:cNvSpPr txBox="1"/>
           <p:nvPr/>
         </p:nvSpPr>
         <p:spPr>
           <a:xfrm>
-            <a:off x="6191794" y="3788226"/>
-            <a:ext cx="3194721" cy="1477328"/>
+            <a:off x="460423" y="3630354"/>
+            <a:ext cx="1209675" cy="369332"/>
           </a:xfrm>
           <a:prstGeom prst="rect">
             <a:avLst/>
           </a:prstGeom>
           <a:noFill/>
+        </p:spPr>
+        <p:txBody>
+          <a:bodyPr wrap="square" rtlCol="0">
+            <a:spAutoFit/>
+          </a:bodyPr>
+          <a:lstStyle/>
+          <a:p>
+            <a:r>
+              <a:rPr kumimoji="1" lang="en-US" altLang="ja-JP" dirty="0" smtClean="0"/>
+              <a:t>ER</a:t>
+            </a:r>
+            <a:r>
+              <a:rPr kumimoji="1" lang="ja-JP" altLang="en-US" dirty="0" smtClean="0"/>
+              <a:t>図</a:t>
+            </a:r>
+            <a:endParaRPr kumimoji="1" lang="en-US" altLang="ja-JP" dirty="0" smtClean="0"/>
+          </a:p>
+        </p:txBody>
+      </p:sp>
+      <p:cxnSp>
+        <p:nvCxnSpPr>
+          <p:cNvPr id="16" name="直線コネクタ 15"/>
+          <p:cNvCxnSpPr/>
+          <p:nvPr/>
+        </p:nvCxnSpPr>
+        <p:spPr>
+          <a:xfrm flipV="1">
+            <a:off x="4598998" y="4460261"/>
+            <a:ext cx="2311297" cy="1051429"/>
+          </a:xfrm>
+          <a:prstGeom prst="line">
+            <a:avLst/>
+          </a:prstGeom>
           <a:ln>
             <a:solidFill>
               <a:schemeClr val="tx1"/>
             </a:solidFill>
           </a:ln>
-        </p:spPr>
-        <p:txBody>
-          <a:bodyPr wrap="none" rtlCol="0">
-            <a:spAutoFit/>
-          </a:bodyPr>
-          <a:lstStyle/>
-          <a:p>
-            <a:r>
-              <a:rPr kumimoji="1" lang="ja-JP" altLang="en-US" dirty="0" smtClean="0"/>
-              <a:t>＜</a:t>
-            </a:r>
-            <a:r>
-              <a:rPr kumimoji="1" lang="en-US" altLang="ja-JP" dirty="0" smtClean="0"/>
-              <a:t>kinds</a:t>
-            </a:r>
-            <a:r>
-              <a:rPr kumimoji="1" lang="ja-JP" altLang="en-US" dirty="0" smtClean="0"/>
-              <a:t>＞</a:t>
-            </a:r>
-            <a:endParaRPr kumimoji="1" lang="en-US" altLang="ja-JP" dirty="0" smtClean="0"/>
-          </a:p>
-          <a:p>
-            <a:r>
-              <a:rPr lang="en-US" altLang="ja-JP" dirty="0"/>
-              <a:t>Id		</a:t>
-            </a:r>
-            <a:r>
-              <a:rPr lang="en-US" altLang="ja-JP" dirty="0" err="1"/>
-              <a:t>int</a:t>
-            </a:r>
-            <a:r>
-              <a:rPr lang="en-US" altLang="ja-JP" dirty="0"/>
-              <a:t>/</a:t>
-            </a:r>
-            <a:r>
-              <a:rPr lang="en-US" altLang="ja-JP" dirty="0" err="1"/>
-              <a:t>ai</a:t>
-            </a:r>
-            <a:r>
-              <a:rPr lang="en-US" altLang="ja-JP" dirty="0"/>
-              <a:t>/</a:t>
-            </a:r>
-            <a:r>
-              <a:rPr lang="en-US" altLang="ja-JP" dirty="0" err="1"/>
-              <a:t>pri</a:t>
-            </a:r>
-            <a:endParaRPr lang="en-US" altLang="ja-JP" dirty="0"/>
-          </a:p>
-          <a:p>
-            <a:r>
-              <a:rPr lang="en-US" altLang="ja-JP" dirty="0" err="1" smtClean="0"/>
-              <a:t>kind_type</a:t>
-            </a:r>
-            <a:r>
-              <a:rPr lang="en-US" altLang="ja-JP" dirty="0"/>
-              <a:t>	</a:t>
-            </a:r>
-            <a:r>
-              <a:rPr lang="en-US" altLang="ja-JP" dirty="0" smtClean="0"/>
-              <a:t>varchar</a:t>
-            </a:r>
-            <a:r>
-              <a:rPr lang="ja-JP" altLang="en-US" dirty="0" smtClean="0"/>
-              <a:t>（</a:t>
-            </a:r>
-            <a:r>
-              <a:rPr lang="en-US" altLang="ja-JP" dirty="0" smtClean="0"/>
-              <a:t>32</a:t>
-            </a:r>
-            <a:r>
-              <a:rPr lang="ja-JP" altLang="en-US" dirty="0" smtClean="0"/>
-              <a:t>）</a:t>
-            </a:r>
-            <a:endParaRPr lang="en-US" altLang="ja-JP" dirty="0"/>
-          </a:p>
-          <a:p>
-            <a:r>
-              <a:rPr lang="en-US" altLang="ja-JP" dirty="0" smtClean="0"/>
-              <a:t>created</a:t>
-            </a:r>
-            <a:r>
-              <a:rPr lang="en-US" altLang="ja-JP" dirty="0"/>
-              <a:t>		</a:t>
-            </a:r>
-            <a:r>
-              <a:rPr lang="ja-JP" altLang="en-US" dirty="0"/>
-              <a:t>ｄａｔｅｔｉｍｅ</a:t>
-            </a:r>
-            <a:endParaRPr lang="en-US" altLang="ja-JP" dirty="0"/>
-          </a:p>
-          <a:p>
-            <a:r>
-              <a:rPr lang="en-US" altLang="ja-JP" dirty="0"/>
-              <a:t>modified		</a:t>
-            </a:r>
-            <a:r>
-              <a:rPr lang="ja-JP" altLang="en-US" dirty="0"/>
-              <a:t>ｄａｔｅｔｉｍｅ</a:t>
-            </a:r>
-            <a:endParaRPr lang="en-US" altLang="ja-JP" dirty="0"/>
-          </a:p>
-        </p:txBody>
-      </p:sp>
-      <p:sp>
-        <p:nvSpPr>
-          <p:cNvPr id="8" name="テキスト ボックス 7"/>
-          <p:cNvSpPr txBox="1"/>
-          <p:nvPr/>
-        </p:nvSpPr>
-        <p:spPr>
-          <a:xfrm>
-            <a:off x="853439" y="1345473"/>
-            <a:ext cx="3856761" cy="2862322"/>
-          </a:xfrm>
-          <a:prstGeom prst="rect">
-            <a:avLst/>
-          </a:prstGeom>
-          <a:noFill/>
-          <a:ln>
-            <a:solidFill>
-              <a:schemeClr val="tx1"/>
-            </a:solidFill>
-          </a:ln>
-        </p:spPr>
-        <p:txBody>
-          <a:bodyPr wrap="none" rtlCol="0">
-            <a:spAutoFit/>
-          </a:bodyPr>
-          <a:lstStyle/>
-          <a:p>
-            <a:r>
-              <a:rPr kumimoji="1" lang="ja-JP" altLang="en-US" dirty="0" smtClean="0"/>
-              <a:t>＜</a:t>
-            </a:r>
-            <a:r>
-              <a:rPr kumimoji="1" lang="en-US" altLang="ja-JP" dirty="0" smtClean="0"/>
-              <a:t>monsters</a:t>
-            </a:r>
-            <a:r>
-              <a:rPr kumimoji="1" lang="ja-JP" altLang="en-US" dirty="0" smtClean="0"/>
-              <a:t>＞</a:t>
-            </a:r>
-            <a:endParaRPr kumimoji="1" lang="en-US" altLang="ja-JP" dirty="0" smtClean="0"/>
-          </a:p>
-          <a:p>
-            <a:r>
-              <a:rPr lang="en-US" altLang="ja-JP" dirty="0"/>
-              <a:t>Id		</a:t>
-            </a:r>
-            <a:r>
-              <a:rPr lang="en-US" altLang="ja-JP" dirty="0" err="1"/>
-              <a:t>int</a:t>
-            </a:r>
-            <a:r>
-              <a:rPr lang="en-US" altLang="ja-JP" dirty="0"/>
-              <a:t>/</a:t>
-            </a:r>
-            <a:r>
-              <a:rPr lang="en-US" altLang="ja-JP" dirty="0" err="1"/>
-              <a:t>ai</a:t>
-            </a:r>
-            <a:r>
-              <a:rPr lang="en-US" altLang="ja-JP" dirty="0"/>
-              <a:t>/</a:t>
-            </a:r>
-            <a:r>
-              <a:rPr lang="en-US" altLang="ja-JP" dirty="0" err="1"/>
-              <a:t>pri</a:t>
-            </a:r>
-            <a:endParaRPr lang="en-US" altLang="ja-JP" dirty="0"/>
-          </a:p>
-          <a:p>
-            <a:r>
-              <a:rPr lang="en-US" altLang="ja-JP" dirty="0"/>
-              <a:t>name		</a:t>
-            </a:r>
-            <a:r>
-              <a:rPr lang="en-US" altLang="ja-JP" dirty="0" smtClean="0"/>
-              <a:t>varchar</a:t>
-            </a:r>
-            <a:r>
-              <a:rPr lang="ja-JP" altLang="en-US" dirty="0" smtClean="0"/>
-              <a:t>（</a:t>
-            </a:r>
-            <a:r>
-              <a:rPr lang="en-US" altLang="ja-JP" dirty="0" smtClean="0"/>
-              <a:t>32</a:t>
-            </a:r>
-            <a:r>
-              <a:rPr lang="ja-JP" altLang="en-US" dirty="0" smtClean="0"/>
-              <a:t>）</a:t>
-            </a:r>
-            <a:endParaRPr kumimoji="1" lang="en-US" altLang="ja-JP" dirty="0" smtClean="0"/>
-          </a:p>
-          <a:p>
-            <a:r>
-              <a:rPr lang="en-US" altLang="ja-JP" dirty="0" err="1"/>
-              <a:t>h</a:t>
-            </a:r>
-            <a:r>
-              <a:rPr kumimoji="1" lang="en-US" altLang="ja-JP" dirty="0" err="1" smtClean="0"/>
-              <a:t>p</a:t>
-            </a:r>
-            <a:r>
-              <a:rPr kumimoji="1" lang="en-US" altLang="ja-JP" dirty="0" smtClean="0"/>
-              <a:t>		</a:t>
-            </a:r>
-            <a:r>
-              <a:rPr kumimoji="1" lang="en-US" altLang="ja-JP" dirty="0" err="1" smtClean="0"/>
-              <a:t>int</a:t>
-            </a:r>
-            <a:endParaRPr kumimoji="1" lang="en-US" altLang="ja-JP" dirty="0" smtClean="0"/>
-          </a:p>
-          <a:p>
-            <a:r>
-              <a:rPr lang="en-US" altLang="ja-JP" dirty="0" err="1" smtClean="0"/>
-              <a:t>atatck</a:t>
-            </a:r>
-            <a:r>
-              <a:rPr lang="en-US" altLang="ja-JP" dirty="0" smtClean="0"/>
-              <a:t>		</a:t>
-            </a:r>
-            <a:r>
-              <a:rPr lang="en-US" altLang="ja-JP" dirty="0" err="1" smtClean="0"/>
-              <a:t>int</a:t>
-            </a:r>
-            <a:endParaRPr lang="en-US" altLang="ja-JP" dirty="0" smtClean="0"/>
-          </a:p>
-          <a:p>
-            <a:r>
-              <a:rPr lang="en-US" altLang="ja-JP" dirty="0" err="1" smtClean="0"/>
-              <a:t>attr_id</a:t>
-            </a:r>
-            <a:r>
-              <a:rPr lang="en-US" altLang="ja-JP" dirty="0" smtClean="0"/>
-              <a:t>		</a:t>
-            </a:r>
-            <a:r>
-              <a:rPr lang="en-US" altLang="ja-JP" dirty="0" err="1" smtClean="0"/>
-              <a:t>int</a:t>
-            </a:r>
-            <a:endParaRPr lang="en-US" altLang="ja-JP" dirty="0" smtClean="0"/>
-          </a:p>
-          <a:p>
-            <a:r>
-              <a:rPr lang="en-US" altLang="ja-JP" dirty="0" err="1" smtClean="0"/>
-              <a:t>kind_id</a:t>
-            </a:r>
-            <a:r>
-              <a:rPr lang="en-US" altLang="ja-JP" dirty="0" smtClean="0"/>
-              <a:t>		</a:t>
-            </a:r>
-            <a:r>
-              <a:rPr lang="en-US" altLang="ja-JP" dirty="0" err="1" smtClean="0"/>
-              <a:t>int</a:t>
-            </a:r>
-            <a:endParaRPr lang="en-US" altLang="ja-JP" dirty="0" smtClean="0"/>
-          </a:p>
-          <a:p>
-            <a:r>
-              <a:rPr kumimoji="1" lang="en-US" altLang="ja-JP" dirty="0" err="1" smtClean="0"/>
-              <a:t>Image_file_name</a:t>
-            </a:r>
-            <a:r>
-              <a:rPr kumimoji="1" lang="en-US" altLang="ja-JP" dirty="0" smtClean="0"/>
-              <a:t>	varchar(255)/NULL</a:t>
-            </a:r>
-          </a:p>
-          <a:p>
-            <a:r>
-              <a:rPr lang="en-US" altLang="ja-JP" dirty="0"/>
-              <a:t>created		</a:t>
-            </a:r>
-            <a:r>
-              <a:rPr lang="ja-JP" altLang="en-US" dirty="0"/>
-              <a:t>ｄａｔｅｔｉｍｅ</a:t>
-            </a:r>
-            <a:endParaRPr lang="en-US" altLang="ja-JP" dirty="0"/>
-          </a:p>
-          <a:p>
-            <a:r>
-              <a:rPr lang="en-US" altLang="ja-JP" dirty="0"/>
-              <a:t>modified		</a:t>
-            </a:r>
-            <a:r>
-              <a:rPr lang="ja-JP" altLang="en-US" dirty="0"/>
-              <a:t>ｄａｔｅｔｉｍｅ</a:t>
-            </a:r>
-            <a:endParaRPr lang="en-US" altLang="ja-JP" dirty="0"/>
-          </a:p>
-        </p:txBody>
-      </p:sp>
-      <p:cxnSp>
-        <p:nvCxnSpPr>
-          <p:cNvPr id="3" name="直線コネクタ 2"/>
-          <p:cNvCxnSpPr/>
-          <p:nvPr/>
-        </p:nvCxnSpPr>
-        <p:spPr>
-          <a:xfrm flipV="1">
-            <a:off x="3213463" y="1820091"/>
-            <a:ext cx="2978331" cy="1097280"/>
-          </a:xfrm>
-          <a:prstGeom prst="line">
-            <a:avLst/>
-          </a:prstGeom>
         </p:spPr>
         <p:style>
           <a:lnRef idx="1">
@@ -4396,18 +3868,23 @@
       </p:cxnSp>
       <p:cxnSp>
         <p:nvCxnSpPr>
-          <p:cNvPr id="10" name="直線コネクタ 9"/>
+          <p:cNvPr id="17" name="直線コネクタ 16"/>
           <p:cNvCxnSpPr/>
           <p:nvPr/>
         </p:nvCxnSpPr>
         <p:spPr>
-          <a:xfrm>
-            <a:off x="3213463" y="3204754"/>
-            <a:ext cx="2978331" cy="1003041"/>
+          <a:xfrm flipV="1">
+            <a:off x="4592643" y="5694854"/>
+            <a:ext cx="2317652" cy="48508"/>
           </a:xfrm>
           <a:prstGeom prst="line">
             <a:avLst/>
           </a:prstGeom>
+          <a:ln>
+            <a:solidFill>
+              <a:schemeClr val="tx1"/>
+            </a:solidFill>
+          </a:ln>
         </p:spPr>
         <p:style>
           <a:lnRef idx="1">
@@ -4426,13 +3903,13 @@
       </p:cxnSp>
       <p:sp>
         <p:nvSpPr>
-          <p:cNvPr id="13" name="正方形/長方形 12"/>
+          <p:cNvPr id="21" name="正方形/長方形 20"/>
           <p:cNvSpPr/>
           <p:nvPr/>
         </p:nvSpPr>
         <p:spPr>
           <a:xfrm>
-            <a:off x="761145" y="771100"/>
+            <a:off x="1925638" y="3814273"/>
             <a:ext cx="1068434" cy="369332"/>
           </a:xfrm>
           <a:prstGeom prst="rect">
@@ -4455,10 +3932,904 @@
           </a:p>
         </p:txBody>
       </p:sp>
+      <p:sp>
+        <p:nvSpPr>
+          <p:cNvPr id="22" name="テキスト ボックス 21"/>
+          <p:cNvSpPr txBox="1"/>
+          <p:nvPr/>
+        </p:nvSpPr>
+        <p:spPr>
+          <a:xfrm>
+            <a:off x="309154" y="660065"/>
+            <a:ext cx="1681871" cy="369332"/>
+          </a:xfrm>
+          <a:prstGeom prst="rect">
+            <a:avLst/>
+          </a:prstGeom>
+          <a:noFill/>
+        </p:spPr>
+        <p:txBody>
+          <a:bodyPr wrap="none" rtlCol="0">
+            <a:spAutoFit/>
+          </a:bodyPr>
+          <a:lstStyle/>
+          <a:p>
+            <a:r>
+              <a:rPr kumimoji="1" lang="ja-JP" altLang="en-US" dirty="0" smtClean="0"/>
+              <a:t>データベース案</a:t>
+            </a:r>
+            <a:endParaRPr kumimoji="1" lang="ja-JP" altLang="en-US" dirty="0"/>
+          </a:p>
+        </p:txBody>
+      </p:sp>
+      <p:cxnSp>
+        <p:nvCxnSpPr>
+          <p:cNvPr id="24" name="直線コネクタ 23"/>
+          <p:cNvCxnSpPr/>
+          <p:nvPr/>
+        </p:nvCxnSpPr>
+        <p:spPr>
+          <a:xfrm>
+            <a:off x="492036" y="3427275"/>
+            <a:ext cx="11242764" cy="0"/>
+          </a:xfrm>
+          <a:prstGeom prst="line">
+            <a:avLst/>
+          </a:prstGeom>
+          <a:ln w="19050">
+            <a:solidFill>
+              <a:schemeClr val="tx1"/>
+            </a:solidFill>
+            <a:prstDash val="dash"/>
+          </a:ln>
+        </p:spPr>
+        <p:style>
+          <a:lnRef idx="1">
+            <a:schemeClr val="accent1"/>
+          </a:lnRef>
+          <a:fillRef idx="0">
+            <a:schemeClr val="accent1"/>
+          </a:fillRef>
+          <a:effectRef idx="0">
+            <a:schemeClr val="accent1"/>
+          </a:effectRef>
+          <a:fontRef idx="minor">
+            <a:schemeClr val="tx1"/>
+          </a:fontRef>
+        </p:style>
+      </p:cxnSp>
+      <p:sp>
+        <p:nvSpPr>
+          <p:cNvPr id="12" name="右矢印 11"/>
+          <p:cNvSpPr/>
+          <p:nvPr/>
+        </p:nvSpPr>
+        <p:spPr>
+          <a:xfrm rot="5400000">
+            <a:off x="5302420" y="3142311"/>
+            <a:ext cx="904451" cy="484632"/>
+          </a:xfrm>
+          <a:prstGeom prst="rightArrow">
+            <a:avLst/>
+          </a:prstGeom>
+          <a:solidFill>
+            <a:schemeClr val="accent4"/>
+          </a:solidFill>
+        </p:spPr>
+        <p:style>
+          <a:lnRef idx="2">
+            <a:schemeClr val="accent1">
+              <a:shade val="50000"/>
+            </a:schemeClr>
+          </a:lnRef>
+          <a:fillRef idx="1">
+            <a:schemeClr val="accent1"/>
+          </a:fillRef>
+          <a:effectRef idx="0">
+            <a:schemeClr val="accent1"/>
+          </a:effectRef>
+          <a:fontRef idx="minor">
+            <a:schemeClr val="lt1"/>
+          </a:fontRef>
+        </p:style>
+        <p:txBody>
+          <a:bodyPr rtlCol="0" anchor="ctr"/>
+          <a:lstStyle/>
+          <a:p>
+            <a:pPr algn="ctr"/>
+            <a:endParaRPr kumimoji="1" lang="ja-JP" altLang="en-US"/>
+          </a:p>
+        </p:txBody>
+      </p:sp>
+      <p:graphicFrame>
+        <p:nvGraphicFramePr>
+          <p:cNvPr id="27" name="表 26"/>
+          <p:cNvGraphicFramePr>
+            <a:graphicFrameLocks noGrp="1"/>
+          </p:cNvGraphicFramePr>
+          <p:nvPr>
+            <p:extLst>
+              <p:ext uri="{D42A27DB-BD31-4B8C-83A1-F6EECF244321}">
+                <p14:modId xmlns:p14="http://schemas.microsoft.com/office/powerpoint/2010/main" val="3512935716"/>
+              </p:ext>
+            </p:extLst>
+          </p:nvPr>
+        </p:nvGraphicFramePr>
+        <p:xfrm>
+          <a:off x="1371944" y="4162243"/>
+          <a:ext cx="3227054" cy="2438400"/>
+        </p:xfrm>
+        <a:graphic>
+          <a:graphicData uri="http://schemas.openxmlformats.org/drawingml/2006/table">
+            <a:tbl>
+              <a:tblPr firstRow="1" bandRow="1">
+                <a:tableStyleId>{5C22544A-7EE6-4342-B048-85BDC9FD1C3A}</a:tableStyleId>
+              </a:tblPr>
+              <a:tblGrid>
+                <a:gridCol w="1613527"/>
+                <a:gridCol w="1613527"/>
+              </a:tblGrid>
+              <a:tr h="234698">
+                <a:tc gridSpan="2">
+                  <a:txBody>
+                    <a:bodyPr/>
+                    <a:lstStyle/>
+                    <a:p>
+                      <a:r>
+                        <a:rPr kumimoji="1" lang="en-US" altLang="ja-JP" sz="1000" dirty="0" smtClean="0"/>
+                        <a:t>&lt;monsters&gt;</a:t>
+                      </a:r>
+                      <a:endParaRPr kumimoji="1" lang="ja-JP" altLang="en-US" sz="1000" dirty="0"/>
+                    </a:p>
+                  </a:txBody>
+                  <a:tcPr>
+                    <a:solidFill>
+                      <a:schemeClr val="bg2">
+                        <a:lumMod val="75000"/>
+                      </a:schemeClr>
+                    </a:solidFill>
+                  </a:tcPr>
+                </a:tc>
+                <a:tc hMerge="1">
+                  <a:txBody>
+                    <a:bodyPr/>
+                    <a:lstStyle/>
+                    <a:p>
+                      <a:endParaRPr kumimoji="1" lang="ja-JP" altLang="en-US" dirty="0"/>
+                    </a:p>
+                  </a:txBody>
+                  <a:tcPr/>
+                </a:tc>
+              </a:tr>
+              <a:tr h="234698">
+                <a:tc>
+                  <a:txBody>
+                    <a:bodyPr/>
+                    <a:lstStyle/>
+                    <a:p>
+                      <a:r>
+                        <a:rPr kumimoji="1" lang="en-US" altLang="ja-JP" sz="1000" dirty="0" smtClean="0"/>
+                        <a:t>Id</a:t>
+                      </a:r>
+                      <a:endParaRPr kumimoji="1" lang="ja-JP" altLang="en-US" sz="1000" dirty="0"/>
+                    </a:p>
+                  </a:txBody>
+                  <a:tcPr/>
+                </a:tc>
+                <a:tc>
+                  <a:txBody>
+                    <a:bodyPr/>
+                    <a:lstStyle/>
+                    <a:p>
+                      <a:r>
+                        <a:rPr kumimoji="1" lang="en-US" altLang="ja-JP" sz="1000" dirty="0" err="1" smtClean="0"/>
+                        <a:t>Int</a:t>
+                      </a:r>
+                      <a:r>
+                        <a:rPr kumimoji="1" lang="en-US" altLang="ja-JP" sz="1000" dirty="0" smtClean="0"/>
+                        <a:t>/AI/</a:t>
+                      </a:r>
+                      <a:r>
+                        <a:rPr kumimoji="1" lang="en-US" altLang="ja-JP" sz="1000" dirty="0" err="1" smtClean="0"/>
+                        <a:t>pri</a:t>
+                      </a:r>
+                      <a:endParaRPr kumimoji="1" lang="ja-JP" altLang="en-US" sz="1000" dirty="0"/>
+                    </a:p>
+                  </a:txBody>
+                  <a:tcPr/>
+                </a:tc>
+              </a:tr>
+              <a:tr h="234698">
+                <a:tc>
+                  <a:txBody>
+                    <a:bodyPr/>
+                    <a:lstStyle/>
+                    <a:p>
+                      <a:r>
+                        <a:rPr kumimoji="1" lang="en-US" altLang="ja-JP" sz="1000" dirty="0" smtClean="0"/>
+                        <a:t>name</a:t>
+                      </a:r>
+                      <a:endParaRPr kumimoji="1" lang="ja-JP" altLang="en-US" sz="1000" dirty="0"/>
+                    </a:p>
+                  </a:txBody>
+                  <a:tcPr/>
+                </a:tc>
+                <a:tc>
+                  <a:txBody>
+                    <a:bodyPr/>
+                    <a:lstStyle/>
+                    <a:p>
+                      <a:r>
+                        <a:rPr kumimoji="1" lang="en-US" altLang="ja-JP" sz="1000" dirty="0" smtClean="0"/>
+                        <a:t>Varchar(32)</a:t>
+                      </a:r>
+                      <a:endParaRPr kumimoji="1" lang="ja-JP" altLang="en-US" sz="1000" dirty="0"/>
+                    </a:p>
+                  </a:txBody>
+                  <a:tcPr/>
+                </a:tc>
+              </a:tr>
+              <a:tr h="234698">
+                <a:tc>
+                  <a:txBody>
+                    <a:bodyPr/>
+                    <a:lstStyle/>
+                    <a:p>
+                      <a:r>
+                        <a:rPr kumimoji="1" lang="en-US" altLang="ja-JP" sz="1000" dirty="0" err="1" smtClean="0"/>
+                        <a:t>hp</a:t>
+                      </a:r>
+                      <a:endParaRPr kumimoji="1" lang="ja-JP" altLang="en-US" sz="1000" dirty="0"/>
+                    </a:p>
+                  </a:txBody>
+                  <a:tcPr/>
+                </a:tc>
+                <a:tc>
+                  <a:txBody>
+                    <a:bodyPr/>
+                    <a:lstStyle/>
+                    <a:p>
+                      <a:r>
+                        <a:rPr kumimoji="1" lang="en-US" altLang="ja-JP" sz="1000" dirty="0" err="1" smtClean="0"/>
+                        <a:t>Int</a:t>
+                      </a:r>
+                      <a:endParaRPr kumimoji="1" lang="ja-JP" altLang="en-US" sz="1000" dirty="0"/>
+                    </a:p>
+                  </a:txBody>
+                  <a:tcPr/>
+                </a:tc>
+              </a:tr>
+              <a:tr h="234698">
+                <a:tc>
+                  <a:txBody>
+                    <a:bodyPr/>
+                    <a:lstStyle/>
+                    <a:p>
+                      <a:r>
+                        <a:rPr kumimoji="1" lang="en-US" altLang="ja-JP" sz="1000" dirty="0" err="1" smtClean="0"/>
+                        <a:t>atatck</a:t>
+                      </a:r>
+                      <a:endParaRPr kumimoji="1" lang="ja-JP" altLang="en-US" sz="1000" dirty="0"/>
+                    </a:p>
+                  </a:txBody>
+                  <a:tcPr/>
+                </a:tc>
+                <a:tc>
+                  <a:txBody>
+                    <a:bodyPr/>
+                    <a:lstStyle/>
+                    <a:p>
+                      <a:r>
+                        <a:rPr kumimoji="1" lang="en-US" altLang="ja-JP" sz="1000" dirty="0" err="1" smtClean="0"/>
+                        <a:t>Int</a:t>
+                      </a:r>
+                      <a:endParaRPr kumimoji="1" lang="ja-JP" altLang="en-US" sz="1000" dirty="0"/>
+                    </a:p>
+                  </a:txBody>
+                  <a:tcPr/>
+                </a:tc>
+              </a:tr>
+              <a:tr h="234698">
+                <a:tc>
+                  <a:txBody>
+                    <a:bodyPr/>
+                    <a:lstStyle/>
+                    <a:p>
+                      <a:r>
+                        <a:rPr kumimoji="1" lang="en-US" altLang="ja-JP" sz="1000" dirty="0" err="1" smtClean="0"/>
+                        <a:t>attr_id</a:t>
+                      </a:r>
+                      <a:endParaRPr kumimoji="1" lang="ja-JP" altLang="en-US" sz="1000" dirty="0"/>
+                    </a:p>
+                  </a:txBody>
+                  <a:tcPr/>
+                </a:tc>
+                <a:tc>
+                  <a:txBody>
+                    <a:bodyPr/>
+                    <a:lstStyle/>
+                    <a:p>
+                      <a:r>
+                        <a:rPr kumimoji="1" lang="en-US" altLang="ja-JP" sz="1000" dirty="0" err="1" smtClean="0"/>
+                        <a:t>Int</a:t>
+                      </a:r>
+                      <a:endParaRPr kumimoji="1" lang="ja-JP" altLang="en-US" sz="1000" dirty="0"/>
+                    </a:p>
+                  </a:txBody>
+                  <a:tcPr/>
+                </a:tc>
+              </a:tr>
+              <a:tr h="234698">
+                <a:tc>
+                  <a:txBody>
+                    <a:bodyPr/>
+                    <a:lstStyle/>
+                    <a:p>
+                      <a:r>
+                        <a:rPr kumimoji="1" lang="en-US" altLang="ja-JP" sz="1000" dirty="0" err="1" smtClean="0"/>
+                        <a:t>Kind_id</a:t>
+                      </a:r>
+                      <a:endParaRPr kumimoji="1" lang="ja-JP" altLang="en-US" sz="1000" dirty="0"/>
+                    </a:p>
+                  </a:txBody>
+                  <a:tcPr/>
+                </a:tc>
+                <a:tc>
+                  <a:txBody>
+                    <a:bodyPr/>
+                    <a:lstStyle/>
+                    <a:p>
+                      <a:r>
+                        <a:rPr kumimoji="1" lang="en-US" altLang="ja-JP" sz="1000" dirty="0" err="1" smtClean="0"/>
+                        <a:t>Int</a:t>
+                      </a:r>
+                      <a:endParaRPr kumimoji="1" lang="ja-JP" altLang="en-US" sz="1000" dirty="0"/>
+                    </a:p>
+                  </a:txBody>
+                  <a:tcPr/>
+                </a:tc>
+              </a:tr>
+              <a:tr h="234698">
+                <a:tc>
+                  <a:txBody>
+                    <a:bodyPr/>
+                    <a:lstStyle/>
+                    <a:p>
+                      <a:r>
+                        <a:rPr kumimoji="1" lang="en-US" altLang="ja-JP" sz="1000" dirty="0" err="1" smtClean="0"/>
+                        <a:t>image_file_name</a:t>
+                      </a:r>
+                      <a:endParaRPr kumimoji="1" lang="ja-JP" altLang="en-US" sz="1000" dirty="0"/>
+                    </a:p>
+                  </a:txBody>
+                  <a:tcPr/>
+                </a:tc>
+                <a:tc>
+                  <a:txBody>
+                    <a:bodyPr/>
+                    <a:lstStyle/>
+                    <a:p>
+                      <a:r>
+                        <a:rPr kumimoji="1" lang="en-US" altLang="ja-JP" sz="1000" dirty="0" smtClean="0"/>
+                        <a:t>Varchar(255)/NULL</a:t>
+                      </a:r>
+                      <a:endParaRPr kumimoji="1" lang="ja-JP" altLang="en-US" sz="1000" dirty="0"/>
+                    </a:p>
+                  </a:txBody>
+                  <a:tcPr/>
+                </a:tc>
+              </a:tr>
+              <a:tr h="234698">
+                <a:tc>
+                  <a:txBody>
+                    <a:bodyPr/>
+                    <a:lstStyle/>
+                    <a:p>
+                      <a:r>
+                        <a:rPr kumimoji="1" lang="en-US" altLang="ja-JP" sz="1000" dirty="0" smtClean="0"/>
+                        <a:t>Created</a:t>
+                      </a:r>
+                      <a:endParaRPr kumimoji="1" lang="ja-JP" altLang="en-US" sz="1000" dirty="0"/>
+                    </a:p>
+                  </a:txBody>
+                  <a:tcPr/>
+                </a:tc>
+                <a:tc>
+                  <a:txBody>
+                    <a:bodyPr/>
+                    <a:lstStyle/>
+                    <a:p>
+                      <a:r>
+                        <a:rPr kumimoji="1" lang="en-US" altLang="ja-JP" sz="1000" dirty="0" err="1" smtClean="0"/>
+                        <a:t>datetime</a:t>
+                      </a:r>
+                      <a:endParaRPr kumimoji="1" lang="ja-JP" altLang="en-US" sz="1000" dirty="0"/>
+                    </a:p>
+                  </a:txBody>
+                  <a:tcPr/>
+                </a:tc>
+              </a:tr>
+              <a:tr h="234698">
+                <a:tc>
+                  <a:txBody>
+                    <a:bodyPr/>
+                    <a:lstStyle/>
+                    <a:p>
+                      <a:r>
+                        <a:rPr kumimoji="1" lang="en-US" altLang="ja-JP" sz="1000" dirty="0" smtClean="0"/>
+                        <a:t>Modified</a:t>
+                      </a:r>
+                      <a:endParaRPr kumimoji="1" lang="ja-JP" altLang="en-US" sz="1000" dirty="0"/>
+                    </a:p>
+                  </a:txBody>
+                  <a:tcPr/>
+                </a:tc>
+                <a:tc>
+                  <a:txBody>
+                    <a:bodyPr/>
+                    <a:lstStyle/>
+                    <a:p>
+                      <a:pPr marL="0" marR="0" indent="0" algn="l" defTabSz="914400" rtl="0" eaLnBrk="1" fontAlgn="auto" latinLnBrk="0" hangingPunct="1">
+                        <a:lnSpc>
+                          <a:spcPct val="100000"/>
+                        </a:lnSpc>
+                        <a:spcBef>
+                          <a:spcPts val="0"/>
+                        </a:spcBef>
+                        <a:spcAft>
+                          <a:spcPts val="0"/>
+                        </a:spcAft>
+                        <a:buClrTx/>
+                        <a:buSzTx/>
+                        <a:buFontTx/>
+                        <a:buNone/>
+                        <a:tabLst/>
+                        <a:defRPr/>
+                      </a:pPr>
+                      <a:r>
+                        <a:rPr kumimoji="1" lang="en-US" altLang="ja-JP" sz="1000" dirty="0" err="1" smtClean="0"/>
+                        <a:t>datetime</a:t>
+                      </a:r>
+                      <a:endParaRPr kumimoji="1" lang="ja-JP" altLang="en-US" sz="1000" dirty="0" smtClean="0"/>
+                    </a:p>
+                  </a:txBody>
+                  <a:tcPr/>
+                </a:tc>
+              </a:tr>
+            </a:tbl>
+          </a:graphicData>
+        </a:graphic>
+      </p:graphicFrame>
+      <p:graphicFrame>
+        <p:nvGraphicFramePr>
+          <p:cNvPr id="28" name="表 27"/>
+          <p:cNvGraphicFramePr>
+            <a:graphicFrameLocks noGrp="1"/>
+          </p:cNvGraphicFramePr>
+          <p:nvPr>
+            <p:extLst>
+              <p:ext uri="{D42A27DB-BD31-4B8C-83A1-F6EECF244321}">
+                <p14:modId xmlns:p14="http://schemas.microsoft.com/office/powerpoint/2010/main" val="2744209343"/>
+              </p:ext>
+            </p:extLst>
+          </p:nvPr>
+        </p:nvGraphicFramePr>
+        <p:xfrm>
+          <a:off x="6910295" y="3850661"/>
+          <a:ext cx="3227054" cy="1219200"/>
+        </p:xfrm>
+        <a:graphic>
+          <a:graphicData uri="http://schemas.openxmlformats.org/drawingml/2006/table">
+            <a:tbl>
+              <a:tblPr firstRow="1" bandRow="1">
+                <a:tableStyleId>{5C22544A-7EE6-4342-B048-85BDC9FD1C3A}</a:tableStyleId>
+              </a:tblPr>
+              <a:tblGrid>
+                <a:gridCol w="1613527"/>
+                <a:gridCol w="1613527"/>
+              </a:tblGrid>
+              <a:tr h="234698">
+                <a:tc gridSpan="2">
+                  <a:txBody>
+                    <a:bodyPr/>
+                    <a:lstStyle/>
+                    <a:p>
+                      <a:r>
+                        <a:rPr kumimoji="1" lang="en-US" altLang="ja-JP" sz="1000" dirty="0" smtClean="0"/>
+                        <a:t>&lt;</a:t>
+                      </a:r>
+                      <a:r>
+                        <a:rPr kumimoji="1" lang="en-US" altLang="ja-JP" sz="1000" dirty="0" err="1" smtClean="0"/>
+                        <a:t>attrs</a:t>
+                      </a:r>
+                      <a:r>
+                        <a:rPr kumimoji="1" lang="en-US" altLang="ja-JP" sz="1000" dirty="0" smtClean="0"/>
+                        <a:t>&gt;</a:t>
+                      </a:r>
+                      <a:endParaRPr kumimoji="1" lang="ja-JP" altLang="en-US" sz="1000" dirty="0"/>
+                    </a:p>
+                  </a:txBody>
+                  <a:tcPr>
+                    <a:solidFill>
+                      <a:schemeClr val="bg2">
+                        <a:lumMod val="75000"/>
+                      </a:schemeClr>
+                    </a:solidFill>
+                  </a:tcPr>
+                </a:tc>
+                <a:tc hMerge="1">
+                  <a:txBody>
+                    <a:bodyPr/>
+                    <a:lstStyle/>
+                    <a:p>
+                      <a:endParaRPr kumimoji="1" lang="ja-JP" altLang="en-US" dirty="0"/>
+                    </a:p>
+                  </a:txBody>
+                  <a:tcPr/>
+                </a:tc>
+              </a:tr>
+              <a:tr h="234698">
+                <a:tc>
+                  <a:txBody>
+                    <a:bodyPr/>
+                    <a:lstStyle/>
+                    <a:p>
+                      <a:r>
+                        <a:rPr kumimoji="1" lang="en-US" altLang="ja-JP" sz="1000" dirty="0" smtClean="0"/>
+                        <a:t>Id</a:t>
+                      </a:r>
+                      <a:endParaRPr kumimoji="1" lang="ja-JP" altLang="en-US" sz="1000" dirty="0"/>
+                    </a:p>
+                  </a:txBody>
+                  <a:tcPr/>
+                </a:tc>
+                <a:tc>
+                  <a:txBody>
+                    <a:bodyPr/>
+                    <a:lstStyle/>
+                    <a:p>
+                      <a:r>
+                        <a:rPr kumimoji="1" lang="en-US" altLang="ja-JP" sz="1000" dirty="0" err="1" smtClean="0"/>
+                        <a:t>Int</a:t>
+                      </a:r>
+                      <a:r>
+                        <a:rPr kumimoji="1" lang="en-US" altLang="ja-JP" sz="1000" dirty="0" smtClean="0"/>
+                        <a:t>/AI/</a:t>
+                      </a:r>
+                      <a:r>
+                        <a:rPr kumimoji="1" lang="en-US" altLang="ja-JP" sz="1000" dirty="0" err="1" smtClean="0"/>
+                        <a:t>pri</a:t>
+                      </a:r>
+                      <a:endParaRPr kumimoji="1" lang="ja-JP" altLang="en-US" sz="1000" dirty="0"/>
+                    </a:p>
+                  </a:txBody>
+                  <a:tcPr/>
+                </a:tc>
+              </a:tr>
+              <a:tr h="234698">
+                <a:tc>
+                  <a:txBody>
+                    <a:bodyPr/>
+                    <a:lstStyle/>
+                    <a:p>
+                      <a:r>
+                        <a:rPr kumimoji="1" lang="en-US" altLang="ja-JP" sz="1000" dirty="0" err="1" smtClean="0"/>
+                        <a:t>attr_type</a:t>
+                      </a:r>
+                      <a:endParaRPr kumimoji="1" lang="ja-JP" altLang="en-US" sz="1000" dirty="0"/>
+                    </a:p>
+                  </a:txBody>
+                  <a:tcPr/>
+                </a:tc>
+                <a:tc>
+                  <a:txBody>
+                    <a:bodyPr/>
+                    <a:lstStyle/>
+                    <a:p>
+                      <a:r>
+                        <a:rPr kumimoji="1" lang="en-US" altLang="ja-JP" sz="1000" dirty="0" smtClean="0"/>
+                        <a:t>Varchar(8)</a:t>
+                      </a:r>
+                      <a:endParaRPr kumimoji="1" lang="ja-JP" altLang="en-US" sz="1000" dirty="0"/>
+                    </a:p>
+                  </a:txBody>
+                  <a:tcPr/>
+                </a:tc>
+              </a:tr>
+              <a:tr h="234698">
+                <a:tc>
+                  <a:txBody>
+                    <a:bodyPr/>
+                    <a:lstStyle/>
+                    <a:p>
+                      <a:r>
+                        <a:rPr kumimoji="1" lang="en-US" altLang="ja-JP" sz="1000" dirty="0" smtClean="0"/>
+                        <a:t>Created</a:t>
+                      </a:r>
+                      <a:endParaRPr kumimoji="1" lang="ja-JP" altLang="en-US" sz="1000" dirty="0"/>
+                    </a:p>
+                  </a:txBody>
+                  <a:tcPr/>
+                </a:tc>
+                <a:tc>
+                  <a:txBody>
+                    <a:bodyPr/>
+                    <a:lstStyle/>
+                    <a:p>
+                      <a:r>
+                        <a:rPr kumimoji="1" lang="en-US" altLang="ja-JP" sz="1000" dirty="0" err="1" smtClean="0"/>
+                        <a:t>datetime</a:t>
+                      </a:r>
+                      <a:endParaRPr kumimoji="1" lang="ja-JP" altLang="en-US" sz="1000" dirty="0"/>
+                    </a:p>
+                  </a:txBody>
+                  <a:tcPr/>
+                </a:tc>
+              </a:tr>
+              <a:tr h="234698">
+                <a:tc>
+                  <a:txBody>
+                    <a:bodyPr/>
+                    <a:lstStyle/>
+                    <a:p>
+                      <a:r>
+                        <a:rPr kumimoji="1" lang="en-US" altLang="ja-JP" sz="1000" dirty="0" smtClean="0"/>
+                        <a:t>Modified</a:t>
+                      </a:r>
+                      <a:endParaRPr kumimoji="1" lang="ja-JP" altLang="en-US" sz="1000" dirty="0"/>
+                    </a:p>
+                  </a:txBody>
+                  <a:tcPr/>
+                </a:tc>
+                <a:tc>
+                  <a:txBody>
+                    <a:bodyPr/>
+                    <a:lstStyle/>
+                    <a:p>
+                      <a:pPr marL="0" marR="0" indent="0" algn="l" defTabSz="914400" rtl="0" eaLnBrk="1" fontAlgn="auto" latinLnBrk="0" hangingPunct="1">
+                        <a:lnSpc>
+                          <a:spcPct val="100000"/>
+                        </a:lnSpc>
+                        <a:spcBef>
+                          <a:spcPts val="0"/>
+                        </a:spcBef>
+                        <a:spcAft>
+                          <a:spcPts val="0"/>
+                        </a:spcAft>
+                        <a:buClrTx/>
+                        <a:buSzTx/>
+                        <a:buFontTx/>
+                        <a:buNone/>
+                        <a:tabLst/>
+                        <a:defRPr/>
+                      </a:pPr>
+                      <a:r>
+                        <a:rPr kumimoji="1" lang="en-US" altLang="ja-JP" sz="1000" dirty="0" err="1" smtClean="0"/>
+                        <a:t>datetime</a:t>
+                      </a:r>
+                      <a:endParaRPr kumimoji="1" lang="ja-JP" altLang="en-US" sz="1000" dirty="0" smtClean="0"/>
+                    </a:p>
+                  </a:txBody>
+                  <a:tcPr/>
+                </a:tc>
+              </a:tr>
+            </a:tbl>
+          </a:graphicData>
+        </a:graphic>
+      </p:graphicFrame>
+      <p:graphicFrame>
+        <p:nvGraphicFramePr>
+          <p:cNvPr id="29" name="表 28"/>
+          <p:cNvGraphicFramePr>
+            <a:graphicFrameLocks noGrp="1"/>
+          </p:cNvGraphicFramePr>
+          <p:nvPr>
+            <p:extLst>
+              <p:ext uri="{D42A27DB-BD31-4B8C-83A1-F6EECF244321}">
+                <p14:modId xmlns:p14="http://schemas.microsoft.com/office/powerpoint/2010/main" val="1616274284"/>
+              </p:ext>
+            </p:extLst>
+          </p:nvPr>
+        </p:nvGraphicFramePr>
+        <p:xfrm>
+          <a:off x="6910295" y="5301533"/>
+          <a:ext cx="3227054" cy="1219200"/>
+        </p:xfrm>
+        <a:graphic>
+          <a:graphicData uri="http://schemas.openxmlformats.org/drawingml/2006/table">
+            <a:tbl>
+              <a:tblPr firstRow="1" bandRow="1">
+                <a:tableStyleId>{5C22544A-7EE6-4342-B048-85BDC9FD1C3A}</a:tableStyleId>
+              </a:tblPr>
+              <a:tblGrid>
+                <a:gridCol w="1613527"/>
+                <a:gridCol w="1613527"/>
+              </a:tblGrid>
+              <a:tr h="234698">
+                <a:tc gridSpan="2">
+                  <a:txBody>
+                    <a:bodyPr/>
+                    <a:lstStyle/>
+                    <a:p>
+                      <a:r>
+                        <a:rPr kumimoji="1" lang="en-US" altLang="ja-JP" sz="1000" dirty="0" smtClean="0"/>
+                        <a:t>&lt;kinds&gt;</a:t>
+                      </a:r>
+                      <a:endParaRPr kumimoji="1" lang="ja-JP" altLang="en-US" sz="1000" dirty="0"/>
+                    </a:p>
+                  </a:txBody>
+                  <a:tcPr>
+                    <a:solidFill>
+                      <a:schemeClr val="bg2">
+                        <a:lumMod val="75000"/>
+                      </a:schemeClr>
+                    </a:solidFill>
+                  </a:tcPr>
+                </a:tc>
+                <a:tc hMerge="1">
+                  <a:txBody>
+                    <a:bodyPr/>
+                    <a:lstStyle/>
+                    <a:p>
+                      <a:endParaRPr kumimoji="1" lang="ja-JP" altLang="en-US" dirty="0"/>
+                    </a:p>
+                  </a:txBody>
+                  <a:tcPr/>
+                </a:tc>
+              </a:tr>
+              <a:tr h="234698">
+                <a:tc>
+                  <a:txBody>
+                    <a:bodyPr/>
+                    <a:lstStyle/>
+                    <a:p>
+                      <a:r>
+                        <a:rPr kumimoji="1" lang="en-US" altLang="ja-JP" sz="1000" dirty="0" smtClean="0"/>
+                        <a:t>Id</a:t>
+                      </a:r>
+                      <a:endParaRPr kumimoji="1" lang="ja-JP" altLang="en-US" sz="1000" dirty="0"/>
+                    </a:p>
+                  </a:txBody>
+                  <a:tcPr/>
+                </a:tc>
+                <a:tc>
+                  <a:txBody>
+                    <a:bodyPr/>
+                    <a:lstStyle/>
+                    <a:p>
+                      <a:r>
+                        <a:rPr kumimoji="1" lang="en-US" altLang="ja-JP" sz="1000" dirty="0" err="1" smtClean="0"/>
+                        <a:t>Int</a:t>
+                      </a:r>
+                      <a:r>
+                        <a:rPr kumimoji="1" lang="en-US" altLang="ja-JP" sz="1000" dirty="0" smtClean="0"/>
+                        <a:t>/AI/</a:t>
+                      </a:r>
+                      <a:r>
+                        <a:rPr kumimoji="1" lang="en-US" altLang="ja-JP" sz="1000" dirty="0" err="1" smtClean="0"/>
+                        <a:t>pri</a:t>
+                      </a:r>
+                      <a:endParaRPr kumimoji="1" lang="ja-JP" altLang="en-US" sz="1000" dirty="0"/>
+                    </a:p>
+                  </a:txBody>
+                  <a:tcPr/>
+                </a:tc>
+              </a:tr>
+              <a:tr h="234698">
+                <a:tc>
+                  <a:txBody>
+                    <a:bodyPr/>
+                    <a:lstStyle/>
+                    <a:p>
+                      <a:r>
+                        <a:rPr kumimoji="1" lang="en-US" altLang="ja-JP" sz="1000" dirty="0" err="1" smtClean="0"/>
+                        <a:t>kind_type</a:t>
+                      </a:r>
+                      <a:endParaRPr kumimoji="1" lang="ja-JP" altLang="en-US" sz="1000" dirty="0"/>
+                    </a:p>
+                  </a:txBody>
+                  <a:tcPr/>
+                </a:tc>
+                <a:tc>
+                  <a:txBody>
+                    <a:bodyPr/>
+                    <a:lstStyle/>
+                    <a:p>
+                      <a:r>
+                        <a:rPr kumimoji="1" lang="en-US" altLang="ja-JP" sz="1000" dirty="0" smtClean="0"/>
+                        <a:t>Varchar(32)</a:t>
+                      </a:r>
+                      <a:endParaRPr kumimoji="1" lang="ja-JP" altLang="en-US" sz="1000" dirty="0"/>
+                    </a:p>
+                  </a:txBody>
+                  <a:tcPr/>
+                </a:tc>
+              </a:tr>
+              <a:tr h="234698">
+                <a:tc>
+                  <a:txBody>
+                    <a:bodyPr/>
+                    <a:lstStyle/>
+                    <a:p>
+                      <a:r>
+                        <a:rPr kumimoji="1" lang="en-US" altLang="ja-JP" sz="1000" dirty="0" smtClean="0"/>
+                        <a:t>Created</a:t>
+                      </a:r>
+                      <a:endParaRPr kumimoji="1" lang="ja-JP" altLang="en-US" sz="1000" dirty="0"/>
+                    </a:p>
+                  </a:txBody>
+                  <a:tcPr/>
+                </a:tc>
+                <a:tc>
+                  <a:txBody>
+                    <a:bodyPr/>
+                    <a:lstStyle/>
+                    <a:p>
+                      <a:r>
+                        <a:rPr kumimoji="1" lang="en-US" altLang="ja-JP" sz="1000" dirty="0" err="1" smtClean="0"/>
+                        <a:t>datetime</a:t>
+                      </a:r>
+                      <a:endParaRPr kumimoji="1" lang="ja-JP" altLang="en-US" sz="1000" dirty="0"/>
+                    </a:p>
+                  </a:txBody>
+                  <a:tcPr/>
+                </a:tc>
+              </a:tr>
+              <a:tr h="234698">
+                <a:tc>
+                  <a:txBody>
+                    <a:bodyPr/>
+                    <a:lstStyle/>
+                    <a:p>
+                      <a:r>
+                        <a:rPr kumimoji="1" lang="en-US" altLang="ja-JP" sz="1000" dirty="0" smtClean="0"/>
+                        <a:t>Modified</a:t>
+                      </a:r>
+                      <a:endParaRPr kumimoji="1" lang="ja-JP" altLang="en-US" sz="1000" dirty="0"/>
+                    </a:p>
+                  </a:txBody>
+                  <a:tcPr/>
+                </a:tc>
+                <a:tc>
+                  <a:txBody>
+                    <a:bodyPr/>
+                    <a:lstStyle/>
+                    <a:p>
+                      <a:pPr marL="0" marR="0" indent="0" algn="l" defTabSz="914400" rtl="0" eaLnBrk="1" fontAlgn="auto" latinLnBrk="0" hangingPunct="1">
+                        <a:lnSpc>
+                          <a:spcPct val="100000"/>
+                        </a:lnSpc>
+                        <a:spcBef>
+                          <a:spcPts val="0"/>
+                        </a:spcBef>
+                        <a:spcAft>
+                          <a:spcPts val="0"/>
+                        </a:spcAft>
+                        <a:buClrTx/>
+                        <a:buSzTx/>
+                        <a:buFontTx/>
+                        <a:buNone/>
+                        <a:tabLst/>
+                        <a:defRPr/>
+                      </a:pPr>
+                      <a:r>
+                        <a:rPr kumimoji="1" lang="en-US" altLang="ja-JP" sz="1000" dirty="0" err="1" smtClean="0"/>
+                        <a:t>datetime</a:t>
+                      </a:r>
+                      <a:endParaRPr kumimoji="1" lang="ja-JP" altLang="en-US" sz="1000" dirty="0" smtClean="0"/>
+                    </a:p>
+                  </a:txBody>
+                  <a:tcPr/>
+                </a:tc>
+              </a:tr>
+            </a:tbl>
+          </a:graphicData>
+        </a:graphic>
+      </p:graphicFrame>
     </p:spTree>
     <p:extLst>
       <p:ext uri="{BB962C8B-B14F-4D97-AF65-F5344CB8AC3E}">
-        <p14:creationId xmlns:p14="http://schemas.microsoft.com/office/powerpoint/2010/main" val="2605389808"/>
+        <p14:creationId xmlns:p14="http://schemas.microsoft.com/office/powerpoint/2010/main" val="2135604538"/>
       </p:ext>
     </p:extLst>
   </p:cSld>
@@ -4468,7 +4839,7 @@
 </p:sld>
 </file>
 
-<file path=ppt/slides/slide4.xml><?xml version="1.0" encoding="utf-8"?>
+<file path=ppt/slides/slide5.xml><?xml version="1.0" encoding="utf-8"?>
 <p:sld xmlns:a="http://schemas.openxmlformats.org/drawingml/2006/main" xmlns:r="http://schemas.openxmlformats.org/officeDocument/2006/relationships" xmlns:p="http://schemas.openxmlformats.org/presentationml/2006/main">
   <p:cSld>
     <p:spTree>

--- a/設計資料.pptx
+++ b/設計資料.pptx
@@ -1,3 +1,120 @@
+
+<file path=ppt/presentation.xml><?xml version="1.0" encoding="utf-8"?>
+<p:presentation xmlns:a="http://schemas.openxmlformats.org/drawingml/2006/main" xmlns:r="http://schemas.openxmlformats.org/officeDocument/2006/relationships" xmlns:p="http://schemas.openxmlformats.org/presentationml/2006/main" saveSubsetFonts="1">
+  <p:sldMasterIdLst>
+    <p:sldMasterId id="2147483648" r:id="rId1"/>
+  </p:sldMasterIdLst>
+  <p:sldIdLst>
+    <p:sldId id="256" r:id="rId2"/>
+    <p:sldId id="260" r:id="rId3"/>
+    <p:sldId id="261" r:id="rId4"/>
+    <p:sldId id="257" r:id="rId5"/>
+    <p:sldId id="259" r:id="rId6"/>
+  </p:sldIdLst>
+  <p:sldSz cx="12192000" cy="6858000"/>
+  <p:notesSz cx="6858000" cy="9144000"/>
+  <p:defaultTextStyle>
+    <a:defPPr>
+      <a:defRPr lang="ja-JP"/>
+    </a:defPPr>
+    <a:lvl1pPr marL="0" algn="l" defTabSz="914400" rtl="0" eaLnBrk="1" latinLnBrk="0" hangingPunct="1">
+      <a:defRPr kumimoji="1" sz="1800" kern="1200">
+        <a:solidFill>
+          <a:schemeClr val="tx1"/>
+        </a:solidFill>
+        <a:latin typeface="+mn-lt"/>
+        <a:ea typeface="+mn-ea"/>
+        <a:cs typeface="+mn-cs"/>
+      </a:defRPr>
+    </a:lvl1pPr>
+    <a:lvl2pPr marL="457200" algn="l" defTabSz="914400" rtl="0" eaLnBrk="1" latinLnBrk="0" hangingPunct="1">
+      <a:defRPr kumimoji="1" sz="1800" kern="1200">
+        <a:solidFill>
+          <a:schemeClr val="tx1"/>
+        </a:solidFill>
+        <a:latin typeface="+mn-lt"/>
+        <a:ea typeface="+mn-ea"/>
+        <a:cs typeface="+mn-cs"/>
+      </a:defRPr>
+    </a:lvl2pPr>
+    <a:lvl3pPr marL="914400" algn="l" defTabSz="914400" rtl="0" eaLnBrk="1" latinLnBrk="0" hangingPunct="1">
+      <a:defRPr kumimoji="1" sz="1800" kern="1200">
+        <a:solidFill>
+          <a:schemeClr val="tx1"/>
+        </a:solidFill>
+        <a:latin typeface="+mn-lt"/>
+        <a:ea typeface="+mn-ea"/>
+        <a:cs typeface="+mn-cs"/>
+      </a:defRPr>
+    </a:lvl3pPr>
+    <a:lvl4pPr marL="1371600" algn="l" defTabSz="914400" rtl="0" eaLnBrk="1" latinLnBrk="0" hangingPunct="1">
+      <a:defRPr kumimoji="1" sz="1800" kern="1200">
+        <a:solidFill>
+          <a:schemeClr val="tx1"/>
+        </a:solidFill>
+        <a:latin typeface="+mn-lt"/>
+        <a:ea typeface="+mn-ea"/>
+        <a:cs typeface="+mn-cs"/>
+      </a:defRPr>
+    </a:lvl4pPr>
+    <a:lvl5pPr marL="1828800" algn="l" defTabSz="914400" rtl="0" eaLnBrk="1" latinLnBrk="0" hangingPunct="1">
+      <a:defRPr kumimoji="1" sz="1800" kern="1200">
+        <a:solidFill>
+          <a:schemeClr val="tx1"/>
+        </a:solidFill>
+        <a:latin typeface="+mn-lt"/>
+        <a:ea typeface="+mn-ea"/>
+        <a:cs typeface="+mn-cs"/>
+      </a:defRPr>
+    </a:lvl5pPr>
+    <a:lvl6pPr marL="2286000" algn="l" defTabSz="914400" rtl="0" eaLnBrk="1" latinLnBrk="0" hangingPunct="1">
+      <a:defRPr kumimoji="1" sz="1800" kern="1200">
+        <a:solidFill>
+          <a:schemeClr val="tx1"/>
+        </a:solidFill>
+        <a:latin typeface="+mn-lt"/>
+        <a:ea typeface="+mn-ea"/>
+        <a:cs typeface="+mn-cs"/>
+      </a:defRPr>
+    </a:lvl6pPr>
+    <a:lvl7pPr marL="2743200" algn="l" defTabSz="914400" rtl="0" eaLnBrk="1" latinLnBrk="0" hangingPunct="1">
+      <a:defRPr kumimoji="1" sz="1800" kern="1200">
+        <a:solidFill>
+          <a:schemeClr val="tx1"/>
+        </a:solidFill>
+        <a:latin typeface="+mn-lt"/>
+        <a:ea typeface="+mn-ea"/>
+        <a:cs typeface="+mn-cs"/>
+      </a:defRPr>
+    </a:lvl7pPr>
+    <a:lvl8pPr marL="3200400" algn="l" defTabSz="914400" rtl="0" eaLnBrk="1" latinLnBrk="0" hangingPunct="1">
+      <a:defRPr kumimoji="1" sz="1800" kern="1200">
+        <a:solidFill>
+          <a:schemeClr val="tx1"/>
+        </a:solidFill>
+        <a:latin typeface="+mn-lt"/>
+        <a:ea typeface="+mn-ea"/>
+        <a:cs typeface="+mn-cs"/>
+      </a:defRPr>
+    </a:lvl8pPr>
+    <a:lvl9pPr marL="3657600" algn="l" defTabSz="914400" rtl="0" eaLnBrk="1" latinLnBrk="0" hangingPunct="1">
+      <a:defRPr kumimoji="1" sz="1800" kern="1200">
+        <a:solidFill>
+          <a:schemeClr val="tx1"/>
+        </a:solidFill>
+        <a:latin typeface="+mn-lt"/>
+        <a:ea typeface="+mn-ea"/>
+        <a:cs typeface="+mn-cs"/>
+      </a:defRPr>
+    </a:lvl9pPr>
+  </p:defaultTextStyle>
+  <p:extLst>
+    <p:ext uri="{EFAFB233-063F-42B5-8137-9DF3F51BA10A}">
+      <p15:sldGuideLst xmlns:p15="http://schemas.microsoft.com/office/powerpoint/2012/main"/>
+    </p:ext>
+  </p:extLst>
+</p:presentation>
+</file>
 
 <file path=ppt/slideLayouts/slideLayout1.xml><?xml version="1.0" encoding="utf-8"?>
 <p:sldLayout xmlns:a="http://schemas.openxmlformats.org/drawingml/2006/main" xmlns:r="http://schemas.openxmlformats.org/officeDocument/2006/relationships" xmlns:p="http://schemas.openxmlformats.org/presentationml/2006/main" type="title" preserve="1">
@@ -3311,6 +3428,947 @@
 </p:sld>
 </file>
 
+<file path=ppt/slides/slide2.xml><?xml version="1.0" encoding="utf-8"?>
+<p:sld xmlns:a="http://schemas.openxmlformats.org/drawingml/2006/main" xmlns:r="http://schemas.openxmlformats.org/officeDocument/2006/relationships" xmlns:p="http://schemas.openxmlformats.org/presentationml/2006/main">
+  <p:cSld>
+    <p:spTree>
+      <p:nvGrpSpPr>
+        <p:cNvPr id="1" name=""/>
+        <p:cNvGrpSpPr/>
+        <p:nvPr/>
+      </p:nvGrpSpPr>
+      <p:grpSpPr>
+        <a:xfrm>
+          <a:off x="0" y="0"/>
+          <a:ext cx="0" cy="0"/>
+          <a:chOff x="0" y="0"/>
+          <a:chExt cx="0" cy="0"/>
+        </a:xfrm>
+      </p:grpSpPr>
+      <p:sp>
+        <p:nvSpPr>
+          <p:cNvPr id="7" name="テキスト ボックス 6"/>
+          <p:cNvSpPr txBox="1"/>
+          <p:nvPr/>
+        </p:nvSpPr>
+        <p:spPr>
+          <a:xfrm>
+            <a:off x="0" y="0"/>
+            <a:ext cx="12192000" cy="369332"/>
+          </a:xfrm>
+          <a:prstGeom prst="rect">
+            <a:avLst/>
+          </a:prstGeom>
+          <a:solidFill>
+            <a:schemeClr val="accent6"/>
+          </a:solidFill>
+        </p:spPr>
+        <p:txBody>
+          <a:bodyPr wrap="square" rtlCol="0">
+            <a:spAutoFit/>
+          </a:bodyPr>
+          <a:lstStyle/>
+          <a:p>
+            <a:r>
+              <a:rPr kumimoji="1" lang="ja-JP" altLang="en-US" dirty="0" smtClean="0"/>
+              <a:t>スケジュール</a:t>
+            </a:r>
+            <a:endParaRPr kumimoji="1" lang="en-US" altLang="ja-JP" dirty="0" smtClean="0"/>
+          </a:p>
+        </p:txBody>
+      </p:sp>
+      <p:graphicFrame>
+        <p:nvGraphicFramePr>
+          <p:cNvPr id="2" name="表 1"/>
+          <p:cNvGraphicFramePr>
+            <a:graphicFrameLocks noGrp="1"/>
+          </p:cNvGraphicFramePr>
+          <p:nvPr>
+            <p:extLst>
+              <p:ext uri="{D42A27DB-BD31-4B8C-83A1-F6EECF244321}">
+                <p14:modId xmlns:p14="http://schemas.microsoft.com/office/powerpoint/2010/main" val="3381430826"/>
+              </p:ext>
+            </p:extLst>
+          </p:nvPr>
+        </p:nvGraphicFramePr>
+        <p:xfrm>
+          <a:off x="1735908" y="946090"/>
+          <a:ext cx="8128000" cy="1285240"/>
+        </p:xfrm>
+        <a:graphic>
+          <a:graphicData uri="http://schemas.openxmlformats.org/drawingml/2006/table">
+            <a:tbl>
+              <a:tblPr firstRow="1" bandRow="1">
+                <a:tableStyleId>{5C22544A-7EE6-4342-B048-85BDC9FD1C3A}</a:tableStyleId>
+              </a:tblPr>
+              <a:tblGrid>
+                <a:gridCol w="1625600"/>
+                <a:gridCol w="1625600"/>
+                <a:gridCol w="1625600"/>
+                <a:gridCol w="1625600"/>
+                <a:gridCol w="1625600"/>
+              </a:tblGrid>
+              <a:tr h="370840">
+                <a:tc>
+                  <a:txBody>
+                    <a:bodyPr/>
+                    <a:lstStyle/>
+                    <a:p>
+                      <a:pPr marL="0" marR="0" indent="0" algn="l" defTabSz="914400" rtl="0" eaLnBrk="1" fontAlgn="auto" latinLnBrk="0" hangingPunct="1">
+                        <a:lnSpc>
+                          <a:spcPct val="100000"/>
+                        </a:lnSpc>
+                        <a:spcBef>
+                          <a:spcPts val="0"/>
+                        </a:spcBef>
+                        <a:spcAft>
+                          <a:spcPts val="0"/>
+                        </a:spcAft>
+                        <a:buClrTx/>
+                        <a:buSzTx/>
+                        <a:buFontTx/>
+                        <a:buNone/>
+                        <a:tabLst/>
+                        <a:defRPr/>
+                      </a:pPr>
+                      <a:r>
+                        <a:rPr kumimoji="1" lang="ja-JP" altLang="en-US" dirty="0" smtClean="0"/>
+                        <a:t>１日目（火）</a:t>
+                      </a:r>
+                    </a:p>
+                  </a:txBody>
+                  <a:tcPr/>
+                </a:tc>
+                <a:tc>
+                  <a:txBody>
+                    <a:bodyPr/>
+                    <a:lstStyle/>
+                    <a:p>
+                      <a:pPr marL="0" marR="0" indent="0" algn="l" defTabSz="914400" rtl="0" eaLnBrk="1" fontAlgn="auto" latinLnBrk="0" hangingPunct="1">
+                        <a:lnSpc>
+                          <a:spcPct val="100000"/>
+                        </a:lnSpc>
+                        <a:spcBef>
+                          <a:spcPts val="0"/>
+                        </a:spcBef>
+                        <a:spcAft>
+                          <a:spcPts val="0"/>
+                        </a:spcAft>
+                        <a:buClrTx/>
+                        <a:buSzTx/>
+                        <a:buFontTx/>
+                        <a:buNone/>
+                        <a:tabLst/>
+                        <a:defRPr/>
+                      </a:pPr>
+                      <a:r>
+                        <a:rPr kumimoji="1" lang="en-US" altLang="ja-JP" dirty="0" smtClean="0"/>
+                        <a:t>2</a:t>
+                      </a:r>
+                      <a:r>
+                        <a:rPr kumimoji="1" lang="ja-JP" altLang="en-US" dirty="0" smtClean="0"/>
+                        <a:t>日目（水）</a:t>
+                      </a:r>
+                    </a:p>
+                  </a:txBody>
+                  <a:tcPr/>
+                </a:tc>
+                <a:tc>
+                  <a:txBody>
+                    <a:bodyPr/>
+                    <a:lstStyle/>
+                    <a:p>
+                      <a:pPr marL="0" marR="0" indent="0" algn="l" defTabSz="914400" rtl="0" eaLnBrk="1" fontAlgn="auto" latinLnBrk="0" hangingPunct="1">
+                        <a:lnSpc>
+                          <a:spcPct val="100000"/>
+                        </a:lnSpc>
+                        <a:spcBef>
+                          <a:spcPts val="0"/>
+                        </a:spcBef>
+                        <a:spcAft>
+                          <a:spcPts val="0"/>
+                        </a:spcAft>
+                        <a:buClrTx/>
+                        <a:buSzTx/>
+                        <a:buFontTx/>
+                        <a:buNone/>
+                        <a:tabLst/>
+                        <a:defRPr/>
+                      </a:pPr>
+                      <a:r>
+                        <a:rPr kumimoji="1" lang="en-US" altLang="ja-JP" dirty="0" smtClean="0"/>
+                        <a:t>3</a:t>
+                      </a:r>
+                      <a:r>
+                        <a:rPr kumimoji="1" lang="ja-JP" altLang="en-US" dirty="0" smtClean="0"/>
+                        <a:t>日目（木）</a:t>
+                      </a:r>
+                    </a:p>
+                  </a:txBody>
+                  <a:tcPr/>
+                </a:tc>
+                <a:tc>
+                  <a:txBody>
+                    <a:bodyPr/>
+                    <a:lstStyle/>
+                    <a:p>
+                      <a:pPr marL="0" marR="0" indent="0" algn="l" defTabSz="914400" rtl="0" eaLnBrk="1" fontAlgn="auto" latinLnBrk="0" hangingPunct="1">
+                        <a:lnSpc>
+                          <a:spcPct val="100000"/>
+                        </a:lnSpc>
+                        <a:spcBef>
+                          <a:spcPts val="0"/>
+                        </a:spcBef>
+                        <a:spcAft>
+                          <a:spcPts val="0"/>
+                        </a:spcAft>
+                        <a:buClrTx/>
+                        <a:buSzTx/>
+                        <a:buFontTx/>
+                        <a:buNone/>
+                        <a:tabLst/>
+                        <a:defRPr/>
+                      </a:pPr>
+                      <a:r>
+                        <a:rPr kumimoji="1" lang="en-US" altLang="ja-JP" dirty="0" smtClean="0"/>
+                        <a:t>4</a:t>
+                      </a:r>
+                      <a:r>
+                        <a:rPr kumimoji="1" lang="ja-JP" altLang="en-US" dirty="0" smtClean="0"/>
+                        <a:t>日目（金）</a:t>
+                      </a:r>
+                    </a:p>
+                  </a:txBody>
+                  <a:tcPr/>
+                </a:tc>
+                <a:tc>
+                  <a:txBody>
+                    <a:bodyPr/>
+                    <a:lstStyle/>
+                    <a:p>
+                      <a:pPr marL="0" marR="0" indent="0" algn="l" defTabSz="914400" rtl="0" eaLnBrk="1" fontAlgn="auto" latinLnBrk="0" hangingPunct="1">
+                        <a:lnSpc>
+                          <a:spcPct val="100000"/>
+                        </a:lnSpc>
+                        <a:spcBef>
+                          <a:spcPts val="0"/>
+                        </a:spcBef>
+                        <a:spcAft>
+                          <a:spcPts val="0"/>
+                        </a:spcAft>
+                        <a:buClrTx/>
+                        <a:buSzTx/>
+                        <a:buFontTx/>
+                        <a:buNone/>
+                        <a:tabLst/>
+                        <a:defRPr/>
+                      </a:pPr>
+                      <a:r>
+                        <a:rPr kumimoji="1" lang="en-US" altLang="ja-JP" dirty="0" smtClean="0"/>
+                        <a:t>5</a:t>
+                      </a:r>
+                      <a:r>
+                        <a:rPr kumimoji="1" lang="ja-JP" altLang="en-US" dirty="0" smtClean="0"/>
+                        <a:t>日目（土）</a:t>
+                      </a:r>
+                    </a:p>
+                  </a:txBody>
+                  <a:tcPr/>
+                </a:tc>
+              </a:tr>
+              <a:tr h="370840">
+                <a:tc>
+                  <a:txBody>
+                    <a:bodyPr/>
+                    <a:lstStyle/>
+                    <a:p>
+                      <a:r>
+                        <a:rPr kumimoji="1" lang="ja-JP" altLang="en-US" dirty="0" smtClean="0"/>
+                        <a:t>・</a:t>
+                      </a:r>
+                      <a:r>
+                        <a:rPr kumimoji="1" lang="en-US" altLang="ja-JP" dirty="0" smtClean="0"/>
+                        <a:t>PC</a:t>
+                      </a:r>
+                      <a:r>
+                        <a:rPr kumimoji="1" lang="ja-JP" altLang="en-US" dirty="0" smtClean="0"/>
+                        <a:t>設定</a:t>
+                      </a:r>
+                      <a:endParaRPr kumimoji="1" lang="en-US" altLang="ja-JP" dirty="0" smtClean="0"/>
+                    </a:p>
+                    <a:p>
+                      <a:r>
+                        <a:rPr kumimoji="1" lang="ja-JP" altLang="en-US" dirty="0" smtClean="0"/>
+                        <a:t>・制作設計</a:t>
+                      </a:r>
+                      <a:endParaRPr kumimoji="1" lang="en-US" altLang="ja-JP" dirty="0" smtClean="0"/>
+                    </a:p>
+                    <a:p>
+                      <a:r>
+                        <a:rPr kumimoji="1" lang="ja-JP" altLang="en-US" dirty="0" smtClean="0"/>
+                        <a:t>・役割分担</a:t>
+                      </a:r>
+                      <a:endParaRPr kumimoji="1" lang="ja-JP" altLang="en-US" dirty="0"/>
+                    </a:p>
+                  </a:txBody>
+                  <a:tcPr/>
+                </a:tc>
+                <a:tc>
+                  <a:txBody>
+                    <a:bodyPr/>
+                    <a:lstStyle/>
+                    <a:p>
+                      <a:r>
+                        <a:rPr kumimoji="1" lang="ja-JP" altLang="en-US" dirty="0" smtClean="0"/>
+                        <a:t>・制作</a:t>
+                      </a:r>
+                      <a:endParaRPr kumimoji="1" lang="ja-JP" altLang="en-US" dirty="0"/>
+                    </a:p>
+                  </a:txBody>
+                  <a:tcPr/>
+                </a:tc>
+                <a:tc>
+                  <a:txBody>
+                    <a:bodyPr/>
+                    <a:lstStyle/>
+                    <a:p>
+                      <a:r>
+                        <a:rPr kumimoji="1" lang="ja-JP" altLang="en-US" dirty="0" smtClean="0"/>
+                        <a:t>制作</a:t>
+                      </a:r>
+                      <a:endParaRPr kumimoji="1" lang="ja-JP" altLang="en-US" dirty="0"/>
+                    </a:p>
+                  </a:txBody>
+                  <a:tcPr/>
+                </a:tc>
+                <a:tc>
+                  <a:txBody>
+                    <a:bodyPr/>
+                    <a:lstStyle/>
+                    <a:p>
+                      <a:r>
+                        <a:rPr kumimoji="1" lang="ja-JP" altLang="en-US" dirty="0" smtClean="0"/>
+                        <a:t>発表準備</a:t>
+                      </a:r>
+                      <a:endParaRPr kumimoji="1" lang="ja-JP" altLang="en-US" dirty="0"/>
+                    </a:p>
+                  </a:txBody>
+                  <a:tcPr/>
+                </a:tc>
+                <a:tc>
+                  <a:txBody>
+                    <a:bodyPr/>
+                    <a:lstStyle/>
+                    <a:p>
+                      <a:r>
+                        <a:rPr kumimoji="1" lang="ja-JP" altLang="en-US" dirty="0" smtClean="0"/>
+                        <a:t>発表</a:t>
+                      </a:r>
+                      <a:endParaRPr kumimoji="1" lang="ja-JP" altLang="en-US" dirty="0"/>
+                    </a:p>
+                  </a:txBody>
+                  <a:tcPr/>
+                </a:tc>
+              </a:tr>
+            </a:tbl>
+          </a:graphicData>
+        </a:graphic>
+      </p:graphicFrame>
+      <p:sp>
+        <p:nvSpPr>
+          <p:cNvPr id="14" name="テキスト ボックス 13"/>
+          <p:cNvSpPr txBox="1"/>
+          <p:nvPr/>
+        </p:nvSpPr>
+        <p:spPr>
+          <a:xfrm>
+            <a:off x="254412" y="3374570"/>
+            <a:ext cx="1481496" cy="369332"/>
+          </a:xfrm>
+          <a:prstGeom prst="rect">
+            <a:avLst/>
+          </a:prstGeom>
+          <a:noFill/>
+        </p:spPr>
+        <p:txBody>
+          <a:bodyPr wrap="none" rtlCol="0">
+            <a:spAutoFit/>
+          </a:bodyPr>
+          <a:lstStyle/>
+          <a:p>
+            <a:r>
+              <a:rPr lang="ja-JP" altLang="en-US" dirty="0" smtClean="0"/>
+              <a:t>担当内容メモ</a:t>
+            </a:r>
+            <a:endParaRPr kumimoji="1" lang="en-US" altLang="ja-JP" dirty="0" smtClean="0"/>
+          </a:p>
+        </p:txBody>
+      </p:sp>
+      <p:graphicFrame>
+        <p:nvGraphicFramePr>
+          <p:cNvPr id="3" name="表 2"/>
+          <p:cNvGraphicFramePr>
+            <a:graphicFrameLocks noGrp="1"/>
+          </p:cNvGraphicFramePr>
+          <p:nvPr>
+            <p:extLst>
+              <p:ext uri="{D42A27DB-BD31-4B8C-83A1-F6EECF244321}">
+                <p14:modId xmlns:p14="http://schemas.microsoft.com/office/powerpoint/2010/main" val="3566679190"/>
+              </p:ext>
+            </p:extLst>
+          </p:nvPr>
+        </p:nvGraphicFramePr>
+        <p:xfrm>
+          <a:off x="1735908" y="3931151"/>
+          <a:ext cx="8128000" cy="2108200"/>
+        </p:xfrm>
+        <a:graphic>
+          <a:graphicData uri="http://schemas.openxmlformats.org/drawingml/2006/table">
+            <a:tbl>
+              <a:tblPr firstRow="1" bandRow="1">
+                <a:tableStyleId>{5C22544A-7EE6-4342-B048-85BDC9FD1C3A}</a:tableStyleId>
+              </a:tblPr>
+              <a:tblGrid>
+                <a:gridCol w="2032000"/>
+                <a:gridCol w="2032000"/>
+                <a:gridCol w="2032000"/>
+                <a:gridCol w="2032000"/>
+              </a:tblGrid>
+              <a:tr h="370840">
+                <a:tc>
+                  <a:txBody>
+                    <a:bodyPr/>
+                    <a:lstStyle/>
+                    <a:p>
+                      <a:r>
+                        <a:rPr kumimoji="1" lang="ja-JP" altLang="en-US" dirty="0" smtClean="0"/>
+                        <a:t>斎藤</a:t>
+                      </a:r>
+                      <a:endParaRPr kumimoji="1" lang="ja-JP" altLang="en-US" dirty="0"/>
+                    </a:p>
+                  </a:txBody>
+                  <a:tcPr>
+                    <a:solidFill>
+                      <a:schemeClr val="accent3"/>
+                    </a:solidFill>
+                  </a:tcPr>
+                </a:tc>
+                <a:tc>
+                  <a:txBody>
+                    <a:bodyPr/>
+                    <a:lstStyle/>
+                    <a:p>
+                      <a:r>
+                        <a:rPr kumimoji="1" lang="ja-JP" altLang="en-US" dirty="0" smtClean="0"/>
+                        <a:t>岩崎</a:t>
+                      </a:r>
+                      <a:endParaRPr kumimoji="1" lang="ja-JP" altLang="en-US" dirty="0"/>
+                    </a:p>
+                  </a:txBody>
+                  <a:tcPr>
+                    <a:solidFill>
+                      <a:schemeClr val="accent3"/>
+                    </a:solidFill>
+                  </a:tcPr>
+                </a:tc>
+                <a:tc>
+                  <a:txBody>
+                    <a:bodyPr/>
+                    <a:lstStyle/>
+                    <a:p>
+                      <a:r>
+                        <a:rPr kumimoji="1" lang="ja-JP" altLang="en-US" dirty="0" smtClean="0"/>
+                        <a:t>水野</a:t>
+                      </a:r>
+                      <a:endParaRPr kumimoji="1" lang="ja-JP" altLang="en-US" dirty="0"/>
+                    </a:p>
+                  </a:txBody>
+                  <a:tcPr>
+                    <a:solidFill>
+                      <a:schemeClr val="accent3"/>
+                    </a:solidFill>
+                  </a:tcPr>
+                </a:tc>
+                <a:tc>
+                  <a:txBody>
+                    <a:bodyPr/>
+                    <a:lstStyle/>
+                    <a:p>
+                      <a:r>
+                        <a:rPr kumimoji="1" lang="ja-JP" altLang="en-US" dirty="0" smtClean="0"/>
+                        <a:t>高野</a:t>
+                      </a:r>
+                      <a:endParaRPr kumimoji="1" lang="ja-JP" altLang="en-US" dirty="0"/>
+                    </a:p>
+                  </a:txBody>
+                  <a:tcPr>
+                    <a:solidFill>
+                      <a:schemeClr val="accent3"/>
+                    </a:solidFill>
+                  </a:tcPr>
+                </a:tc>
+              </a:tr>
+              <a:tr h="370840">
+                <a:tc>
+                  <a:txBody>
+                    <a:bodyPr/>
+                    <a:lstStyle/>
+                    <a:p>
+                      <a:pPr marL="0" marR="0" indent="0" algn="l" defTabSz="914400" rtl="0" eaLnBrk="1" fontAlgn="auto" latinLnBrk="0" hangingPunct="1">
+                        <a:lnSpc>
+                          <a:spcPct val="100000"/>
+                        </a:lnSpc>
+                        <a:spcBef>
+                          <a:spcPts val="0"/>
+                        </a:spcBef>
+                        <a:spcAft>
+                          <a:spcPts val="0"/>
+                        </a:spcAft>
+                        <a:buClrTx/>
+                        <a:buSzTx/>
+                        <a:buFontTx/>
+                        <a:buNone/>
+                        <a:tabLst/>
+                        <a:defRPr/>
+                      </a:pPr>
+                      <a:r>
+                        <a:rPr lang="ja-JP" altLang="en-US" dirty="0" smtClean="0"/>
+                        <a:t>・</a:t>
+                      </a:r>
+                      <a:r>
+                        <a:rPr kumimoji="1" lang="en-US" altLang="ja-JP" dirty="0" smtClean="0"/>
+                        <a:t>DB</a:t>
+                      </a:r>
+                      <a:r>
+                        <a:rPr kumimoji="1" lang="ja-JP" altLang="en-US" dirty="0" smtClean="0"/>
+                        <a:t>作成</a:t>
+                      </a:r>
+                      <a:endParaRPr kumimoji="1" lang="en-US" altLang="ja-JP" dirty="0" smtClean="0"/>
+                    </a:p>
+                    <a:p>
+                      <a:pPr marL="0" marR="0" indent="0" algn="l" defTabSz="914400" rtl="0" eaLnBrk="1" fontAlgn="auto" latinLnBrk="0" hangingPunct="1">
+                        <a:lnSpc>
+                          <a:spcPct val="100000"/>
+                        </a:lnSpc>
+                        <a:spcBef>
+                          <a:spcPts val="0"/>
+                        </a:spcBef>
+                        <a:spcAft>
+                          <a:spcPts val="0"/>
+                        </a:spcAft>
+                        <a:buClrTx/>
+                        <a:buSzTx/>
+                        <a:buFontTx/>
+                        <a:buNone/>
+                        <a:tabLst/>
+                        <a:defRPr/>
+                      </a:pPr>
+                      <a:r>
+                        <a:rPr kumimoji="1" lang="ja-JP" altLang="en-US" dirty="0" smtClean="0"/>
+                        <a:t>・</a:t>
+                      </a:r>
+                      <a:r>
+                        <a:rPr kumimoji="1" lang="en-US" altLang="ja-JP" dirty="0" smtClean="0"/>
+                        <a:t>DB</a:t>
+                      </a:r>
+                      <a:r>
+                        <a:rPr kumimoji="1" lang="ja-JP" altLang="en-US" dirty="0" smtClean="0"/>
+                        <a:t>初期データ入力（属性別</a:t>
+                      </a:r>
+                      <a:r>
+                        <a:rPr kumimoji="1" lang="en-US" altLang="ja-JP" dirty="0" smtClean="0"/>
+                        <a:t>x2/</a:t>
+                      </a:r>
+                      <a:r>
+                        <a:rPr kumimoji="1" lang="ja-JP" altLang="en-US" dirty="0" smtClean="0"/>
+                        <a:t>タイプ別</a:t>
+                      </a:r>
+                      <a:r>
+                        <a:rPr kumimoji="1" lang="en-US" altLang="ja-JP" dirty="0" smtClean="0"/>
+                        <a:t>x2</a:t>
+                      </a:r>
+                      <a:r>
+                        <a:rPr kumimoji="1" lang="ja-JP" altLang="en-US" dirty="0" smtClean="0"/>
+                        <a:t>）</a:t>
+                      </a:r>
+                      <a:endParaRPr kumimoji="1" lang="en-US" altLang="ja-JP" dirty="0" smtClean="0"/>
+                    </a:p>
+                    <a:p>
+                      <a:endParaRPr kumimoji="1" lang="ja-JP" altLang="en-US" dirty="0"/>
+                    </a:p>
+                  </a:txBody>
+                  <a:tcPr>
+                    <a:solidFill>
+                      <a:schemeClr val="bg2"/>
+                    </a:solidFill>
+                  </a:tcPr>
+                </a:tc>
+                <a:tc>
+                  <a:txBody>
+                    <a:bodyPr/>
+                    <a:lstStyle/>
+                    <a:p>
+                      <a:pPr marL="0" marR="0" indent="0" algn="l" defTabSz="914400" rtl="0" eaLnBrk="1" fontAlgn="auto" latinLnBrk="0" hangingPunct="1">
+                        <a:lnSpc>
+                          <a:spcPct val="100000"/>
+                        </a:lnSpc>
+                        <a:spcBef>
+                          <a:spcPts val="0"/>
+                        </a:spcBef>
+                        <a:spcAft>
+                          <a:spcPts val="0"/>
+                        </a:spcAft>
+                        <a:buClrTx/>
+                        <a:buSzTx/>
+                        <a:buFontTx/>
+                        <a:buNone/>
+                        <a:tabLst/>
+                        <a:defRPr/>
+                      </a:pPr>
+                      <a:r>
+                        <a:rPr lang="ja-JP" altLang="en-US" dirty="0" smtClean="0"/>
+                        <a:t>・塩ふり</a:t>
+                      </a:r>
+                      <a:r>
+                        <a:rPr lang="en-US" altLang="ja-JP" dirty="0" smtClean="0"/>
+                        <a:t>/</a:t>
+                      </a:r>
+                      <a:r>
+                        <a:rPr lang="en-US" altLang="ja-JP" dirty="0" err="1" smtClean="0"/>
+                        <a:t>gitHub</a:t>
+                      </a:r>
+                      <a:r>
+                        <a:rPr lang="ja-JP" altLang="en-US" dirty="0" smtClean="0"/>
+                        <a:t>準備</a:t>
+                      </a:r>
+                      <a:endParaRPr lang="en-US" altLang="ja-JP" dirty="0" smtClean="0"/>
+                    </a:p>
+                    <a:p>
+                      <a:r>
+                        <a:rPr kumimoji="1" lang="ja-JP" altLang="en-US" dirty="0" smtClean="0"/>
+                        <a:t>・画像登録ロジックを組み込んだ</a:t>
+                      </a:r>
+                      <a:r>
+                        <a:rPr kumimoji="1" lang="en-US" altLang="ja-JP" dirty="0" smtClean="0"/>
+                        <a:t>Input</a:t>
+                      </a:r>
+                      <a:r>
+                        <a:rPr kumimoji="1" lang="ja-JP" altLang="en-US" dirty="0" smtClean="0"/>
+                        <a:t>メニュー</a:t>
+                      </a:r>
+                      <a:endParaRPr kumimoji="1" lang="ja-JP" altLang="en-US" dirty="0"/>
+                    </a:p>
+                  </a:txBody>
+                  <a:tcPr>
+                    <a:solidFill>
+                      <a:schemeClr val="bg2"/>
+                    </a:solidFill>
+                  </a:tcPr>
+                </a:tc>
+                <a:tc>
+                  <a:txBody>
+                    <a:bodyPr/>
+                    <a:lstStyle/>
+                    <a:p>
+                      <a:pPr marL="0" marR="0" indent="0" algn="l" defTabSz="914400" rtl="0" eaLnBrk="1" fontAlgn="auto" latinLnBrk="0" hangingPunct="1">
+                        <a:lnSpc>
+                          <a:spcPct val="100000"/>
+                        </a:lnSpc>
+                        <a:spcBef>
+                          <a:spcPts val="0"/>
+                        </a:spcBef>
+                        <a:spcAft>
+                          <a:spcPts val="0"/>
+                        </a:spcAft>
+                        <a:buClrTx/>
+                        <a:buSzTx/>
+                        <a:buFontTx/>
+                        <a:buNone/>
+                        <a:tabLst/>
+                        <a:defRPr/>
+                      </a:pPr>
+                      <a:r>
+                        <a:rPr lang="ja-JP" altLang="en-US" dirty="0" smtClean="0"/>
+                        <a:t>・</a:t>
+                      </a:r>
+                      <a:r>
+                        <a:rPr lang="en-US" altLang="ja-JP" dirty="0" smtClean="0"/>
+                        <a:t>Bake</a:t>
+                      </a:r>
+                    </a:p>
+                    <a:p>
+                      <a:r>
+                        <a:rPr kumimoji="1" lang="ja-JP" altLang="en-US" dirty="0" smtClean="0"/>
+                        <a:t>・個別モンスターページレイアウト作成</a:t>
+                      </a:r>
+                      <a:endParaRPr kumimoji="1" lang="ja-JP" altLang="en-US" dirty="0"/>
+                    </a:p>
+                  </a:txBody>
+                  <a:tcPr>
+                    <a:solidFill>
+                      <a:schemeClr val="bg2"/>
+                    </a:solidFill>
+                  </a:tcPr>
+                </a:tc>
+                <a:tc>
+                  <a:txBody>
+                    <a:bodyPr/>
+                    <a:lstStyle/>
+                    <a:p>
+                      <a:pPr marL="0" marR="0" indent="0" algn="l" defTabSz="914400" rtl="0" eaLnBrk="1" fontAlgn="auto" latinLnBrk="0" hangingPunct="1">
+                        <a:lnSpc>
+                          <a:spcPct val="100000"/>
+                        </a:lnSpc>
+                        <a:spcBef>
+                          <a:spcPts val="0"/>
+                        </a:spcBef>
+                        <a:spcAft>
+                          <a:spcPts val="0"/>
+                        </a:spcAft>
+                        <a:buClrTx/>
+                        <a:buSzTx/>
+                        <a:buFontTx/>
+                        <a:buNone/>
+                        <a:tabLst/>
+                        <a:defRPr/>
+                      </a:pPr>
+                      <a:r>
+                        <a:rPr lang="ja-JP" altLang="en-US" dirty="0" smtClean="0"/>
+                        <a:t>・</a:t>
+                      </a:r>
+                      <a:r>
+                        <a:rPr lang="en-US" altLang="ja-JP" dirty="0" smtClean="0"/>
+                        <a:t>TOP</a:t>
+                      </a:r>
+                      <a:r>
+                        <a:rPr lang="ja-JP" altLang="en-US" dirty="0" smtClean="0"/>
+                        <a:t>ページ叩き台</a:t>
+                      </a:r>
+                      <a:r>
+                        <a:rPr lang="ja-JP" altLang="en-US" dirty="0" smtClean="0"/>
+                        <a:t>作成</a:t>
+                      </a:r>
+                      <a:endParaRPr lang="en-US" altLang="ja-JP" dirty="0" smtClean="0"/>
+                    </a:p>
+                    <a:p>
+                      <a:pPr marL="0" marR="0" indent="0" algn="l" defTabSz="914400" rtl="0" eaLnBrk="1" fontAlgn="auto" latinLnBrk="0" hangingPunct="1">
+                        <a:lnSpc>
+                          <a:spcPct val="100000"/>
+                        </a:lnSpc>
+                        <a:spcBef>
+                          <a:spcPts val="0"/>
+                        </a:spcBef>
+                        <a:spcAft>
+                          <a:spcPts val="0"/>
+                        </a:spcAft>
+                        <a:buClrTx/>
+                        <a:buSzTx/>
+                        <a:buFontTx/>
+                        <a:buNone/>
+                        <a:tabLst/>
+                        <a:defRPr/>
+                      </a:pPr>
+                      <a:r>
+                        <a:rPr lang="ja-JP" altLang="en-US" dirty="0" smtClean="0"/>
+                        <a:t>・レイアウトテンプレ作成、各種ページコネクト部分</a:t>
+                      </a:r>
+                      <a:r>
+                        <a:rPr lang="en-US" altLang="ja-JP" dirty="0" err="1" smtClean="0"/>
+                        <a:t>etc</a:t>
+                      </a:r>
+                      <a:endParaRPr lang="en-US" altLang="ja-JP" dirty="0" smtClean="0"/>
+                    </a:p>
+                    <a:p>
+                      <a:endParaRPr kumimoji="1" lang="ja-JP" altLang="en-US" dirty="0"/>
+                    </a:p>
+                  </a:txBody>
+                  <a:tcPr>
+                    <a:solidFill>
+                      <a:schemeClr val="bg2"/>
+                    </a:solidFill>
+                  </a:tcPr>
+                </a:tc>
+              </a:tr>
+            </a:tbl>
+          </a:graphicData>
+        </a:graphic>
+      </p:graphicFrame>
+    </p:spTree>
+    <p:extLst>
+      <p:ext uri="{BB962C8B-B14F-4D97-AF65-F5344CB8AC3E}">
+        <p14:creationId xmlns:p14="http://schemas.microsoft.com/office/powerpoint/2010/main" val="3255642395"/>
+      </p:ext>
+    </p:extLst>
+  </p:cSld>
+  <p:clrMapOvr>
+    <a:masterClrMapping/>
+  </p:clrMapOvr>
+</p:sld>
+</file>
+
+<file path=ppt/slides/slide3.xml><?xml version="1.0" encoding="utf-8"?>
+<p:sld xmlns:a="http://schemas.openxmlformats.org/drawingml/2006/main" xmlns:r="http://schemas.openxmlformats.org/officeDocument/2006/relationships" xmlns:p="http://schemas.openxmlformats.org/presentationml/2006/main">
+  <p:cSld>
+    <p:spTree>
+      <p:nvGrpSpPr>
+        <p:cNvPr id="1" name=""/>
+        <p:cNvGrpSpPr/>
+        <p:nvPr/>
+      </p:nvGrpSpPr>
+      <p:grpSpPr>
+        <a:xfrm>
+          <a:off x="0" y="0"/>
+          <a:ext cx="0" cy="0"/>
+          <a:chOff x="0" y="0"/>
+          <a:chExt cx="0" cy="0"/>
+        </a:xfrm>
+      </p:grpSpPr>
+      <p:sp>
+        <p:nvSpPr>
+          <p:cNvPr id="7" name="テキスト ボックス 6"/>
+          <p:cNvSpPr txBox="1"/>
+          <p:nvPr/>
+        </p:nvSpPr>
+        <p:spPr>
+          <a:xfrm>
+            <a:off x="0" y="0"/>
+            <a:ext cx="12192000" cy="369332"/>
+          </a:xfrm>
+          <a:prstGeom prst="rect">
+            <a:avLst/>
+          </a:prstGeom>
+          <a:solidFill>
+            <a:schemeClr val="accent6"/>
+          </a:solidFill>
+        </p:spPr>
+        <p:txBody>
+          <a:bodyPr wrap="square" rtlCol="0">
+            <a:spAutoFit/>
+          </a:bodyPr>
+          <a:lstStyle/>
+          <a:p>
+            <a:r>
+              <a:rPr kumimoji="1" lang="ja-JP" altLang="en-US" dirty="0" smtClean="0"/>
+              <a:t>作業履歴</a:t>
+            </a:r>
+            <a:endParaRPr kumimoji="1" lang="en-US" altLang="ja-JP" dirty="0" smtClean="0"/>
+          </a:p>
+        </p:txBody>
+      </p:sp>
+      <p:sp>
+        <p:nvSpPr>
+          <p:cNvPr id="4" name="テキスト ボックス 3"/>
+          <p:cNvSpPr txBox="1"/>
+          <p:nvPr/>
+        </p:nvSpPr>
+        <p:spPr>
+          <a:xfrm>
+            <a:off x="164989" y="539930"/>
+            <a:ext cx="3249479" cy="1477328"/>
+          </a:xfrm>
+          <a:prstGeom prst="rect">
+            <a:avLst/>
+          </a:prstGeom>
+          <a:noFill/>
+        </p:spPr>
+        <p:txBody>
+          <a:bodyPr wrap="none" rtlCol="0">
+            <a:spAutoFit/>
+          </a:bodyPr>
+          <a:lstStyle/>
+          <a:p>
+            <a:r>
+              <a:rPr lang="en-US" altLang="ja-JP" dirty="0" smtClean="0"/>
+              <a:t>1/19</a:t>
+            </a:r>
+            <a:r>
+              <a:rPr lang="ja-JP" altLang="en-US" dirty="0" smtClean="0"/>
+              <a:t>（火）</a:t>
+            </a:r>
+            <a:endParaRPr kumimoji="1" lang="en-US" altLang="ja-JP" dirty="0" smtClean="0"/>
+          </a:p>
+          <a:p>
+            <a:r>
+              <a:rPr kumimoji="1" lang="ja-JP" altLang="en-US" dirty="0" smtClean="0"/>
+              <a:t>斎藤</a:t>
+            </a:r>
+            <a:r>
+              <a:rPr kumimoji="1" lang="en-US" altLang="ja-JP" dirty="0" smtClean="0"/>
+              <a:t>	DB</a:t>
+            </a:r>
+            <a:r>
+              <a:rPr kumimoji="1" lang="ja-JP" altLang="en-US" dirty="0" smtClean="0"/>
+              <a:t>作成</a:t>
+            </a:r>
+            <a:endParaRPr kumimoji="1" lang="en-US" altLang="ja-JP" dirty="0" smtClean="0"/>
+          </a:p>
+          <a:p>
+            <a:r>
+              <a:rPr lang="ja-JP" altLang="en-US" dirty="0" smtClean="0"/>
+              <a:t>岩崎</a:t>
+            </a:r>
+            <a:r>
+              <a:rPr lang="en-US" altLang="ja-JP" dirty="0" smtClean="0"/>
+              <a:t>	</a:t>
+            </a:r>
+            <a:r>
+              <a:rPr lang="ja-JP" altLang="en-US" dirty="0" smtClean="0"/>
+              <a:t>塩ふり</a:t>
+            </a:r>
+            <a:r>
+              <a:rPr lang="en-US" altLang="ja-JP" dirty="0" smtClean="0"/>
+              <a:t>/</a:t>
+            </a:r>
+            <a:r>
+              <a:rPr lang="en-US" altLang="ja-JP" dirty="0" err="1" smtClean="0"/>
+              <a:t>gitHub</a:t>
+            </a:r>
+            <a:r>
+              <a:rPr lang="ja-JP" altLang="en-US" dirty="0" smtClean="0"/>
+              <a:t>準備</a:t>
+            </a:r>
+            <a:endParaRPr lang="en-US" altLang="ja-JP" dirty="0" smtClean="0"/>
+          </a:p>
+          <a:p>
+            <a:r>
+              <a:rPr lang="ja-JP" altLang="en-US" dirty="0" smtClean="0"/>
+              <a:t>水野</a:t>
+            </a:r>
+            <a:r>
+              <a:rPr lang="en-US" altLang="ja-JP" dirty="0" smtClean="0"/>
+              <a:t>	Bake</a:t>
+            </a:r>
+          </a:p>
+          <a:p>
+            <a:r>
+              <a:rPr lang="ja-JP" altLang="en-US" dirty="0" smtClean="0"/>
+              <a:t>高野　　　</a:t>
+            </a:r>
+            <a:r>
+              <a:rPr lang="en-US" altLang="ja-JP" dirty="0" smtClean="0"/>
+              <a:t>TOP</a:t>
+            </a:r>
+            <a:r>
+              <a:rPr lang="ja-JP" altLang="en-US" dirty="0" smtClean="0"/>
+              <a:t>ページ叩き台作成</a:t>
+            </a:r>
+            <a:endParaRPr lang="en-US" altLang="ja-JP" dirty="0"/>
+          </a:p>
+        </p:txBody>
+      </p:sp>
+    </p:spTree>
+    <p:extLst>
+      <p:ext uri="{BB962C8B-B14F-4D97-AF65-F5344CB8AC3E}">
+        <p14:creationId xmlns:p14="http://schemas.microsoft.com/office/powerpoint/2010/main" val="54488676"/>
+      </p:ext>
+    </p:extLst>
+  </p:cSld>
+  <p:clrMapOvr>
+    <a:masterClrMapping/>
+  </p:clrMapOvr>
+</p:sld>
+</file>
+
 <file path=ppt/slides/slide4.xml><?xml version="1.0" encoding="utf-8"?>
 <p:sld xmlns:a="http://schemas.openxmlformats.org/drawingml/2006/main" xmlns:r="http://schemas.openxmlformats.org/officeDocument/2006/relationships" xmlns:p="http://schemas.openxmlformats.org/presentationml/2006/main">
   <p:cSld>

--- a/設計資料.pptx
+++ b/設計資料.pptx
@@ -6,10 +6,9 @@
   </p:sldMasterIdLst>
   <p:sldIdLst>
     <p:sldId id="256" r:id="rId2"/>
-    <p:sldId id="260" r:id="rId3"/>
-    <p:sldId id="261" r:id="rId4"/>
-    <p:sldId id="257" r:id="rId5"/>
-    <p:sldId id="259" r:id="rId6"/>
+    <p:sldId id="257" r:id="rId3"/>
+    <p:sldId id="258" r:id="rId4"/>
+    <p:sldId id="259" r:id="rId5"/>
   </p:sldIdLst>
   <p:sldSz cx="12192000" cy="6858000"/>
   <p:notesSz cx="6858000" cy="9144000"/>
@@ -247,7 +246,7 @@
           <a:p>
             <a:fld id="{6D5AE416-A1F7-4A45-86C7-F92E55601727}" type="datetimeFigureOut">
               <a:rPr kumimoji="1" lang="ja-JP" altLang="en-US" smtClean="0"/>
-              <a:t>2016/1/20</a:t>
+              <a:t>2016/1/19</a:t>
             </a:fld>
             <a:endParaRPr kumimoji="1" lang="ja-JP" altLang="en-US"/>
           </a:p>
@@ -449,7 +448,7 @@
           <a:p>
             <a:fld id="{6D5AE416-A1F7-4A45-86C7-F92E55601727}" type="datetimeFigureOut">
               <a:rPr kumimoji="1" lang="ja-JP" altLang="en-US" smtClean="0"/>
-              <a:t>2016/1/20</a:t>
+              <a:t>2016/1/19</a:t>
             </a:fld>
             <a:endParaRPr kumimoji="1" lang="ja-JP" altLang="en-US"/>
           </a:p>
@@ -661,7 +660,7 @@
           <a:p>
             <a:fld id="{6D5AE416-A1F7-4A45-86C7-F92E55601727}" type="datetimeFigureOut">
               <a:rPr kumimoji="1" lang="ja-JP" altLang="en-US" smtClean="0"/>
-              <a:t>2016/1/20</a:t>
+              <a:t>2016/1/19</a:t>
             </a:fld>
             <a:endParaRPr kumimoji="1" lang="ja-JP" altLang="en-US"/>
           </a:p>
@@ -863,7 +862,7 @@
           <a:p>
             <a:fld id="{6D5AE416-A1F7-4A45-86C7-F92E55601727}" type="datetimeFigureOut">
               <a:rPr kumimoji="1" lang="ja-JP" altLang="en-US" smtClean="0"/>
-              <a:t>2016/1/20</a:t>
+              <a:t>2016/1/19</a:t>
             </a:fld>
             <a:endParaRPr kumimoji="1" lang="ja-JP" altLang="en-US"/>
           </a:p>
@@ -1109,7 +1108,7 @@
           <a:p>
             <a:fld id="{6D5AE416-A1F7-4A45-86C7-F92E55601727}" type="datetimeFigureOut">
               <a:rPr kumimoji="1" lang="ja-JP" altLang="en-US" smtClean="0"/>
-              <a:t>2016/1/20</a:t>
+              <a:t>2016/1/19</a:t>
             </a:fld>
             <a:endParaRPr kumimoji="1" lang="ja-JP" altLang="en-US"/>
           </a:p>
@@ -1405,7 +1404,7 @@
           <a:p>
             <a:fld id="{6D5AE416-A1F7-4A45-86C7-F92E55601727}" type="datetimeFigureOut">
               <a:rPr kumimoji="1" lang="ja-JP" altLang="en-US" smtClean="0"/>
-              <a:t>2016/1/20</a:t>
+              <a:t>2016/1/19</a:t>
             </a:fld>
             <a:endParaRPr kumimoji="1" lang="ja-JP" altLang="en-US"/>
           </a:p>
@@ -1836,7 +1835,7 @@
           <a:p>
             <a:fld id="{6D5AE416-A1F7-4A45-86C7-F92E55601727}" type="datetimeFigureOut">
               <a:rPr kumimoji="1" lang="ja-JP" altLang="en-US" smtClean="0"/>
-              <a:t>2016/1/20</a:t>
+              <a:t>2016/1/19</a:t>
             </a:fld>
             <a:endParaRPr kumimoji="1" lang="ja-JP" altLang="en-US"/>
           </a:p>
@@ -1954,7 +1953,7 @@
           <a:p>
             <a:fld id="{6D5AE416-A1F7-4A45-86C7-F92E55601727}" type="datetimeFigureOut">
               <a:rPr kumimoji="1" lang="ja-JP" altLang="en-US" smtClean="0"/>
-              <a:t>2016/1/20</a:t>
+              <a:t>2016/1/19</a:t>
             </a:fld>
             <a:endParaRPr kumimoji="1" lang="ja-JP" altLang="en-US"/>
           </a:p>
@@ -2049,7 +2048,7 @@
           <a:p>
             <a:fld id="{6D5AE416-A1F7-4A45-86C7-F92E55601727}" type="datetimeFigureOut">
               <a:rPr kumimoji="1" lang="ja-JP" altLang="en-US" smtClean="0"/>
-              <a:t>2016/1/20</a:t>
+              <a:t>2016/1/19</a:t>
             </a:fld>
             <a:endParaRPr kumimoji="1" lang="ja-JP" altLang="en-US"/>
           </a:p>
@@ -2358,7 +2357,7 @@
           <a:p>
             <a:fld id="{6D5AE416-A1F7-4A45-86C7-F92E55601727}" type="datetimeFigureOut">
               <a:rPr kumimoji="1" lang="ja-JP" altLang="en-US" smtClean="0"/>
-              <a:t>2016/1/20</a:t>
+              <a:t>2016/1/19</a:t>
             </a:fld>
             <a:endParaRPr kumimoji="1" lang="ja-JP" altLang="en-US"/>
           </a:p>
@@ -2611,7 +2610,7 @@
           <a:p>
             <a:fld id="{6D5AE416-A1F7-4A45-86C7-F92E55601727}" type="datetimeFigureOut">
               <a:rPr kumimoji="1" lang="ja-JP" altLang="en-US" smtClean="0"/>
-              <a:t>2016/1/20</a:t>
+              <a:t>2016/1/19</a:t>
             </a:fld>
             <a:endParaRPr kumimoji="1" lang="ja-JP" altLang="en-US"/>
           </a:p>
@@ -2856,7 +2855,7 @@
           <a:p>
             <a:fld id="{6D5AE416-A1F7-4A45-86C7-F92E55601727}" type="datetimeFigureOut">
               <a:rPr kumimoji="1" lang="ja-JP" altLang="en-US" smtClean="0"/>
-              <a:t>2016/1/20</a:t>
+              <a:t>2016/1/19</a:t>
             </a:fld>
             <a:endParaRPr kumimoji="1" lang="ja-JP" altLang="en-US"/>
           </a:p>
@@ -3263,14 +3262,14 @@
       </p:grpSpPr>
       <p:sp>
         <p:nvSpPr>
-          <p:cNvPr id="5" name="テキスト ボックス 4"/>
+          <p:cNvPr id="4" name="テキスト ボックス 3"/>
           <p:cNvSpPr txBox="1"/>
           <p:nvPr/>
         </p:nvSpPr>
         <p:spPr>
           <a:xfrm>
-            <a:off x="326571" y="627018"/>
-            <a:ext cx="9642383" cy="3693319"/>
+            <a:off x="844731" y="740229"/>
+            <a:ext cx="1454244" cy="3970318"/>
           </a:xfrm>
           <a:prstGeom prst="rect">
             <a:avLst/>
@@ -3284,134 +3283,265 @@
           <a:lstStyle/>
           <a:p>
             <a:r>
+              <a:rPr kumimoji="1" lang="ja-JP" altLang="en-US" dirty="0" smtClean="0"/>
+              <a:t>スケジュール</a:t>
+            </a:r>
+            <a:endParaRPr kumimoji="1" lang="en-US" altLang="ja-JP" dirty="0" smtClean="0"/>
+          </a:p>
+          <a:p>
+            <a:r>
+              <a:rPr kumimoji="1" lang="ja-JP" altLang="en-US" dirty="0" smtClean="0"/>
+              <a:t>１日目</a:t>
+            </a:r>
+            <a:endParaRPr kumimoji="1" lang="en-US" altLang="ja-JP" dirty="0" smtClean="0"/>
+          </a:p>
+          <a:p>
+            <a:r>
+              <a:rPr kumimoji="1" lang="ja-JP" altLang="en-US" dirty="0" smtClean="0"/>
+              <a:t>　</a:t>
+            </a:r>
+            <a:r>
+              <a:rPr kumimoji="1" lang="en-US" altLang="ja-JP" dirty="0" smtClean="0"/>
+              <a:t>PC</a:t>
+            </a:r>
+            <a:r>
+              <a:rPr kumimoji="1" lang="ja-JP" altLang="en-US" dirty="0" smtClean="0"/>
+              <a:t>設定</a:t>
+            </a:r>
+            <a:endParaRPr kumimoji="1" lang="en-US" altLang="ja-JP" dirty="0" smtClean="0"/>
+          </a:p>
+          <a:p>
+            <a:r>
               <a:rPr lang="ja-JP" altLang="en-US" dirty="0"/>
-              <a:t>タイトル</a:t>
+              <a:t>　</a:t>
+            </a:r>
+            <a:r>
+              <a:rPr lang="ja-JP" altLang="en-US" dirty="0" smtClean="0"/>
+              <a:t>設計</a:t>
+            </a:r>
+            <a:endParaRPr lang="en-US" altLang="ja-JP" dirty="0" smtClean="0"/>
+          </a:p>
+          <a:p>
+            <a:r>
+              <a:rPr kumimoji="1" lang="ja-JP" altLang="en-US" dirty="0"/>
+              <a:t>　</a:t>
+            </a:r>
+            <a:r>
+              <a:rPr kumimoji="1" lang="ja-JP" altLang="en-US" dirty="0" smtClean="0"/>
+              <a:t>役割分担</a:t>
+            </a:r>
+            <a:endParaRPr kumimoji="1" lang="en-US" altLang="ja-JP" dirty="0" smtClean="0"/>
+          </a:p>
+          <a:p>
+            <a:r>
+              <a:rPr lang="en-US" altLang="ja-JP" dirty="0" smtClean="0"/>
+              <a:t>2</a:t>
+            </a:r>
+            <a:r>
+              <a:rPr lang="ja-JP" altLang="en-US" dirty="0" smtClean="0"/>
+              <a:t>日目</a:t>
             </a:r>
             <a:endParaRPr lang="en-US" altLang="ja-JP" dirty="0"/>
           </a:p>
           <a:p>
             <a:r>
               <a:rPr kumimoji="1" lang="ja-JP" altLang="en-US" dirty="0" smtClean="0"/>
-              <a:t>　パズドラデータベース</a:t>
+              <a:t>　制作</a:t>
             </a:r>
             <a:endParaRPr kumimoji="1" lang="en-US" altLang="ja-JP" dirty="0" smtClean="0"/>
           </a:p>
           <a:p>
+            <a:r>
+              <a:rPr lang="en-US" altLang="ja-JP" dirty="0" smtClean="0"/>
+              <a:t>3</a:t>
+            </a:r>
+            <a:r>
+              <a:rPr lang="ja-JP" altLang="en-US" dirty="0" smtClean="0"/>
+              <a:t>日目</a:t>
+            </a:r>
+            <a:endParaRPr lang="en-US" altLang="ja-JP" dirty="0"/>
+          </a:p>
+          <a:p>
+            <a:r>
+              <a:rPr lang="ja-JP" altLang="en-US" dirty="0"/>
+              <a:t>　制作</a:t>
+            </a:r>
+            <a:endParaRPr lang="en-US" altLang="ja-JP" dirty="0"/>
+          </a:p>
+          <a:p>
+            <a:r>
+              <a:rPr lang="en-US" altLang="ja-JP" dirty="0" smtClean="0"/>
+              <a:t>4</a:t>
+            </a:r>
+            <a:r>
+              <a:rPr lang="ja-JP" altLang="en-US" dirty="0" smtClean="0"/>
+              <a:t>日目</a:t>
+            </a:r>
+            <a:endParaRPr lang="en-US" altLang="ja-JP" dirty="0"/>
+          </a:p>
+          <a:p>
+            <a:r>
+              <a:rPr lang="ja-JP" altLang="en-US" dirty="0"/>
+              <a:t>　発表準備</a:t>
+            </a:r>
+            <a:endParaRPr lang="en-US" altLang="ja-JP" dirty="0"/>
+          </a:p>
+          <a:p>
+            <a:r>
+              <a:rPr lang="en-US" altLang="ja-JP" dirty="0" smtClean="0"/>
+              <a:t>5</a:t>
+            </a:r>
+            <a:r>
+              <a:rPr lang="ja-JP" altLang="en-US" dirty="0" smtClean="0"/>
+              <a:t>日目</a:t>
+            </a:r>
             <a:endParaRPr lang="en-US" altLang="ja-JP" dirty="0" smtClean="0"/>
           </a:p>
           <a:p>
-            <a:endParaRPr lang="en-US" altLang="ja-JP" dirty="0" smtClean="0"/>
-          </a:p>
-          <a:p>
-            <a:r>
-              <a:rPr lang="ja-JP" altLang="en-US" dirty="0" smtClean="0"/>
-              <a:t>内容</a:t>
-            </a:r>
-            <a:endParaRPr lang="en-US" altLang="ja-JP" dirty="0"/>
-          </a:p>
-          <a:p>
-            <a:r>
-              <a:rPr kumimoji="1" lang="ja-JP" altLang="en-US" dirty="0" smtClean="0"/>
-              <a:t>　・モンスター情報（ステータスや属性）などを、データベースに保存・閲覧といった</a:t>
-            </a:r>
-            <a:r>
-              <a:rPr kumimoji="1" lang="en-US" altLang="ja-JP" dirty="0" smtClean="0"/>
-              <a:t>CRUD</a:t>
-            </a:r>
-            <a:r>
-              <a:rPr kumimoji="1" lang="ja-JP" altLang="en-US" dirty="0" smtClean="0"/>
-              <a:t>機能の実装</a:t>
-            </a:r>
-            <a:endParaRPr kumimoji="1" lang="en-US" altLang="ja-JP" dirty="0" smtClean="0"/>
-          </a:p>
-          <a:p>
-            <a:r>
-              <a:rPr lang="ja-JP" altLang="en-US" dirty="0" smtClean="0"/>
-              <a:t>　・授業で習ったことの復習</a:t>
-            </a:r>
-            <a:endParaRPr lang="en-US" altLang="ja-JP" dirty="0" smtClean="0"/>
-          </a:p>
-          <a:p>
-            <a:r>
-              <a:rPr kumimoji="1" lang="ja-JP" altLang="en-US" dirty="0" smtClean="0"/>
-              <a:t>　・画像のアップロード機能の実装</a:t>
-            </a:r>
-            <a:endParaRPr kumimoji="1" lang="en-US" altLang="ja-JP" dirty="0" smtClean="0"/>
-          </a:p>
-          <a:p>
-            <a:r>
-              <a:rPr lang="ja-JP" altLang="en-US" dirty="0" smtClean="0"/>
-              <a:t>　・</a:t>
-            </a:r>
-            <a:r>
-              <a:rPr lang="en-US" altLang="ja-JP" dirty="0" smtClean="0"/>
-              <a:t>CSS</a:t>
-            </a:r>
-            <a:r>
-              <a:rPr lang="ja-JP" altLang="en-US" dirty="0" smtClean="0"/>
-              <a:t>などによるレイアウトの変更など</a:t>
-            </a:r>
-            <a:endParaRPr lang="en-US" altLang="ja-JP" dirty="0" smtClean="0"/>
-          </a:p>
-          <a:p>
-            <a:endParaRPr kumimoji="1" lang="en-US" altLang="ja-JP" dirty="0" smtClean="0"/>
-          </a:p>
-          <a:p>
-            <a:endParaRPr lang="en-US" altLang="ja-JP" dirty="0" smtClean="0"/>
-          </a:p>
-          <a:p>
-            <a:r>
-              <a:rPr lang="ja-JP" altLang="en-US" dirty="0" smtClean="0"/>
-              <a:t>弱点</a:t>
-            </a:r>
             <a:r>
               <a:rPr lang="ja-JP" altLang="en-US" dirty="0"/>
-              <a:t>意識</a:t>
-            </a:r>
-            <a:r>
-              <a:rPr lang="ja-JP" altLang="en-US" dirty="0" smtClean="0"/>
-              <a:t>のある個所を積極的に担当者に割り振ることにより、習熟度を高めることを目的とする。</a:t>
-            </a:r>
-            <a:endParaRPr lang="en-US" altLang="ja-JP" dirty="0" smtClean="0"/>
-          </a:p>
-          <a:p>
-            <a:r>
-              <a:rPr kumimoji="1" lang="ja-JP" altLang="en-US" dirty="0" smtClean="0"/>
-              <a:t>また、個々の技術向上のため余力のある者は積極的に新機能を実装したい</a:t>
-            </a:r>
-            <a:endParaRPr kumimoji="1" lang="en-US" altLang="ja-JP" dirty="0" smtClean="0"/>
-          </a:p>
-        </p:txBody>
-      </p:sp>
-      <p:sp>
-        <p:nvSpPr>
-          <p:cNvPr id="7" name="テキスト ボックス 6"/>
+              <a:t>　発表</a:t>
+            </a:r>
+          </a:p>
+          <a:p>
+            <a:endParaRPr kumimoji="1" lang="ja-JP" altLang="en-US" dirty="0"/>
+          </a:p>
+        </p:txBody>
+      </p:sp>
+      <p:sp>
+        <p:nvSpPr>
+          <p:cNvPr id="5" name="テキスト ボックス 4"/>
           <p:cNvSpPr txBox="1"/>
           <p:nvPr/>
         </p:nvSpPr>
         <p:spPr>
           <a:xfrm>
-            <a:off x="0" y="0"/>
-            <a:ext cx="12192000" cy="369332"/>
+            <a:off x="3435531" y="740229"/>
+            <a:ext cx="2303836" cy="646331"/>
           </a:xfrm>
           <a:prstGeom prst="rect">
             <a:avLst/>
           </a:prstGeom>
-          <a:solidFill>
-            <a:schemeClr val="accent6"/>
-          </a:solidFill>
+          <a:noFill/>
         </p:spPr>
         <p:txBody>
-          <a:bodyPr wrap="square" rtlCol="0">
+          <a:bodyPr wrap="none" rtlCol="0">
             <a:spAutoFit/>
           </a:bodyPr>
           <a:lstStyle/>
           <a:p>
             <a:r>
               <a:rPr kumimoji="1" lang="ja-JP" altLang="en-US" dirty="0" smtClean="0"/>
-              <a:t>作るもの及び目的</a:t>
+              <a:t>作るもの</a:t>
             </a:r>
             <a:endParaRPr kumimoji="1" lang="en-US" altLang="ja-JP" dirty="0" smtClean="0"/>
+          </a:p>
+          <a:p>
+            <a:r>
+              <a:rPr kumimoji="1" lang="ja-JP" altLang="en-US" dirty="0" smtClean="0"/>
+              <a:t>パズドラデータベース</a:t>
+            </a:r>
+            <a:endParaRPr kumimoji="1" lang="ja-JP" altLang="en-US" dirty="0"/>
+          </a:p>
+        </p:txBody>
+      </p:sp>
+      <p:sp>
+        <p:nvSpPr>
+          <p:cNvPr id="6" name="テキスト ボックス 5"/>
+          <p:cNvSpPr txBox="1"/>
+          <p:nvPr/>
+        </p:nvSpPr>
+        <p:spPr>
+          <a:xfrm>
+            <a:off x="6653348" y="740228"/>
+            <a:ext cx="2915413" cy="1754326"/>
+          </a:xfrm>
+          <a:prstGeom prst="rect">
+            <a:avLst/>
+          </a:prstGeom>
+          <a:noFill/>
+        </p:spPr>
+        <p:txBody>
+          <a:bodyPr wrap="none" rtlCol="0">
+            <a:spAutoFit/>
+          </a:bodyPr>
+          <a:lstStyle/>
+          <a:p>
+            <a:r>
+              <a:rPr kumimoji="1" lang="ja-JP" altLang="en-US" dirty="0" smtClean="0"/>
+              <a:t>作業内容</a:t>
+            </a:r>
+            <a:endParaRPr kumimoji="1" lang="en-US" altLang="ja-JP" dirty="0" smtClean="0"/>
+          </a:p>
+          <a:p>
+            <a:r>
+              <a:rPr lang="en-US" altLang="ja-JP" dirty="0" smtClean="0"/>
+              <a:t>1/19</a:t>
+            </a:r>
+            <a:r>
+              <a:rPr lang="ja-JP" altLang="en-US" dirty="0" smtClean="0"/>
+              <a:t>（火）</a:t>
+            </a:r>
+            <a:endParaRPr kumimoji="1" lang="en-US" altLang="ja-JP" dirty="0" smtClean="0"/>
+          </a:p>
+          <a:p>
+            <a:r>
+              <a:rPr kumimoji="1" lang="ja-JP" altLang="en-US" dirty="0" smtClean="0"/>
+              <a:t>斎藤</a:t>
+            </a:r>
+            <a:r>
+              <a:rPr kumimoji="1" lang="en-US" altLang="ja-JP" dirty="0" smtClean="0"/>
+              <a:t>	DB</a:t>
+            </a:r>
+            <a:r>
+              <a:rPr kumimoji="1" lang="ja-JP" altLang="en-US" dirty="0" smtClean="0"/>
+              <a:t>作成</a:t>
+            </a:r>
+            <a:endParaRPr kumimoji="1" lang="en-US" altLang="ja-JP" dirty="0" smtClean="0"/>
+          </a:p>
+          <a:p>
+            <a:r>
+              <a:rPr lang="ja-JP" altLang="en-US" dirty="0" smtClean="0"/>
+              <a:t>岩崎</a:t>
+            </a:r>
+            <a:r>
+              <a:rPr lang="en-US" altLang="ja-JP" dirty="0" smtClean="0"/>
+              <a:t>	</a:t>
+            </a:r>
+            <a:r>
+              <a:rPr lang="ja-JP" altLang="en-US" dirty="0" smtClean="0"/>
+              <a:t>塩ふり</a:t>
+            </a:r>
+            <a:r>
+              <a:rPr lang="en-US" altLang="ja-JP" dirty="0" smtClean="0"/>
+              <a:t>/</a:t>
+            </a:r>
+            <a:r>
+              <a:rPr lang="en-US" altLang="ja-JP" dirty="0" err="1" smtClean="0"/>
+              <a:t>gitHub</a:t>
+            </a:r>
+            <a:r>
+              <a:rPr lang="ja-JP" altLang="en-US" dirty="0" smtClean="0"/>
+              <a:t>準備</a:t>
+            </a:r>
+            <a:endParaRPr lang="en-US" altLang="ja-JP" dirty="0" smtClean="0"/>
+          </a:p>
+          <a:p>
+            <a:r>
+              <a:rPr lang="ja-JP" altLang="en-US" dirty="0" smtClean="0"/>
+              <a:t>水野</a:t>
+            </a:r>
+            <a:r>
+              <a:rPr lang="en-US" altLang="ja-JP" dirty="0" smtClean="0"/>
+              <a:t>	Bake</a:t>
+            </a:r>
+          </a:p>
+          <a:p>
+            <a:r>
+              <a:rPr lang="ja-JP" altLang="en-US" dirty="0" smtClean="0"/>
+              <a:t>高野</a:t>
+            </a:r>
+            <a:endParaRPr lang="en-US" altLang="ja-JP" dirty="0"/>
           </a:p>
         </p:txBody>
       </p:sp>
@@ -3447,343 +3577,14 @@
       </p:grpSpPr>
       <p:sp>
         <p:nvSpPr>
-          <p:cNvPr id="7" name="テキスト ボックス 6"/>
+          <p:cNvPr id="4" name="テキスト ボックス 3"/>
           <p:cNvSpPr txBox="1"/>
           <p:nvPr/>
         </p:nvSpPr>
         <p:spPr>
           <a:xfrm>
-            <a:off x="0" y="0"/>
-            <a:ext cx="12192000" cy="369332"/>
-          </a:xfrm>
-          <a:prstGeom prst="rect">
-            <a:avLst/>
-          </a:prstGeom>
-          <a:solidFill>
-            <a:schemeClr val="accent6"/>
-          </a:solidFill>
-        </p:spPr>
-        <p:txBody>
-          <a:bodyPr wrap="square" rtlCol="0">
-            <a:spAutoFit/>
-          </a:bodyPr>
-          <a:lstStyle/>
-          <a:p>
-            <a:r>
-              <a:rPr kumimoji="1" lang="ja-JP" altLang="en-US" dirty="0" smtClean="0"/>
-              <a:t>スケジュール</a:t>
-            </a:r>
-            <a:endParaRPr kumimoji="1" lang="en-US" altLang="ja-JP" dirty="0" smtClean="0"/>
-          </a:p>
-        </p:txBody>
-      </p:sp>
-      <p:graphicFrame>
-        <p:nvGraphicFramePr>
-          <p:cNvPr id="2" name="表 1"/>
-          <p:cNvGraphicFramePr>
-            <a:graphicFrameLocks noGrp="1"/>
-          </p:cNvGraphicFramePr>
-          <p:nvPr>
-            <p:extLst>
-              <p:ext uri="{D42A27DB-BD31-4B8C-83A1-F6EECF244321}">
-                <p14:modId xmlns:p14="http://schemas.microsoft.com/office/powerpoint/2010/main" val="3381430826"/>
-              </p:ext>
-            </p:extLst>
-          </p:nvPr>
-        </p:nvGraphicFramePr>
-        <p:xfrm>
-          <a:off x="1735908" y="946090"/>
-          <a:ext cx="8128000" cy="1285240"/>
-        </p:xfrm>
-        <a:graphic>
-          <a:graphicData uri="http://schemas.openxmlformats.org/drawingml/2006/table">
-            <a:tbl>
-              <a:tblPr firstRow="1" bandRow="1">
-                <a:tableStyleId>{5C22544A-7EE6-4342-B048-85BDC9FD1C3A}</a:tableStyleId>
-              </a:tblPr>
-              <a:tblGrid>
-                <a:gridCol w="1625600"/>
-                <a:gridCol w="1625600"/>
-                <a:gridCol w="1625600"/>
-                <a:gridCol w="1625600"/>
-                <a:gridCol w="1625600"/>
-              </a:tblGrid>
-              <a:tr h="370840">
-                <a:tc>
-                  <a:txBody>
-                    <a:bodyPr/>
-                    <a:lstStyle/>
-                    <a:p>
-                      <a:pPr marL="0" marR="0" indent="0" algn="l" defTabSz="914400" rtl="0" eaLnBrk="1" fontAlgn="auto" latinLnBrk="0" hangingPunct="1">
-                        <a:lnSpc>
-                          <a:spcPct val="100000"/>
-                        </a:lnSpc>
-                        <a:spcBef>
-                          <a:spcPts val="0"/>
-                        </a:spcBef>
-                        <a:spcAft>
-                          <a:spcPts val="0"/>
-                        </a:spcAft>
-                        <a:buClrTx/>
-                        <a:buSzTx/>
-                        <a:buFontTx/>
-                        <a:buNone/>
-                        <a:tabLst/>
-                        <a:defRPr/>
-                      </a:pPr>
-                      <a:r>
-                        <a:rPr kumimoji="1" lang="ja-JP" altLang="en-US" dirty="0" smtClean="0"/>
-                        <a:t>１日目（火）</a:t>
-                      </a:r>
-                    </a:p>
-                  </a:txBody>
-                  <a:tcPr/>
-                </a:tc>
-                <a:tc>
-                  <a:txBody>
-                    <a:bodyPr/>
-                    <a:lstStyle/>
-                    <a:p>
-                      <a:pPr marL="0" marR="0" indent="0" algn="l" defTabSz="914400" rtl="0" eaLnBrk="1" fontAlgn="auto" latinLnBrk="0" hangingPunct="1">
-                        <a:lnSpc>
-                          <a:spcPct val="100000"/>
-                        </a:lnSpc>
-                        <a:spcBef>
-                          <a:spcPts val="0"/>
-                        </a:spcBef>
-                        <a:spcAft>
-                          <a:spcPts val="0"/>
-                        </a:spcAft>
-                        <a:buClrTx/>
-                        <a:buSzTx/>
-                        <a:buFontTx/>
-                        <a:buNone/>
-                        <a:tabLst/>
-                        <a:defRPr/>
-                      </a:pPr>
-                      <a:r>
-                        <a:rPr kumimoji="1" lang="en-US" altLang="ja-JP" dirty="0" smtClean="0"/>
-                        <a:t>2</a:t>
-                      </a:r>
-                      <a:r>
-                        <a:rPr kumimoji="1" lang="ja-JP" altLang="en-US" dirty="0" smtClean="0"/>
-                        <a:t>日目（水）</a:t>
-                      </a:r>
-                    </a:p>
-                  </a:txBody>
-                  <a:tcPr/>
-                </a:tc>
-                <a:tc>
-                  <a:txBody>
-                    <a:bodyPr/>
-                    <a:lstStyle/>
-                    <a:p>
-                      <a:pPr marL="0" marR="0" indent="0" algn="l" defTabSz="914400" rtl="0" eaLnBrk="1" fontAlgn="auto" latinLnBrk="0" hangingPunct="1">
-                        <a:lnSpc>
-                          <a:spcPct val="100000"/>
-                        </a:lnSpc>
-                        <a:spcBef>
-                          <a:spcPts val="0"/>
-                        </a:spcBef>
-                        <a:spcAft>
-                          <a:spcPts val="0"/>
-                        </a:spcAft>
-                        <a:buClrTx/>
-                        <a:buSzTx/>
-                        <a:buFontTx/>
-                        <a:buNone/>
-                        <a:tabLst/>
-                        <a:defRPr/>
-                      </a:pPr>
-                      <a:r>
-                        <a:rPr kumimoji="1" lang="en-US" altLang="ja-JP" dirty="0" smtClean="0"/>
-                        <a:t>3</a:t>
-                      </a:r>
-                      <a:r>
-                        <a:rPr kumimoji="1" lang="ja-JP" altLang="en-US" dirty="0" smtClean="0"/>
-                        <a:t>日目（木）</a:t>
-                      </a:r>
-                    </a:p>
-                  </a:txBody>
-                  <a:tcPr/>
-                </a:tc>
-                <a:tc>
-                  <a:txBody>
-                    <a:bodyPr/>
-                    <a:lstStyle/>
-                    <a:p>
-                      <a:pPr marL="0" marR="0" indent="0" algn="l" defTabSz="914400" rtl="0" eaLnBrk="1" fontAlgn="auto" latinLnBrk="0" hangingPunct="1">
-                        <a:lnSpc>
-                          <a:spcPct val="100000"/>
-                        </a:lnSpc>
-                        <a:spcBef>
-                          <a:spcPts val="0"/>
-                        </a:spcBef>
-                        <a:spcAft>
-                          <a:spcPts val="0"/>
-                        </a:spcAft>
-                        <a:buClrTx/>
-                        <a:buSzTx/>
-                        <a:buFontTx/>
-                        <a:buNone/>
-                        <a:tabLst/>
-                        <a:defRPr/>
-                      </a:pPr>
-                      <a:r>
-                        <a:rPr kumimoji="1" lang="en-US" altLang="ja-JP" dirty="0" smtClean="0"/>
-                        <a:t>4</a:t>
-                      </a:r>
-                      <a:r>
-                        <a:rPr kumimoji="1" lang="ja-JP" altLang="en-US" dirty="0" smtClean="0"/>
-                        <a:t>日目（金）</a:t>
-                      </a:r>
-                    </a:p>
-                  </a:txBody>
-                  <a:tcPr/>
-                </a:tc>
-                <a:tc>
-                  <a:txBody>
-                    <a:bodyPr/>
-                    <a:lstStyle/>
-                    <a:p>
-                      <a:pPr marL="0" marR="0" indent="0" algn="l" defTabSz="914400" rtl="0" eaLnBrk="1" fontAlgn="auto" latinLnBrk="0" hangingPunct="1">
-                        <a:lnSpc>
-                          <a:spcPct val="100000"/>
-                        </a:lnSpc>
-                        <a:spcBef>
-                          <a:spcPts val="0"/>
-                        </a:spcBef>
-                        <a:spcAft>
-                          <a:spcPts val="0"/>
-                        </a:spcAft>
-                        <a:buClrTx/>
-                        <a:buSzTx/>
-                        <a:buFontTx/>
-                        <a:buNone/>
-                        <a:tabLst/>
-                        <a:defRPr/>
-                      </a:pPr>
-                      <a:r>
-                        <a:rPr kumimoji="1" lang="en-US" altLang="ja-JP" dirty="0" smtClean="0"/>
-                        <a:t>5</a:t>
-                      </a:r>
-                      <a:r>
-                        <a:rPr kumimoji="1" lang="ja-JP" altLang="en-US" dirty="0" smtClean="0"/>
-                        <a:t>日目（土）</a:t>
-                      </a:r>
-                    </a:p>
-                  </a:txBody>
-                  <a:tcPr/>
-                </a:tc>
-              </a:tr>
-              <a:tr h="370840">
-                <a:tc>
-                  <a:txBody>
-                    <a:bodyPr/>
-                    <a:lstStyle/>
-                    <a:p>
-                      <a:r>
-                        <a:rPr kumimoji="1" lang="ja-JP" altLang="en-US" dirty="0" smtClean="0"/>
-                        <a:t>・</a:t>
-                      </a:r>
-                      <a:r>
-                        <a:rPr kumimoji="1" lang="en-US" altLang="ja-JP" dirty="0" smtClean="0"/>
-                        <a:t>PC</a:t>
-                      </a:r>
-                      <a:r>
-                        <a:rPr kumimoji="1" lang="ja-JP" altLang="en-US" dirty="0" smtClean="0"/>
-                        <a:t>設定</a:t>
-                      </a:r>
-                      <a:endParaRPr kumimoji="1" lang="en-US" altLang="ja-JP" dirty="0" smtClean="0"/>
-                    </a:p>
-                    <a:p>
-                      <a:r>
-                        <a:rPr kumimoji="1" lang="ja-JP" altLang="en-US" dirty="0" smtClean="0"/>
-                        <a:t>・制作設計</a:t>
-                      </a:r>
-                      <a:endParaRPr kumimoji="1" lang="en-US" altLang="ja-JP" dirty="0" smtClean="0"/>
-                    </a:p>
-                    <a:p>
-                      <a:r>
-                        <a:rPr kumimoji="1" lang="ja-JP" altLang="en-US" dirty="0" smtClean="0"/>
-                        <a:t>・役割分担</a:t>
-                      </a:r>
-                      <a:endParaRPr kumimoji="1" lang="ja-JP" altLang="en-US" dirty="0"/>
-                    </a:p>
-                  </a:txBody>
-                  <a:tcPr/>
-                </a:tc>
-                <a:tc>
-                  <a:txBody>
-                    <a:bodyPr/>
-                    <a:lstStyle/>
-                    <a:p>
-                      <a:r>
-                        <a:rPr kumimoji="1" lang="ja-JP" altLang="en-US" dirty="0" smtClean="0"/>
-                        <a:t>・制作</a:t>
-                      </a:r>
-                      <a:endParaRPr kumimoji="1" lang="ja-JP" altLang="en-US" dirty="0"/>
-                    </a:p>
-                  </a:txBody>
-                  <a:tcPr/>
-                </a:tc>
-                <a:tc>
-                  <a:txBody>
-                    <a:bodyPr/>
-                    <a:lstStyle/>
-                    <a:p>
-                      <a:r>
-                        <a:rPr kumimoji="1" lang="ja-JP" altLang="en-US" dirty="0" smtClean="0"/>
-                        <a:t>制作</a:t>
-                      </a:r>
-                      <a:endParaRPr kumimoji="1" lang="ja-JP" altLang="en-US" dirty="0"/>
-                    </a:p>
-                  </a:txBody>
-                  <a:tcPr/>
-                </a:tc>
-                <a:tc>
-                  <a:txBody>
-                    <a:bodyPr/>
-                    <a:lstStyle/>
-                    <a:p>
-                      <a:r>
-                        <a:rPr kumimoji="1" lang="ja-JP" altLang="en-US" dirty="0" smtClean="0"/>
-                        <a:t>発表準備</a:t>
-                      </a:r>
-                      <a:endParaRPr kumimoji="1" lang="ja-JP" altLang="en-US" dirty="0"/>
-                    </a:p>
-                  </a:txBody>
-                  <a:tcPr/>
-                </a:tc>
-                <a:tc>
-                  <a:txBody>
-                    <a:bodyPr/>
-                    <a:lstStyle/>
-                    <a:p>
-                      <a:r>
-                        <a:rPr kumimoji="1" lang="ja-JP" altLang="en-US" dirty="0" smtClean="0"/>
-                        <a:t>発表</a:t>
-                      </a:r>
-                      <a:endParaRPr kumimoji="1" lang="ja-JP" altLang="en-US" dirty="0"/>
-                    </a:p>
-                  </a:txBody>
-                  <a:tcPr/>
-                </a:tc>
-              </a:tr>
-            </a:tbl>
-          </a:graphicData>
-        </a:graphic>
-      </p:graphicFrame>
-      <p:sp>
-        <p:nvSpPr>
-          <p:cNvPr id="14" name="テキスト ボックス 13"/>
-          <p:cNvSpPr txBox="1"/>
-          <p:nvPr/>
-        </p:nvSpPr>
-        <p:spPr>
-          <a:xfrm>
-            <a:off x="254412" y="3374570"/>
-            <a:ext cx="1481496" cy="369332"/>
+            <a:off x="113211" y="69669"/>
+            <a:ext cx="1681871" cy="369332"/>
           </a:xfrm>
           <a:prstGeom prst="rect">
             <a:avLst/>
@@ -3797,406 +3598,281 @@
           <a:lstStyle/>
           <a:p>
             <a:r>
+              <a:rPr kumimoji="1" lang="ja-JP" altLang="en-US" dirty="0" smtClean="0"/>
+              <a:t>データベース案</a:t>
+            </a:r>
+            <a:endParaRPr kumimoji="1" lang="ja-JP" altLang="en-US" dirty="0"/>
+          </a:p>
+        </p:txBody>
+      </p:sp>
+      <p:sp>
+        <p:nvSpPr>
+          <p:cNvPr id="5" name="テキスト ボックス 4"/>
+          <p:cNvSpPr txBox="1"/>
+          <p:nvPr/>
+        </p:nvSpPr>
+        <p:spPr>
+          <a:xfrm>
+            <a:off x="317863" y="505096"/>
+            <a:ext cx="1547218" cy="2031325"/>
+          </a:xfrm>
+          <a:prstGeom prst="rect">
+            <a:avLst/>
+          </a:prstGeom>
+          <a:noFill/>
+        </p:spPr>
+        <p:txBody>
+          <a:bodyPr wrap="none" rtlCol="0">
+            <a:spAutoFit/>
+          </a:bodyPr>
+          <a:lstStyle/>
+          <a:p>
+            <a:r>
+              <a:rPr kumimoji="1" lang="ja-JP" altLang="en-US" dirty="0" smtClean="0"/>
+              <a:t>■必要な情報</a:t>
+            </a:r>
+            <a:endParaRPr kumimoji="1" lang="en-US" altLang="ja-JP" dirty="0" smtClean="0"/>
+          </a:p>
+          <a:p>
+            <a:r>
+              <a:rPr kumimoji="1" lang="ja-JP" altLang="en-US" dirty="0" smtClean="0"/>
+              <a:t>レベル</a:t>
+            </a:r>
+            <a:endParaRPr kumimoji="1" lang="en-US" altLang="ja-JP" dirty="0" smtClean="0"/>
+          </a:p>
+          <a:p>
+            <a:r>
+              <a:rPr lang="en-US" altLang="ja-JP" dirty="0" smtClean="0"/>
+              <a:t>HP</a:t>
+            </a:r>
+          </a:p>
+          <a:p>
+            <a:r>
+              <a:rPr kumimoji="1" lang="ja-JP" altLang="en-US" dirty="0" smtClean="0"/>
+              <a:t>攻撃力</a:t>
+            </a:r>
+            <a:endParaRPr kumimoji="1" lang="en-US" altLang="ja-JP" dirty="0" smtClean="0"/>
+          </a:p>
+          <a:p>
+            <a:r>
               <a:rPr lang="ja-JP" altLang="en-US" dirty="0" smtClean="0"/>
-              <a:t>担当内容メモ</a:t>
+              <a:t>属性</a:t>
+            </a:r>
+            <a:endParaRPr lang="en-US" altLang="ja-JP" dirty="0" smtClean="0"/>
+          </a:p>
+          <a:p>
+            <a:r>
+              <a:rPr kumimoji="1" lang="ja-JP" altLang="en-US" dirty="0" smtClean="0"/>
+              <a:t>種族</a:t>
             </a:r>
             <a:endParaRPr kumimoji="1" lang="en-US" altLang="ja-JP" dirty="0" smtClean="0"/>
           </a:p>
-        </p:txBody>
-      </p:sp>
-      <p:graphicFrame>
-        <p:nvGraphicFramePr>
-          <p:cNvPr id="3" name="表 2"/>
-          <p:cNvGraphicFramePr>
-            <a:graphicFrameLocks noGrp="1"/>
-          </p:cNvGraphicFramePr>
-          <p:nvPr>
-            <p:extLst>
-              <p:ext uri="{D42A27DB-BD31-4B8C-83A1-F6EECF244321}">
-                <p14:modId xmlns:p14="http://schemas.microsoft.com/office/powerpoint/2010/main" val="3566679190"/>
-              </p:ext>
-            </p:extLst>
-          </p:nvPr>
-        </p:nvGraphicFramePr>
-        <p:xfrm>
-          <a:off x="1735908" y="3931151"/>
-          <a:ext cx="8128000" cy="2108200"/>
-        </p:xfrm>
-        <a:graphic>
-          <a:graphicData uri="http://schemas.openxmlformats.org/drawingml/2006/table">
-            <a:tbl>
-              <a:tblPr firstRow="1" bandRow="1">
-                <a:tableStyleId>{5C22544A-7EE6-4342-B048-85BDC9FD1C3A}</a:tableStyleId>
-              </a:tblPr>
-              <a:tblGrid>
-                <a:gridCol w="2032000"/>
-                <a:gridCol w="2032000"/>
-                <a:gridCol w="2032000"/>
-                <a:gridCol w="2032000"/>
-              </a:tblGrid>
-              <a:tr h="370840">
-                <a:tc>
-                  <a:txBody>
-                    <a:bodyPr/>
-                    <a:lstStyle/>
-                    <a:p>
-                      <a:r>
-                        <a:rPr kumimoji="1" lang="ja-JP" altLang="en-US" dirty="0" smtClean="0"/>
-                        <a:t>斎藤</a:t>
-                      </a:r>
-                      <a:endParaRPr kumimoji="1" lang="ja-JP" altLang="en-US" dirty="0"/>
-                    </a:p>
-                  </a:txBody>
-                  <a:tcPr>
-                    <a:solidFill>
-                      <a:schemeClr val="accent3"/>
-                    </a:solidFill>
-                  </a:tcPr>
-                </a:tc>
-                <a:tc>
-                  <a:txBody>
-                    <a:bodyPr/>
-                    <a:lstStyle/>
-                    <a:p>
-                      <a:r>
-                        <a:rPr kumimoji="1" lang="ja-JP" altLang="en-US" dirty="0" smtClean="0"/>
-                        <a:t>岩崎</a:t>
-                      </a:r>
-                      <a:endParaRPr kumimoji="1" lang="ja-JP" altLang="en-US" dirty="0"/>
-                    </a:p>
-                  </a:txBody>
-                  <a:tcPr>
-                    <a:solidFill>
-                      <a:schemeClr val="accent3"/>
-                    </a:solidFill>
-                  </a:tcPr>
-                </a:tc>
-                <a:tc>
-                  <a:txBody>
-                    <a:bodyPr/>
-                    <a:lstStyle/>
-                    <a:p>
-                      <a:r>
-                        <a:rPr kumimoji="1" lang="ja-JP" altLang="en-US" dirty="0" smtClean="0"/>
-                        <a:t>水野</a:t>
-                      </a:r>
-                      <a:endParaRPr kumimoji="1" lang="ja-JP" altLang="en-US" dirty="0"/>
-                    </a:p>
-                  </a:txBody>
-                  <a:tcPr>
-                    <a:solidFill>
-                      <a:schemeClr val="accent3"/>
-                    </a:solidFill>
-                  </a:tcPr>
-                </a:tc>
-                <a:tc>
-                  <a:txBody>
-                    <a:bodyPr/>
-                    <a:lstStyle/>
-                    <a:p>
-                      <a:r>
-                        <a:rPr kumimoji="1" lang="ja-JP" altLang="en-US" dirty="0" smtClean="0"/>
-                        <a:t>高野</a:t>
-                      </a:r>
-                      <a:endParaRPr kumimoji="1" lang="ja-JP" altLang="en-US" dirty="0"/>
-                    </a:p>
-                  </a:txBody>
-                  <a:tcPr>
-                    <a:solidFill>
-                      <a:schemeClr val="accent3"/>
-                    </a:solidFill>
-                  </a:tcPr>
-                </a:tc>
-              </a:tr>
-              <a:tr h="370840">
-                <a:tc>
-                  <a:txBody>
-                    <a:bodyPr/>
-                    <a:lstStyle/>
-                    <a:p>
-                      <a:pPr marL="0" marR="0" indent="0" algn="l" defTabSz="914400" rtl="0" eaLnBrk="1" fontAlgn="auto" latinLnBrk="0" hangingPunct="1">
-                        <a:lnSpc>
-                          <a:spcPct val="100000"/>
-                        </a:lnSpc>
-                        <a:spcBef>
-                          <a:spcPts val="0"/>
-                        </a:spcBef>
-                        <a:spcAft>
-                          <a:spcPts val="0"/>
-                        </a:spcAft>
-                        <a:buClrTx/>
-                        <a:buSzTx/>
-                        <a:buFontTx/>
-                        <a:buNone/>
-                        <a:tabLst/>
-                        <a:defRPr/>
-                      </a:pPr>
-                      <a:r>
-                        <a:rPr lang="ja-JP" altLang="en-US" dirty="0" smtClean="0"/>
-                        <a:t>・</a:t>
-                      </a:r>
-                      <a:r>
-                        <a:rPr kumimoji="1" lang="en-US" altLang="ja-JP" dirty="0" smtClean="0"/>
-                        <a:t>DB</a:t>
-                      </a:r>
-                      <a:r>
-                        <a:rPr kumimoji="1" lang="ja-JP" altLang="en-US" dirty="0" smtClean="0"/>
-                        <a:t>作成</a:t>
-                      </a:r>
-                      <a:endParaRPr kumimoji="1" lang="en-US" altLang="ja-JP" dirty="0" smtClean="0"/>
-                    </a:p>
-                    <a:p>
-                      <a:pPr marL="0" marR="0" indent="0" algn="l" defTabSz="914400" rtl="0" eaLnBrk="1" fontAlgn="auto" latinLnBrk="0" hangingPunct="1">
-                        <a:lnSpc>
-                          <a:spcPct val="100000"/>
-                        </a:lnSpc>
-                        <a:spcBef>
-                          <a:spcPts val="0"/>
-                        </a:spcBef>
-                        <a:spcAft>
-                          <a:spcPts val="0"/>
-                        </a:spcAft>
-                        <a:buClrTx/>
-                        <a:buSzTx/>
-                        <a:buFontTx/>
-                        <a:buNone/>
-                        <a:tabLst/>
-                        <a:defRPr/>
-                      </a:pPr>
-                      <a:r>
-                        <a:rPr kumimoji="1" lang="ja-JP" altLang="en-US" dirty="0" smtClean="0"/>
-                        <a:t>・</a:t>
-                      </a:r>
-                      <a:r>
-                        <a:rPr kumimoji="1" lang="en-US" altLang="ja-JP" dirty="0" smtClean="0"/>
-                        <a:t>DB</a:t>
-                      </a:r>
-                      <a:r>
-                        <a:rPr kumimoji="1" lang="ja-JP" altLang="en-US" dirty="0" smtClean="0"/>
-                        <a:t>初期データ入力（属性別</a:t>
-                      </a:r>
-                      <a:r>
-                        <a:rPr kumimoji="1" lang="en-US" altLang="ja-JP" dirty="0" smtClean="0"/>
-                        <a:t>x2/</a:t>
-                      </a:r>
-                      <a:r>
-                        <a:rPr kumimoji="1" lang="ja-JP" altLang="en-US" dirty="0" smtClean="0"/>
-                        <a:t>タイプ別</a:t>
-                      </a:r>
-                      <a:r>
-                        <a:rPr kumimoji="1" lang="en-US" altLang="ja-JP" dirty="0" smtClean="0"/>
-                        <a:t>x2</a:t>
-                      </a:r>
-                      <a:r>
-                        <a:rPr kumimoji="1" lang="ja-JP" altLang="en-US" dirty="0" smtClean="0"/>
-                        <a:t>）</a:t>
-                      </a:r>
-                      <a:endParaRPr kumimoji="1" lang="en-US" altLang="ja-JP" dirty="0" smtClean="0"/>
-                    </a:p>
-                    <a:p>
-                      <a:endParaRPr kumimoji="1" lang="ja-JP" altLang="en-US" dirty="0"/>
-                    </a:p>
-                  </a:txBody>
-                  <a:tcPr>
-                    <a:solidFill>
-                      <a:schemeClr val="bg2"/>
-                    </a:solidFill>
-                  </a:tcPr>
-                </a:tc>
-                <a:tc>
-                  <a:txBody>
-                    <a:bodyPr/>
-                    <a:lstStyle/>
-                    <a:p>
-                      <a:pPr marL="0" marR="0" indent="0" algn="l" defTabSz="914400" rtl="0" eaLnBrk="1" fontAlgn="auto" latinLnBrk="0" hangingPunct="1">
-                        <a:lnSpc>
-                          <a:spcPct val="100000"/>
-                        </a:lnSpc>
-                        <a:spcBef>
-                          <a:spcPts val="0"/>
-                        </a:spcBef>
-                        <a:spcAft>
-                          <a:spcPts val="0"/>
-                        </a:spcAft>
-                        <a:buClrTx/>
-                        <a:buSzTx/>
-                        <a:buFontTx/>
-                        <a:buNone/>
-                        <a:tabLst/>
-                        <a:defRPr/>
-                      </a:pPr>
-                      <a:r>
-                        <a:rPr lang="ja-JP" altLang="en-US" dirty="0" smtClean="0"/>
-                        <a:t>・塩ふり</a:t>
-                      </a:r>
-                      <a:r>
-                        <a:rPr lang="en-US" altLang="ja-JP" dirty="0" smtClean="0"/>
-                        <a:t>/</a:t>
-                      </a:r>
-                      <a:r>
-                        <a:rPr lang="en-US" altLang="ja-JP" dirty="0" err="1" smtClean="0"/>
-                        <a:t>gitHub</a:t>
-                      </a:r>
-                      <a:r>
-                        <a:rPr lang="ja-JP" altLang="en-US" dirty="0" smtClean="0"/>
-                        <a:t>準備</a:t>
-                      </a:r>
-                      <a:endParaRPr lang="en-US" altLang="ja-JP" dirty="0" smtClean="0"/>
-                    </a:p>
-                    <a:p>
-                      <a:r>
-                        <a:rPr kumimoji="1" lang="ja-JP" altLang="en-US" dirty="0" smtClean="0"/>
-                        <a:t>・画像登録ロジックを組み込んだ</a:t>
-                      </a:r>
-                      <a:r>
-                        <a:rPr kumimoji="1" lang="en-US" altLang="ja-JP" dirty="0" smtClean="0"/>
-                        <a:t>Input</a:t>
-                      </a:r>
-                      <a:r>
-                        <a:rPr kumimoji="1" lang="ja-JP" altLang="en-US" dirty="0" smtClean="0"/>
-                        <a:t>メニュー</a:t>
-                      </a:r>
-                      <a:endParaRPr kumimoji="1" lang="ja-JP" altLang="en-US" dirty="0"/>
-                    </a:p>
-                  </a:txBody>
-                  <a:tcPr>
-                    <a:solidFill>
-                      <a:schemeClr val="bg2"/>
-                    </a:solidFill>
-                  </a:tcPr>
-                </a:tc>
-                <a:tc>
-                  <a:txBody>
-                    <a:bodyPr/>
-                    <a:lstStyle/>
-                    <a:p>
-                      <a:pPr marL="0" marR="0" indent="0" algn="l" defTabSz="914400" rtl="0" eaLnBrk="1" fontAlgn="auto" latinLnBrk="0" hangingPunct="1">
-                        <a:lnSpc>
-                          <a:spcPct val="100000"/>
-                        </a:lnSpc>
-                        <a:spcBef>
-                          <a:spcPts val="0"/>
-                        </a:spcBef>
-                        <a:spcAft>
-                          <a:spcPts val="0"/>
-                        </a:spcAft>
-                        <a:buClrTx/>
-                        <a:buSzTx/>
-                        <a:buFontTx/>
-                        <a:buNone/>
-                        <a:tabLst/>
-                        <a:defRPr/>
-                      </a:pPr>
-                      <a:r>
-                        <a:rPr lang="ja-JP" altLang="en-US" dirty="0" smtClean="0"/>
-                        <a:t>・</a:t>
-                      </a:r>
-                      <a:r>
-                        <a:rPr lang="en-US" altLang="ja-JP" dirty="0" smtClean="0"/>
-                        <a:t>Bake</a:t>
-                      </a:r>
-                    </a:p>
-                    <a:p>
-                      <a:r>
-                        <a:rPr kumimoji="1" lang="ja-JP" altLang="en-US" dirty="0" smtClean="0"/>
-                        <a:t>・個別モンスターページレイアウト作成</a:t>
-                      </a:r>
-                      <a:endParaRPr kumimoji="1" lang="ja-JP" altLang="en-US" dirty="0"/>
-                    </a:p>
-                  </a:txBody>
-                  <a:tcPr>
-                    <a:solidFill>
-                      <a:schemeClr val="bg2"/>
-                    </a:solidFill>
-                  </a:tcPr>
-                </a:tc>
-                <a:tc>
-                  <a:txBody>
-                    <a:bodyPr/>
-                    <a:lstStyle/>
-                    <a:p>
-                      <a:pPr marL="0" marR="0" indent="0" algn="l" defTabSz="914400" rtl="0" eaLnBrk="1" fontAlgn="auto" latinLnBrk="0" hangingPunct="1">
-                        <a:lnSpc>
-                          <a:spcPct val="100000"/>
-                        </a:lnSpc>
-                        <a:spcBef>
-                          <a:spcPts val="0"/>
-                        </a:spcBef>
-                        <a:spcAft>
-                          <a:spcPts val="0"/>
-                        </a:spcAft>
-                        <a:buClrTx/>
-                        <a:buSzTx/>
-                        <a:buFontTx/>
-                        <a:buNone/>
-                        <a:tabLst/>
-                        <a:defRPr/>
-                      </a:pPr>
-                      <a:r>
-                        <a:rPr lang="ja-JP" altLang="en-US" dirty="0" smtClean="0"/>
-                        <a:t>・</a:t>
-                      </a:r>
-                      <a:r>
-                        <a:rPr lang="en-US" altLang="ja-JP" dirty="0" smtClean="0"/>
-                        <a:t>TOP</a:t>
-                      </a:r>
-                      <a:r>
-                        <a:rPr lang="ja-JP" altLang="en-US" dirty="0" smtClean="0"/>
-                        <a:t>ページ叩き台</a:t>
-                      </a:r>
-                      <a:r>
-                        <a:rPr lang="ja-JP" altLang="en-US" dirty="0" smtClean="0"/>
-                        <a:t>作成</a:t>
-                      </a:r>
-                      <a:endParaRPr lang="en-US" altLang="ja-JP" dirty="0" smtClean="0"/>
-                    </a:p>
-                    <a:p>
-                      <a:pPr marL="0" marR="0" indent="0" algn="l" defTabSz="914400" rtl="0" eaLnBrk="1" fontAlgn="auto" latinLnBrk="0" hangingPunct="1">
-                        <a:lnSpc>
-                          <a:spcPct val="100000"/>
-                        </a:lnSpc>
-                        <a:spcBef>
-                          <a:spcPts val="0"/>
-                        </a:spcBef>
-                        <a:spcAft>
-                          <a:spcPts val="0"/>
-                        </a:spcAft>
-                        <a:buClrTx/>
-                        <a:buSzTx/>
-                        <a:buFontTx/>
-                        <a:buNone/>
-                        <a:tabLst/>
-                        <a:defRPr/>
-                      </a:pPr>
-                      <a:r>
-                        <a:rPr lang="ja-JP" altLang="en-US" dirty="0" smtClean="0"/>
-                        <a:t>・レイアウトテンプレ作成、各種ページコネクト部分</a:t>
-                      </a:r>
-                      <a:r>
-                        <a:rPr lang="en-US" altLang="ja-JP" dirty="0" err="1" smtClean="0"/>
-                        <a:t>etc</a:t>
-                      </a:r>
-                      <a:endParaRPr lang="en-US" altLang="ja-JP" dirty="0" smtClean="0"/>
-                    </a:p>
-                    <a:p>
-                      <a:endParaRPr kumimoji="1" lang="ja-JP" altLang="en-US" dirty="0"/>
-                    </a:p>
-                  </a:txBody>
-                  <a:tcPr>
-                    <a:solidFill>
-                      <a:schemeClr val="bg2"/>
-                    </a:solidFill>
-                  </a:tcPr>
-                </a:tc>
-              </a:tr>
-            </a:tbl>
-          </a:graphicData>
-        </a:graphic>
-      </p:graphicFrame>
+          <a:p>
+            <a:r>
+              <a:rPr lang="ja-JP" altLang="en-US" dirty="0"/>
+              <a:t>画像</a:t>
+            </a:r>
+            <a:endParaRPr kumimoji="1" lang="ja-JP" altLang="en-US" dirty="0"/>
+          </a:p>
+        </p:txBody>
+      </p:sp>
+      <p:sp>
+        <p:nvSpPr>
+          <p:cNvPr id="6" name="テキスト ボックス 5"/>
+          <p:cNvSpPr txBox="1"/>
+          <p:nvPr/>
+        </p:nvSpPr>
+        <p:spPr>
+          <a:xfrm>
+            <a:off x="6191794" y="1894113"/>
+            <a:ext cx="2974660" cy="923330"/>
+          </a:xfrm>
+          <a:prstGeom prst="rect">
+            <a:avLst/>
+          </a:prstGeom>
+          <a:noFill/>
+          <a:ln>
+            <a:solidFill>
+              <a:schemeClr val="tx1"/>
+            </a:solidFill>
+          </a:ln>
+        </p:spPr>
+        <p:txBody>
+          <a:bodyPr wrap="none" rtlCol="0">
+            <a:spAutoFit/>
+          </a:bodyPr>
+          <a:lstStyle/>
+          <a:p>
+            <a:r>
+              <a:rPr kumimoji="1" lang="ja-JP" altLang="en-US" dirty="0" smtClean="0"/>
+              <a:t>＜属性＞</a:t>
+            </a:r>
+            <a:endParaRPr kumimoji="1" lang="en-US" altLang="ja-JP" dirty="0" smtClean="0"/>
+          </a:p>
+          <a:p>
+            <a:r>
+              <a:rPr lang="en-US" altLang="ja-JP" dirty="0" smtClean="0"/>
+              <a:t>Id</a:t>
+            </a:r>
+          </a:p>
+          <a:p>
+            <a:r>
+              <a:rPr kumimoji="1" lang="en-US" altLang="ja-JP" dirty="0" smtClean="0"/>
+              <a:t>Type</a:t>
+            </a:r>
+            <a:r>
+              <a:rPr kumimoji="1" lang="ja-JP" altLang="en-US" dirty="0" smtClean="0"/>
+              <a:t>・・・（火、水、木、光、闇）</a:t>
+            </a:r>
+            <a:endParaRPr kumimoji="1" lang="en-US" altLang="ja-JP" dirty="0" smtClean="0"/>
+          </a:p>
+        </p:txBody>
+      </p:sp>
+      <p:sp>
+        <p:nvSpPr>
+          <p:cNvPr id="7" name="テキスト ボックス 6"/>
+          <p:cNvSpPr txBox="1"/>
+          <p:nvPr/>
+        </p:nvSpPr>
+        <p:spPr>
+          <a:xfrm>
+            <a:off x="6191794" y="3243942"/>
+            <a:ext cx="4505529" cy="923330"/>
+          </a:xfrm>
+          <a:prstGeom prst="rect">
+            <a:avLst/>
+          </a:prstGeom>
+          <a:noFill/>
+          <a:ln>
+            <a:solidFill>
+              <a:schemeClr val="tx1"/>
+            </a:solidFill>
+          </a:ln>
+        </p:spPr>
+        <p:txBody>
+          <a:bodyPr wrap="none" rtlCol="0">
+            <a:spAutoFit/>
+          </a:bodyPr>
+          <a:lstStyle/>
+          <a:p>
+            <a:r>
+              <a:rPr kumimoji="1" lang="ja-JP" altLang="en-US" dirty="0" smtClean="0"/>
+              <a:t>＜種族＞</a:t>
+            </a:r>
+            <a:endParaRPr kumimoji="1" lang="en-US" altLang="ja-JP" dirty="0" smtClean="0"/>
+          </a:p>
+          <a:p>
+            <a:r>
+              <a:rPr lang="en-US" altLang="ja-JP" dirty="0" smtClean="0"/>
+              <a:t>Id</a:t>
+            </a:r>
+          </a:p>
+          <a:p>
+            <a:r>
+              <a:rPr kumimoji="1" lang="en-US" altLang="ja-JP" dirty="0" smtClean="0"/>
+              <a:t>Type</a:t>
+            </a:r>
+            <a:r>
+              <a:rPr kumimoji="1" lang="ja-JP" altLang="en-US" dirty="0" smtClean="0"/>
+              <a:t>・・・（神、ドラゴン、バランス、攻撃、</a:t>
+            </a:r>
+            <a:r>
+              <a:rPr kumimoji="1" lang="en-US" altLang="ja-JP" dirty="0" err="1" smtClean="0"/>
+              <a:t>etc</a:t>
+            </a:r>
+            <a:r>
+              <a:rPr kumimoji="1" lang="ja-JP" altLang="en-US" dirty="0" smtClean="0"/>
+              <a:t>）</a:t>
+            </a:r>
+            <a:endParaRPr kumimoji="1" lang="en-US" altLang="ja-JP" dirty="0" smtClean="0"/>
+          </a:p>
+        </p:txBody>
+      </p:sp>
+      <p:sp>
+        <p:nvSpPr>
+          <p:cNvPr id="8" name="テキスト ボックス 7"/>
+          <p:cNvSpPr txBox="1"/>
+          <p:nvPr/>
+        </p:nvSpPr>
+        <p:spPr>
+          <a:xfrm>
+            <a:off x="3230879" y="1894113"/>
+            <a:ext cx="1822935" cy="2031325"/>
+          </a:xfrm>
+          <a:prstGeom prst="rect">
+            <a:avLst/>
+          </a:prstGeom>
+          <a:noFill/>
+          <a:ln>
+            <a:solidFill>
+              <a:schemeClr val="tx1"/>
+            </a:solidFill>
+          </a:ln>
+        </p:spPr>
+        <p:txBody>
+          <a:bodyPr wrap="none" rtlCol="0">
+            <a:spAutoFit/>
+          </a:bodyPr>
+          <a:lstStyle/>
+          <a:p>
+            <a:r>
+              <a:rPr kumimoji="1" lang="ja-JP" altLang="en-US" dirty="0" smtClean="0"/>
+              <a:t>＜キャラクター＞</a:t>
+            </a:r>
+            <a:endParaRPr kumimoji="1" lang="en-US" altLang="ja-JP" dirty="0" smtClean="0"/>
+          </a:p>
+          <a:p>
+            <a:r>
+              <a:rPr lang="en-US" altLang="ja-JP" dirty="0" smtClean="0"/>
+              <a:t>Id</a:t>
+            </a:r>
+          </a:p>
+          <a:p>
+            <a:r>
+              <a:rPr kumimoji="1" lang="en-US" altLang="ja-JP" dirty="0" smtClean="0"/>
+              <a:t>HP</a:t>
+            </a:r>
+          </a:p>
+          <a:p>
+            <a:r>
+              <a:rPr lang="ja-JP" altLang="en-US" dirty="0" smtClean="0"/>
+              <a:t>攻撃力</a:t>
+            </a:r>
+            <a:endParaRPr lang="en-US" altLang="ja-JP" dirty="0" smtClean="0"/>
+          </a:p>
+          <a:p>
+            <a:r>
+              <a:rPr lang="ja-JP" altLang="en-US" dirty="0" smtClean="0"/>
+              <a:t>種族</a:t>
+            </a:r>
+            <a:r>
+              <a:rPr lang="en-US" altLang="ja-JP" dirty="0" smtClean="0"/>
+              <a:t>id</a:t>
+            </a:r>
+          </a:p>
+          <a:p>
+            <a:r>
+              <a:rPr lang="ja-JP" altLang="en-US" dirty="0" smtClean="0"/>
+              <a:t>属性</a:t>
+            </a:r>
+            <a:r>
+              <a:rPr lang="en-US" altLang="ja-JP" dirty="0" smtClean="0"/>
+              <a:t>id</a:t>
+            </a:r>
+          </a:p>
+          <a:p>
+            <a:r>
+              <a:rPr kumimoji="1" lang="ja-JP" altLang="en-US" dirty="0"/>
+              <a:t>画像</a:t>
+            </a:r>
+            <a:endParaRPr kumimoji="1" lang="en-US" altLang="ja-JP" dirty="0" smtClean="0"/>
+          </a:p>
+        </p:txBody>
+      </p:sp>
     </p:spTree>
     <p:extLst>
       <p:ext uri="{BB962C8B-B14F-4D97-AF65-F5344CB8AC3E}">
-        <p14:creationId xmlns:p14="http://schemas.microsoft.com/office/powerpoint/2010/main" val="3255642395"/>
+        <p14:creationId xmlns:p14="http://schemas.microsoft.com/office/powerpoint/2010/main" val="2135604538"/>
       </p:ext>
     </p:extLst>
   </p:cSld>
@@ -4225,46 +3901,14 @@
       </p:grpSpPr>
       <p:sp>
         <p:nvSpPr>
-          <p:cNvPr id="7" name="テキスト ボックス 6"/>
-          <p:cNvSpPr txBox="1"/>
-          <p:nvPr/>
-        </p:nvSpPr>
-        <p:spPr>
-          <a:xfrm>
-            <a:off x="0" y="0"/>
-            <a:ext cx="12192000" cy="369332"/>
-          </a:xfrm>
-          <a:prstGeom prst="rect">
-            <a:avLst/>
-          </a:prstGeom>
-          <a:solidFill>
-            <a:schemeClr val="accent6"/>
-          </a:solidFill>
-        </p:spPr>
-        <p:txBody>
-          <a:bodyPr wrap="square" rtlCol="0">
-            <a:spAutoFit/>
-          </a:bodyPr>
-          <a:lstStyle/>
-          <a:p>
-            <a:r>
-              <a:rPr kumimoji="1" lang="ja-JP" altLang="en-US" dirty="0" smtClean="0"/>
-              <a:t>作業履歴</a:t>
-            </a:r>
-            <a:endParaRPr kumimoji="1" lang="en-US" altLang="ja-JP" dirty="0" smtClean="0"/>
-          </a:p>
-        </p:txBody>
-      </p:sp>
-      <p:sp>
-        <p:nvSpPr>
           <p:cNvPr id="4" name="テキスト ボックス 3"/>
           <p:cNvSpPr txBox="1"/>
           <p:nvPr/>
         </p:nvSpPr>
         <p:spPr>
           <a:xfrm>
-            <a:off x="164989" y="539930"/>
-            <a:ext cx="3249479" cy="1477328"/>
+            <a:off x="113211" y="69669"/>
+            <a:ext cx="647934" cy="369332"/>
           </a:xfrm>
           <a:prstGeom prst="rect">
             <a:avLst/>
@@ -4278,304 +3922,14 @@
           <a:lstStyle/>
           <a:p>
             <a:r>
-              <a:rPr lang="en-US" altLang="ja-JP" dirty="0" smtClean="0"/>
-              <a:t>1/19</a:t>
-            </a:r>
-            <a:r>
-              <a:rPr lang="ja-JP" altLang="en-US" dirty="0" smtClean="0"/>
-              <a:t>（火）</a:t>
-            </a:r>
-            <a:endParaRPr kumimoji="1" lang="en-US" altLang="ja-JP" dirty="0" smtClean="0"/>
-          </a:p>
-          <a:p>
+              <a:rPr kumimoji="1" lang="en-US" altLang="ja-JP" dirty="0" smtClean="0"/>
+              <a:t>ER</a:t>
+            </a:r>
             <a:r>
               <a:rPr kumimoji="1" lang="ja-JP" altLang="en-US" dirty="0" smtClean="0"/>
-              <a:t>斎藤</a:t>
-            </a:r>
-            <a:r>
-              <a:rPr kumimoji="1" lang="en-US" altLang="ja-JP" dirty="0" smtClean="0"/>
-              <a:t>	DB</a:t>
-            </a:r>
-            <a:r>
-              <a:rPr kumimoji="1" lang="ja-JP" altLang="en-US" dirty="0" smtClean="0"/>
-              <a:t>作成</a:t>
-            </a:r>
-            <a:endParaRPr kumimoji="1" lang="en-US" altLang="ja-JP" dirty="0" smtClean="0"/>
-          </a:p>
-          <a:p>
-            <a:r>
-              <a:rPr lang="ja-JP" altLang="en-US" dirty="0" smtClean="0"/>
-              <a:t>岩崎</a:t>
-            </a:r>
-            <a:r>
-              <a:rPr lang="en-US" altLang="ja-JP" dirty="0" smtClean="0"/>
-              <a:t>	</a:t>
-            </a:r>
-            <a:r>
-              <a:rPr lang="ja-JP" altLang="en-US" dirty="0" smtClean="0"/>
-              <a:t>塩ふり</a:t>
-            </a:r>
-            <a:r>
-              <a:rPr lang="en-US" altLang="ja-JP" dirty="0" smtClean="0"/>
-              <a:t>/</a:t>
-            </a:r>
-            <a:r>
-              <a:rPr lang="en-US" altLang="ja-JP" dirty="0" err="1" smtClean="0"/>
-              <a:t>gitHub</a:t>
-            </a:r>
-            <a:r>
-              <a:rPr lang="ja-JP" altLang="en-US" dirty="0" smtClean="0"/>
-              <a:t>準備</a:t>
-            </a:r>
-            <a:endParaRPr lang="en-US" altLang="ja-JP" dirty="0" smtClean="0"/>
-          </a:p>
-          <a:p>
-            <a:r>
-              <a:rPr lang="ja-JP" altLang="en-US" dirty="0" smtClean="0"/>
-              <a:t>水野</a:t>
-            </a:r>
-            <a:r>
-              <a:rPr lang="en-US" altLang="ja-JP" dirty="0" smtClean="0"/>
-              <a:t>	Bake</a:t>
-            </a:r>
-          </a:p>
-          <a:p>
-            <a:r>
-              <a:rPr lang="ja-JP" altLang="en-US" dirty="0" smtClean="0"/>
-              <a:t>高野　　　</a:t>
-            </a:r>
-            <a:r>
-              <a:rPr lang="en-US" altLang="ja-JP" dirty="0" smtClean="0"/>
-              <a:t>TOP</a:t>
-            </a:r>
-            <a:r>
-              <a:rPr lang="ja-JP" altLang="en-US" dirty="0" smtClean="0"/>
-              <a:t>ページ叩き台作成</a:t>
-            </a:r>
-            <a:endParaRPr lang="en-US" altLang="ja-JP" dirty="0"/>
-          </a:p>
-        </p:txBody>
-      </p:sp>
-    </p:spTree>
-    <p:extLst>
-      <p:ext uri="{BB962C8B-B14F-4D97-AF65-F5344CB8AC3E}">
-        <p14:creationId xmlns:p14="http://schemas.microsoft.com/office/powerpoint/2010/main" val="54488676"/>
-      </p:ext>
-    </p:extLst>
-  </p:cSld>
-  <p:clrMapOvr>
-    <a:masterClrMapping/>
-  </p:clrMapOvr>
-</p:sld>
-</file>
-
-<file path=ppt/slides/slide4.xml><?xml version="1.0" encoding="utf-8"?>
-<p:sld xmlns:a="http://schemas.openxmlformats.org/drawingml/2006/main" xmlns:r="http://schemas.openxmlformats.org/officeDocument/2006/relationships" xmlns:p="http://schemas.openxmlformats.org/presentationml/2006/main">
-  <p:cSld>
-    <p:spTree>
-      <p:nvGrpSpPr>
-        <p:cNvPr id="1" name=""/>
-        <p:cNvGrpSpPr/>
-        <p:nvPr/>
-      </p:nvGrpSpPr>
-      <p:grpSpPr>
-        <a:xfrm>
-          <a:off x="0" y="0"/>
-          <a:ext cx="0" cy="0"/>
-          <a:chOff x="0" y="0"/>
-          <a:chExt cx="0" cy="0"/>
-        </a:xfrm>
-      </p:grpSpPr>
-      <p:sp>
-        <p:nvSpPr>
-          <p:cNvPr id="3" name="円形吹き出し 2"/>
-          <p:cNvSpPr/>
-          <p:nvPr/>
-        </p:nvSpPr>
-        <p:spPr>
-          <a:xfrm>
-            <a:off x="3129099" y="692331"/>
-            <a:ext cx="5347062" cy="1944580"/>
-          </a:xfrm>
-          <a:prstGeom prst="wedgeEllipseCallout">
-            <a:avLst>
-              <a:gd name="adj1" fmla="val 62356"/>
-              <a:gd name="adj2" fmla="val 56622"/>
-            </a:avLst>
-          </a:prstGeom>
-          <a:noFill/>
-          <a:ln w="38100">
-            <a:solidFill>
-              <a:schemeClr val="accent1"/>
-            </a:solidFill>
-          </a:ln>
-        </p:spPr>
-        <p:style>
-          <a:lnRef idx="2">
-            <a:schemeClr val="accent1">
-              <a:shade val="50000"/>
-            </a:schemeClr>
-          </a:lnRef>
-          <a:fillRef idx="1">
-            <a:schemeClr val="accent1"/>
-          </a:fillRef>
-          <a:effectRef idx="0">
-            <a:schemeClr val="accent1"/>
-          </a:effectRef>
-          <a:fontRef idx="minor">
-            <a:schemeClr val="lt1"/>
-          </a:fontRef>
-        </p:style>
-        <p:txBody>
-          <a:bodyPr rtlCol="0" anchor="ctr"/>
-          <a:lstStyle/>
-          <a:p>
-            <a:pPr algn="ctr"/>
-            <a:endParaRPr kumimoji="1" lang="ja-JP" altLang="en-US"/>
-          </a:p>
-        </p:txBody>
-      </p:sp>
-      <p:sp>
-        <p:nvSpPr>
-          <p:cNvPr id="9" name="テキスト ボックス 8"/>
-          <p:cNvSpPr txBox="1"/>
-          <p:nvPr/>
-        </p:nvSpPr>
-        <p:spPr>
-          <a:xfrm>
-            <a:off x="0" y="0"/>
-            <a:ext cx="12192000" cy="369332"/>
-          </a:xfrm>
-          <a:prstGeom prst="rect">
-            <a:avLst/>
-          </a:prstGeom>
-          <a:solidFill>
-            <a:schemeClr val="accent6"/>
-          </a:solidFill>
-        </p:spPr>
-        <p:txBody>
-          <a:bodyPr wrap="square" rtlCol="0">
-            <a:spAutoFit/>
-          </a:bodyPr>
-          <a:lstStyle/>
-          <a:p>
-            <a:r>
-              <a:rPr kumimoji="1" lang="ja-JP" altLang="en-US" dirty="0" smtClean="0"/>
-              <a:t>データベース</a:t>
-            </a:r>
-            <a:endParaRPr kumimoji="1" lang="en-US" altLang="ja-JP" dirty="0" smtClean="0"/>
-          </a:p>
-        </p:txBody>
-      </p:sp>
-      <p:sp>
-        <p:nvSpPr>
-          <p:cNvPr id="4" name="テキスト ボックス 3"/>
-          <p:cNvSpPr txBox="1"/>
-          <p:nvPr/>
-        </p:nvSpPr>
-        <p:spPr>
-          <a:xfrm>
-            <a:off x="1280700" y="3808129"/>
-            <a:ext cx="798617" cy="369332"/>
-          </a:xfrm>
-          <a:prstGeom prst="rect">
-            <a:avLst/>
-          </a:prstGeom>
-          <a:noFill/>
-        </p:spPr>
-        <p:txBody>
-          <a:bodyPr wrap="none" rtlCol="0">
-            <a:spAutoFit/>
-          </a:bodyPr>
-          <a:lstStyle/>
-          <a:p>
-            <a:r>
-              <a:rPr kumimoji="1" lang="en-US" altLang="ja-JP" dirty="0" smtClean="0"/>
-              <a:t>DB</a:t>
-            </a:r>
-            <a:r>
-              <a:rPr kumimoji="1" lang="ja-JP" altLang="en-US" dirty="0" smtClean="0"/>
-              <a:t>名：</a:t>
+              <a:t>図</a:t>
             </a:r>
             <a:endParaRPr kumimoji="1" lang="ja-JP" altLang="en-US" dirty="0"/>
-          </a:p>
-        </p:txBody>
-      </p:sp>
-      <p:sp>
-        <p:nvSpPr>
-          <p:cNvPr id="5" name="テキスト ボックス 4"/>
-          <p:cNvSpPr txBox="1"/>
-          <p:nvPr/>
-        </p:nvSpPr>
-        <p:spPr>
-          <a:xfrm>
-            <a:off x="492036" y="1164831"/>
-            <a:ext cx="1146450" cy="1438573"/>
-          </a:xfrm>
-          <a:prstGeom prst="roundRect">
-            <a:avLst>
-              <a:gd name="adj" fmla="val 8527"/>
-            </a:avLst>
-          </a:prstGeom>
-          <a:noFill/>
-          <a:ln>
-            <a:solidFill>
-              <a:schemeClr val="accent1"/>
-            </a:solidFill>
-          </a:ln>
-        </p:spPr>
-        <p:txBody>
-          <a:bodyPr wrap="none" rtlCol="0">
-            <a:spAutoFit/>
-          </a:bodyPr>
-          <a:lstStyle/>
-          <a:p>
-            <a:r>
-              <a:rPr kumimoji="1" lang="ja-JP" altLang="en-US" sz="1200" dirty="0" smtClean="0"/>
-              <a:t>■必要な情報</a:t>
-            </a:r>
-            <a:endParaRPr kumimoji="1" lang="en-US" altLang="ja-JP" sz="1200" dirty="0" smtClean="0"/>
-          </a:p>
-          <a:p>
-            <a:r>
-              <a:rPr kumimoji="1" lang="ja-JP" altLang="en-US" sz="1200" dirty="0" smtClean="0"/>
-              <a:t>レベル</a:t>
-            </a:r>
-            <a:endParaRPr kumimoji="1" lang="en-US" altLang="ja-JP" sz="1200" dirty="0" smtClean="0"/>
-          </a:p>
-          <a:p>
-            <a:r>
-              <a:rPr lang="en-US" altLang="ja-JP" sz="1200" dirty="0" smtClean="0"/>
-              <a:t>HP</a:t>
-            </a:r>
-          </a:p>
-          <a:p>
-            <a:r>
-              <a:rPr kumimoji="1" lang="ja-JP" altLang="en-US" sz="1200" dirty="0" smtClean="0"/>
-              <a:t>攻撃力</a:t>
-            </a:r>
-            <a:endParaRPr kumimoji="1" lang="en-US" altLang="ja-JP" sz="1200" dirty="0" smtClean="0"/>
-          </a:p>
-          <a:p>
-            <a:r>
-              <a:rPr lang="ja-JP" altLang="en-US" sz="1200" dirty="0" smtClean="0"/>
-              <a:t>属性</a:t>
-            </a:r>
-            <a:endParaRPr lang="en-US" altLang="ja-JP" sz="1200" dirty="0" smtClean="0"/>
-          </a:p>
-          <a:p>
-            <a:r>
-              <a:rPr kumimoji="1" lang="ja-JP" altLang="en-US" sz="1200" dirty="0" smtClean="0"/>
-              <a:t>種族</a:t>
-            </a:r>
-            <a:endParaRPr kumimoji="1" lang="en-US" altLang="ja-JP" sz="1200" dirty="0" smtClean="0"/>
-          </a:p>
-          <a:p>
-            <a:r>
-              <a:rPr lang="ja-JP" altLang="en-US" sz="1200" dirty="0"/>
-              <a:t>画像</a:t>
-            </a:r>
-            <a:endParaRPr kumimoji="1" lang="ja-JP" altLang="en-US" sz="1200" dirty="0"/>
           </a:p>
         </p:txBody>
       </p:sp>
@@ -4587,8 +3941,8 @@
         </p:nvSpPr>
         <p:spPr>
           <a:xfrm>
-            <a:off x="5286103" y="1018290"/>
-            <a:ext cx="1818126" cy="577081"/>
+            <a:off x="6191794" y="1367243"/>
+            <a:ext cx="3077702" cy="1477328"/>
           </a:xfrm>
           <a:prstGeom prst="rect">
             <a:avLst/>
@@ -4607,27 +3961,94 @@
           <a:lstStyle/>
           <a:p>
             <a:r>
-              <a:rPr kumimoji="1" lang="ja-JP" altLang="en-US" sz="1050" dirty="0" smtClean="0"/>
-              <a:t>＜属性＞</a:t>
-            </a:r>
-            <a:endParaRPr kumimoji="1" lang="en-US" altLang="ja-JP" sz="1050" dirty="0" smtClean="0"/>
-          </a:p>
-          <a:p>
-            <a:r>
-              <a:rPr lang="en-US" altLang="ja-JP" sz="1050" dirty="0" smtClean="0"/>
-              <a:t>Id</a:t>
-            </a:r>
-          </a:p>
-          <a:p>
-            <a:r>
-              <a:rPr kumimoji="1" lang="en-US" altLang="ja-JP" sz="1050" dirty="0" smtClean="0"/>
-              <a:t>Type</a:t>
-            </a:r>
-            <a:r>
-              <a:rPr kumimoji="1" lang="ja-JP" altLang="en-US" sz="1050" dirty="0" smtClean="0"/>
-              <a:t>・・・（火、水、木、光、闇）</a:t>
-            </a:r>
-            <a:endParaRPr kumimoji="1" lang="en-US" altLang="ja-JP" sz="1050" dirty="0" smtClean="0"/>
+              <a:rPr kumimoji="1" lang="ja-JP" altLang="en-US" dirty="0" smtClean="0"/>
+              <a:t>＜</a:t>
+            </a:r>
+            <a:r>
+              <a:rPr kumimoji="1" lang="en-US" altLang="ja-JP" dirty="0" err="1" smtClean="0"/>
+              <a:t>attrs</a:t>
+            </a:r>
+            <a:r>
+              <a:rPr kumimoji="1" lang="ja-JP" altLang="en-US" dirty="0" smtClean="0"/>
+              <a:t>＞</a:t>
+            </a:r>
+            <a:endParaRPr kumimoji="1" lang="en-US" altLang="ja-JP" dirty="0" smtClean="0"/>
+          </a:p>
+          <a:p>
+            <a:r>
+              <a:rPr lang="en-US" altLang="ja-JP" dirty="0" smtClean="0"/>
+              <a:t>Id		</a:t>
+            </a:r>
+            <a:r>
+              <a:rPr lang="en-US" altLang="ja-JP" dirty="0" err="1" smtClean="0"/>
+              <a:t>int</a:t>
+            </a:r>
+            <a:r>
+              <a:rPr lang="en-US" altLang="ja-JP" dirty="0" smtClean="0"/>
+              <a:t>/</a:t>
+            </a:r>
+            <a:r>
+              <a:rPr lang="en-US" altLang="ja-JP" dirty="0" err="1" smtClean="0"/>
+              <a:t>ai</a:t>
+            </a:r>
+            <a:r>
+              <a:rPr lang="en-US" altLang="ja-JP" dirty="0" smtClean="0"/>
+              <a:t>/</a:t>
+            </a:r>
+            <a:r>
+              <a:rPr lang="en-US" altLang="ja-JP" dirty="0" err="1" smtClean="0"/>
+              <a:t>pri</a:t>
+            </a:r>
+            <a:endParaRPr lang="en-US" altLang="ja-JP" dirty="0" smtClean="0"/>
+          </a:p>
+          <a:p>
+            <a:r>
+              <a:rPr kumimoji="1" lang="en-US" altLang="ja-JP" dirty="0" err="1" smtClean="0"/>
+              <a:t>attr_type</a:t>
+            </a:r>
+            <a:r>
+              <a:rPr kumimoji="1" lang="en-US" altLang="ja-JP" dirty="0" smtClean="0"/>
+              <a:t>		varchar</a:t>
+            </a:r>
+            <a:r>
+              <a:rPr kumimoji="1" lang="ja-JP" altLang="en-US" dirty="0" smtClean="0"/>
+              <a:t>（</a:t>
+            </a:r>
+            <a:r>
+              <a:rPr kumimoji="1" lang="en-US" altLang="ja-JP" dirty="0" smtClean="0"/>
+              <a:t>8</a:t>
+            </a:r>
+            <a:r>
+              <a:rPr kumimoji="1" lang="ja-JP" altLang="en-US" dirty="0" smtClean="0"/>
+              <a:t>）</a:t>
+            </a:r>
+            <a:endParaRPr kumimoji="1" lang="en-US" altLang="ja-JP" dirty="0" smtClean="0"/>
+          </a:p>
+          <a:p>
+            <a:r>
+              <a:rPr lang="en-US" altLang="ja-JP" dirty="0" smtClean="0"/>
+              <a:t>created		</a:t>
+            </a:r>
+            <a:r>
+              <a:rPr lang="ja-JP" altLang="en-US" dirty="0" smtClean="0"/>
+              <a:t>ｄａｔｅｔｉｍｅ</a:t>
+            </a:r>
+            <a:endParaRPr lang="en-US" altLang="ja-JP" dirty="0"/>
+          </a:p>
+          <a:p>
+            <a:r>
+              <a:rPr lang="en-US" altLang="ja-JP" dirty="0" smtClean="0"/>
+              <a:t>modified</a:t>
+            </a:r>
+            <a:r>
+              <a:rPr lang="en-US" altLang="ja-JP" dirty="0"/>
+              <a:t>		</a:t>
+            </a:r>
+            <a:r>
+              <a:rPr lang="ja-JP" altLang="en-US" dirty="0" smtClean="0"/>
+              <a:t>ｄａｔｅｔｉｍｅ</a:t>
+            </a:r>
+            <a:endParaRPr lang="en-US" altLang="ja-JP" dirty="0"/>
           </a:p>
         </p:txBody>
       </p:sp>
@@ -4639,8 +4060,8 @@
         </p:nvSpPr>
         <p:spPr>
           <a:xfrm>
-            <a:off x="5268958" y="1672123"/>
-            <a:ext cx="2642070" cy="577081"/>
+            <a:off x="6191794" y="3788226"/>
+            <a:ext cx="3194721" cy="1477328"/>
           </a:xfrm>
           <a:prstGeom prst="rect">
             <a:avLst/>
@@ -4659,35 +4080,98 @@
           <a:lstStyle/>
           <a:p>
             <a:r>
-              <a:rPr kumimoji="1" lang="ja-JP" altLang="en-US" sz="1050" dirty="0" smtClean="0"/>
-              <a:t>＜種族＞</a:t>
-            </a:r>
-            <a:endParaRPr kumimoji="1" lang="en-US" altLang="ja-JP" sz="1050" dirty="0" smtClean="0"/>
-          </a:p>
-          <a:p>
-            <a:r>
-              <a:rPr lang="en-US" altLang="ja-JP" sz="1050" dirty="0" smtClean="0"/>
-              <a:t>Id</a:t>
-            </a:r>
-          </a:p>
-          <a:p>
-            <a:r>
-              <a:rPr kumimoji="1" lang="en-US" altLang="ja-JP" sz="1050" dirty="0" smtClean="0"/>
-              <a:t>Type</a:t>
-            </a:r>
-            <a:r>
-              <a:rPr kumimoji="1" lang="ja-JP" altLang="en-US" sz="1050" dirty="0" smtClean="0"/>
-              <a:t>・・・（神、ドラゴン、バランス、攻撃、</a:t>
-            </a:r>
-            <a:r>
-              <a:rPr kumimoji="1" lang="en-US" altLang="ja-JP" sz="1050" dirty="0" err="1" smtClean="0"/>
-              <a:t>etc</a:t>
-            </a:r>
-            <a:r>
-              <a:rPr kumimoji="1" lang="ja-JP" altLang="en-US" sz="1050" dirty="0" smtClean="0"/>
+              <a:rPr kumimoji="1" lang="ja-JP" altLang="en-US" dirty="0" smtClean="0"/>
+              <a:t>＜</a:t>
+            </a:r>
+            <a:r>
+              <a:rPr kumimoji="1" lang="en-US" altLang="ja-JP" dirty="0" smtClean="0"/>
+              <a:t>kinds</a:t>
+            </a:r>
+            <a:r>
+              <a:rPr kumimoji="1" lang="ja-JP" altLang="en-US" dirty="0" smtClean="0"/>
+              <a:t>＞</a:t>
+            </a:r>
+            <a:endParaRPr kumimoji="1" lang="en-US" altLang="ja-JP" dirty="0" smtClean="0"/>
+          </a:p>
+          <a:p>
+            <a:r>
+              <a:rPr lang="en-US" altLang="ja-JP" dirty="0"/>
+              <a:t>Id		</a:t>
+            </a:r>
+            <a:r>
+              <a:rPr lang="en-US" altLang="ja-JP" dirty="0" err="1"/>
+              <a:t>int</a:t>
+            </a:r>
+            <a:r>
+              <a:rPr lang="en-US" altLang="ja-JP" dirty="0"/>
+              <a:t>/</a:t>
+            </a:r>
+            <a:r>
+              <a:rPr lang="en-US" altLang="ja-JP" dirty="0" err="1"/>
+              <a:t>ai</a:t>
+            </a:r>
+            <a:r>
+              <a:rPr lang="en-US" altLang="ja-JP" dirty="0"/>
+              <a:t>/</a:t>
+            </a:r>
+            <a:r>
+              <a:rPr lang="en-US" altLang="ja-JP" dirty="0" err="1"/>
+              <a:t>pri</a:t>
+            </a:r>
+            <a:endParaRPr lang="en-US" altLang="ja-JP" dirty="0"/>
+          </a:p>
+          <a:p>
+            <a:r>
+              <a:rPr lang="en-US" altLang="ja-JP" dirty="0" err="1" smtClean="0"/>
+              <a:t>kind_type</a:t>
+            </a:r>
+            <a:r>
+              <a:rPr lang="en-US" altLang="ja-JP" dirty="0"/>
+              <a:t>	</a:t>
+            </a:r>
+            <a:r>
+              <a:rPr lang="en-US" altLang="ja-JP" dirty="0" smtClean="0"/>
+              <a:t>varchar</a:t>
+            </a:r>
+            <a:r>
+              <a:rPr lang="ja-JP" altLang="en-US" dirty="0" smtClean="0"/>
+              <a:t>（</a:t>
+            </a:r>
+            <a:r>
+              <a:rPr lang="en-US" altLang="ja-JP" dirty="0" smtClean="0"/>
+              <a:t>32</a:t>
+            </a:r>
+            <a:r>
+              <a:rPr lang="ja-JP" altLang="en-US" dirty="0" smtClean="0"/>
               <a:t>）</a:t>
             </a:r>
-            <a:endParaRPr kumimoji="1" lang="en-US" altLang="ja-JP" sz="1050" dirty="0" smtClean="0"/>
+            <a:endParaRPr lang="en-US" altLang="ja-JP" dirty="0"/>
+          </a:p>
+          <a:p>
+            <a:r>
+              <a:rPr lang="en-US" altLang="ja-JP" dirty="0" smtClean="0"/>
+              <a:t>created</a:t>
+            </a:r>
+            <a:r>
+              <a:rPr lang="en-US" altLang="ja-JP" dirty="0"/>
+              <a:t>		</a:t>
+            </a:r>
+            <a:r>
+              <a:rPr lang="ja-JP" altLang="en-US" dirty="0"/>
+              <a:t>ｄａｔｅｔｉｍｅ</a:t>
+            </a:r>
+            <a:endParaRPr lang="en-US" altLang="ja-JP" dirty="0"/>
+          </a:p>
+          <a:p>
+            <a:r>
+              <a:rPr lang="en-US" altLang="ja-JP" dirty="0"/>
+              <a:t>modified		</a:t>
+            </a:r>
+            <a:r>
+              <a:rPr lang="ja-JP" altLang="en-US" dirty="0"/>
+              <a:t>ｄａｔｅｔｉｍｅ</a:t>
+            </a:r>
+            <a:endParaRPr lang="en-US" altLang="ja-JP" dirty="0"/>
           </a:p>
         </p:txBody>
       </p:sp>
@@ -4699,8 +4183,8 @@
         </p:nvSpPr>
         <p:spPr>
           <a:xfrm>
-            <a:off x="4021012" y="1018290"/>
-            <a:ext cx="1143262" cy="1223412"/>
+            <a:off x="853439" y="1345473"/>
+            <a:ext cx="3856761" cy="2862322"/>
           </a:xfrm>
           <a:prstGeom prst="rect">
             <a:avLst/>
@@ -4719,195 +4203,181 @@
           <a:lstStyle/>
           <a:p>
             <a:r>
-              <a:rPr kumimoji="1" lang="ja-JP" altLang="en-US" sz="1050" dirty="0" smtClean="0"/>
-              <a:t>＜キャラクター＞</a:t>
-            </a:r>
-            <a:endParaRPr kumimoji="1" lang="en-US" altLang="ja-JP" sz="1050" dirty="0" smtClean="0"/>
-          </a:p>
-          <a:p>
-            <a:r>
-              <a:rPr lang="en-US" altLang="ja-JP" sz="1050" dirty="0" smtClean="0"/>
-              <a:t>Id</a:t>
-            </a:r>
-          </a:p>
-          <a:p>
-            <a:r>
-              <a:rPr kumimoji="1" lang="en-US" altLang="ja-JP" sz="1050" dirty="0" smtClean="0"/>
-              <a:t>HP</a:t>
-            </a:r>
-          </a:p>
-          <a:p>
-            <a:r>
-              <a:rPr lang="ja-JP" altLang="en-US" sz="1050" dirty="0" smtClean="0"/>
-              <a:t>攻撃力</a:t>
-            </a:r>
-            <a:endParaRPr lang="en-US" altLang="ja-JP" sz="1050" dirty="0" smtClean="0"/>
-          </a:p>
-          <a:p>
-            <a:r>
-              <a:rPr lang="ja-JP" altLang="en-US" sz="1050" dirty="0" smtClean="0"/>
-              <a:t>種族</a:t>
-            </a:r>
-            <a:r>
-              <a:rPr lang="en-US" altLang="ja-JP" sz="1050" dirty="0" smtClean="0"/>
-              <a:t>id</a:t>
-            </a:r>
-          </a:p>
-          <a:p>
-            <a:r>
-              <a:rPr lang="ja-JP" altLang="en-US" sz="1050" dirty="0" smtClean="0"/>
-              <a:t>属性</a:t>
-            </a:r>
-            <a:r>
-              <a:rPr lang="en-US" altLang="ja-JP" sz="1050" dirty="0" smtClean="0"/>
-              <a:t>id</a:t>
-            </a:r>
-          </a:p>
-          <a:p>
-            <a:r>
-              <a:rPr kumimoji="1" lang="ja-JP" altLang="en-US" sz="1050" dirty="0"/>
-              <a:t>画像</a:t>
-            </a:r>
-            <a:endParaRPr kumimoji="1" lang="en-US" altLang="ja-JP" sz="1050" dirty="0" smtClean="0"/>
-          </a:p>
-        </p:txBody>
-      </p:sp>
-      <p:sp>
-        <p:nvSpPr>
-          <p:cNvPr id="2" name="右矢印 1"/>
-          <p:cNvSpPr/>
-          <p:nvPr/>
-        </p:nvSpPr>
-        <p:spPr>
-          <a:xfrm>
-            <a:off x="1752130" y="1546361"/>
-            <a:ext cx="978408" cy="484632"/>
-          </a:xfrm>
-          <a:prstGeom prst="rightArrow">
-            <a:avLst/>
-          </a:prstGeom>
-        </p:spPr>
-        <p:style>
-          <a:lnRef idx="2">
-            <a:schemeClr val="accent1">
-              <a:shade val="50000"/>
-            </a:schemeClr>
-          </a:lnRef>
-          <a:fillRef idx="1">
-            <a:schemeClr val="accent1"/>
-          </a:fillRef>
-          <a:effectRef idx="0">
-            <a:schemeClr val="accent1"/>
-          </a:effectRef>
-          <a:fontRef idx="minor">
-            <a:schemeClr val="lt1"/>
-          </a:fontRef>
-        </p:style>
-        <p:txBody>
-          <a:bodyPr rtlCol="0" anchor="ctr"/>
-          <a:lstStyle/>
-          <a:p>
-            <a:pPr algn="ctr"/>
-            <a:endParaRPr kumimoji="1" lang="ja-JP" altLang="en-US"/>
-          </a:p>
-        </p:txBody>
-      </p:sp>
-      <p:sp>
-        <p:nvSpPr>
-          <p:cNvPr id="10" name="テキスト ボックス 9"/>
-          <p:cNvSpPr txBox="1"/>
-          <p:nvPr/>
-        </p:nvSpPr>
-        <p:spPr>
-          <a:xfrm>
-            <a:off x="9279699" y="2624622"/>
-            <a:ext cx="1476686" cy="307777"/>
-          </a:xfrm>
-          <a:prstGeom prst="rect">
-            <a:avLst/>
-          </a:prstGeom>
-          <a:noFill/>
-          <a:ln>
-            <a:solidFill>
-              <a:schemeClr val="tx1"/>
-            </a:solidFill>
-          </a:ln>
-        </p:spPr>
-        <p:txBody>
-          <a:bodyPr wrap="none" rtlCol="0">
-            <a:spAutoFit/>
-          </a:bodyPr>
-          <a:lstStyle/>
-          <a:p>
-            <a:r>
-              <a:rPr kumimoji="1" lang="ja-JP" altLang="en-US" sz="1400" dirty="0" smtClean="0"/>
-              <a:t>テーブルは</a:t>
-            </a:r>
-            <a:r>
-              <a:rPr kumimoji="1" lang="en-US" altLang="ja-JP" sz="1400" dirty="0" smtClean="0"/>
-              <a:t>3</a:t>
-            </a:r>
-            <a:r>
-              <a:rPr kumimoji="1" lang="ja-JP" altLang="en-US" sz="1400" dirty="0" smtClean="0"/>
-              <a:t>つ？</a:t>
-            </a:r>
-            <a:endParaRPr kumimoji="1" lang="en-US" altLang="ja-JP" sz="1400" dirty="0" smtClean="0"/>
-          </a:p>
-        </p:txBody>
-      </p:sp>
-      <p:sp>
-        <p:nvSpPr>
-          <p:cNvPr id="11" name="テキスト ボックス 10"/>
-          <p:cNvSpPr txBox="1"/>
-          <p:nvPr/>
-        </p:nvSpPr>
-        <p:spPr>
-          <a:xfrm>
-            <a:off x="460423" y="3630354"/>
-            <a:ext cx="1209675" cy="369332"/>
-          </a:xfrm>
-          <a:prstGeom prst="rect">
-            <a:avLst/>
-          </a:prstGeom>
-          <a:noFill/>
-        </p:spPr>
-        <p:txBody>
-          <a:bodyPr wrap="square" rtlCol="0">
-            <a:spAutoFit/>
-          </a:bodyPr>
-          <a:lstStyle/>
-          <a:p>
+              <a:rPr kumimoji="1" lang="ja-JP" altLang="en-US" dirty="0" smtClean="0"/>
+              <a:t>＜</a:t>
+            </a:r>
             <a:r>
               <a:rPr kumimoji="1" lang="en-US" altLang="ja-JP" dirty="0" smtClean="0"/>
-              <a:t>ER</a:t>
+              <a:t>monsters</a:t>
             </a:r>
             <a:r>
               <a:rPr kumimoji="1" lang="ja-JP" altLang="en-US" dirty="0" smtClean="0"/>
-              <a:t>図</a:t>
+              <a:t>＞</a:t>
             </a:r>
             <a:endParaRPr kumimoji="1" lang="en-US" altLang="ja-JP" dirty="0" smtClean="0"/>
+          </a:p>
+          <a:p>
+            <a:r>
+              <a:rPr lang="en-US" altLang="ja-JP" dirty="0"/>
+              <a:t>Id		</a:t>
+            </a:r>
+            <a:r>
+              <a:rPr lang="en-US" altLang="ja-JP" dirty="0" err="1"/>
+              <a:t>int</a:t>
+            </a:r>
+            <a:r>
+              <a:rPr lang="en-US" altLang="ja-JP" dirty="0"/>
+              <a:t>/</a:t>
+            </a:r>
+            <a:r>
+              <a:rPr lang="en-US" altLang="ja-JP" dirty="0" err="1"/>
+              <a:t>ai</a:t>
+            </a:r>
+            <a:r>
+              <a:rPr lang="en-US" altLang="ja-JP" dirty="0"/>
+              <a:t>/</a:t>
+            </a:r>
+            <a:r>
+              <a:rPr lang="en-US" altLang="ja-JP" dirty="0" err="1"/>
+              <a:t>pri</a:t>
+            </a:r>
+            <a:endParaRPr lang="en-US" altLang="ja-JP" dirty="0"/>
+          </a:p>
+          <a:p>
+            <a:r>
+              <a:rPr lang="en-US" altLang="ja-JP" dirty="0"/>
+              <a:t>name		</a:t>
+            </a:r>
+            <a:r>
+              <a:rPr lang="en-US" altLang="ja-JP" dirty="0" smtClean="0"/>
+              <a:t>varchar</a:t>
+            </a:r>
+            <a:r>
+              <a:rPr lang="ja-JP" altLang="en-US" dirty="0" smtClean="0"/>
+              <a:t>（</a:t>
+            </a:r>
+            <a:r>
+              <a:rPr lang="en-US" altLang="ja-JP" dirty="0" smtClean="0"/>
+              <a:t>32</a:t>
+            </a:r>
+            <a:r>
+              <a:rPr lang="ja-JP" altLang="en-US" dirty="0" smtClean="0"/>
+              <a:t>）</a:t>
+            </a:r>
+            <a:endParaRPr kumimoji="1" lang="en-US" altLang="ja-JP" dirty="0" smtClean="0"/>
+          </a:p>
+          <a:p>
+            <a:r>
+              <a:rPr lang="en-US" altLang="ja-JP" dirty="0" err="1"/>
+              <a:t>h</a:t>
+            </a:r>
+            <a:r>
+              <a:rPr kumimoji="1" lang="en-US" altLang="ja-JP" dirty="0" err="1" smtClean="0"/>
+              <a:t>p</a:t>
+            </a:r>
+            <a:r>
+              <a:rPr kumimoji="1" lang="en-US" altLang="ja-JP" dirty="0" smtClean="0"/>
+              <a:t>		</a:t>
+            </a:r>
+            <a:r>
+              <a:rPr kumimoji="1" lang="en-US" altLang="ja-JP" dirty="0" err="1" smtClean="0"/>
+              <a:t>int</a:t>
+            </a:r>
+            <a:endParaRPr kumimoji="1" lang="en-US" altLang="ja-JP" dirty="0" smtClean="0"/>
+          </a:p>
+          <a:p>
+            <a:r>
+              <a:rPr lang="en-US" altLang="ja-JP" dirty="0" err="1" smtClean="0"/>
+              <a:t>atatck</a:t>
+            </a:r>
+            <a:r>
+              <a:rPr lang="en-US" altLang="ja-JP" dirty="0" smtClean="0"/>
+              <a:t>		</a:t>
+            </a:r>
+            <a:r>
+              <a:rPr lang="en-US" altLang="ja-JP" dirty="0" err="1" smtClean="0"/>
+              <a:t>int</a:t>
+            </a:r>
+            <a:endParaRPr lang="en-US" altLang="ja-JP" dirty="0" smtClean="0"/>
+          </a:p>
+          <a:p>
+            <a:r>
+              <a:rPr lang="en-US" altLang="ja-JP" dirty="0" err="1" smtClean="0"/>
+              <a:t>attr_id</a:t>
+            </a:r>
+            <a:r>
+              <a:rPr lang="en-US" altLang="ja-JP" dirty="0" smtClean="0"/>
+              <a:t>		</a:t>
+            </a:r>
+            <a:r>
+              <a:rPr lang="en-US" altLang="ja-JP" dirty="0" err="1" smtClean="0"/>
+              <a:t>int</a:t>
+            </a:r>
+            <a:endParaRPr lang="en-US" altLang="ja-JP" dirty="0" smtClean="0"/>
+          </a:p>
+          <a:p>
+            <a:r>
+              <a:rPr lang="en-US" altLang="ja-JP" dirty="0" err="1" smtClean="0"/>
+              <a:t>kind_id</a:t>
+            </a:r>
+            <a:r>
+              <a:rPr lang="en-US" altLang="ja-JP" dirty="0" smtClean="0"/>
+              <a:t>		</a:t>
+            </a:r>
+            <a:r>
+              <a:rPr lang="en-US" altLang="ja-JP" dirty="0" err="1" smtClean="0"/>
+              <a:t>int</a:t>
+            </a:r>
+            <a:endParaRPr lang="en-US" altLang="ja-JP" dirty="0" smtClean="0"/>
+          </a:p>
+          <a:p>
+            <a:r>
+              <a:rPr kumimoji="1" lang="en-US" altLang="ja-JP" dirty="0" err="1" smtClean="0"/>
+              <a:t>Image_file_name</a:t>
+            </a:r>
+            <a:r>
+              <a:rPr kumimoji="1" lang="en-US" altLang="ja-JP" dirty="0" smtClean="0"/>
+              <a:t>	varchar(255)/NULL</a:t>
+            </a:r>
+          </a:p>
+          <a:p>
+            <a:r>
+              <a:rPr lang="en-US" altLang="ja-JP" dirty="0"/>
+              <a:t>created		</a:t>
+            </a:r>
+            <a:r>
+              <a:rPr lang="ja-JP" altLang="en-US" dirty="0"/>
+              <a:t>ｄａｔｅｔｉｍｅ</a:t>
+            </a:r>
+            <a:endParaRPr lang="en-US" altLang="ja-JP" dirty="0"/>
+          </a:p>
+          <a:p>
+            <a:r>
+              <a:rPr lang="en-US" altLang="ja-JP" dirty="0"/>
+              <a:t>modified		</a:t>
+            </a:r>
+            <a:r>
+              <a:rPr lang="ja-JP" altLang="en-US" dirty="0"/>
+              <a:t>ｄａｔｅｔｉｍｅ</a:t>
+            </a:r>
+            <a:endParaRPr lang="en-US" altLang="ja-JP" dirty="0"/>
           </a:p>
         </p:txBody>
       </p:sp>
       <p:cxnSp>
         <p:nvCxnSpPr>
-          <p:cNvPr id="16" name="直線コネクタ 15"/>
+          <p:cNvPr id="3" name="直線コネクタ 2"/>
           <p:cNvCxnSpPr/>
           <p:nvPr/>
         </p:nvCxnSpPr>
         <p:spPr>
           <a:xfrm flipV="1">
-            <a:off x="4598998" y="4460261"/>
-            <a:ext cx="2311297" cy="1051429"/>
+            <a:off x="3213463" y="1820091"/>
+            <a:ext cx="2978331" cy="1097280"/>
           </a:xfrm>
           <a:prstGeom prst="line">
             <a:avLst/>
           </a:prstGeom>
-          <a:ln>
-            <a:solidFill>
-              <a:schemeClr val="tx1"/>
-            </a:solidFill>
-          </a:ln>
         </p:spPr>
         <p:style>
           <a:lnRef idx="1">
@@ -4926,23 +4396,18 @@
       </p:cxnSp>
       <p:cxnSp>
         <p:nvCxnSpPr>
-          <p:cNvPr id="17" name="直線コネクタ 16"/>
+          <p:cNvPr id="10" name="直線コネクタ 9"/>
           <p:cNvCxnSpPr/>
           <p:nvPr/>
         </p:nvCxnSpPr>
         <p:spPr>
-          <a:xfrm flipV="1">
-            <a:off x="4592643" y="5694854"/>
-            <a:ext cx="2317652" cy="48508"/>
+          <a:xfrm>
+            <a:off x="3213463" y="3204754"/>
+            <a:ext cx="2978331" cy="1003041"/>
           </a:xfrm>
           <a:prstGeom prst="line">
             <a:avLst/>
           </a:prstGeom>
-          <a:ln>
-            <a:solidFill>
-              <a:schemeClr val="tx1"/>
-            </a:solidFill>
-          </a:ln>
         </p:spPr>
         <p:style>
           <a:lnRef idx="1">
@@ -4961,13 +4426,13 @@
       </p:cxnSp>
       <p:sp>
         <p:nvSpPr>
-          <p:cNvPr id="21" name="正方形/長方形 20"/>
+          <p:cNvPr id="13" name="正方形/長方形 12"/>
           <p:cNvSpPr/>
           <p:nvPr/>
         </p:nvSpPr>
         <p:spPr>
           <a:xfrm>
-            <a:off x="1925638" y="3814273"/>
+            <a:off x="761145" y="771100"/>
             <a:ext cx="1068434" cy="369332"/>
           </a:xfrm>
           <a:prstGeom prst="rect">
@@ -4990,904 +4455,10 @@
           </a:p>
         </p:txBody>
       </p:sp>
-      <p:sp>
-        <p:nvSpPr>
-          <p:cNvPr id="22" name="テキスト ボックス 21"/>
-          <p:cNvSpPr txBox="1"/>
-          <p:nvPr/>
-        </p:nvSpPr>
-        <p:spPr>
-          <a:xfrm>
-            <a:off x="309154" y="660065"/>
-            <a:ext cx="1681871" cy="369332"/>
-          </a:xfrm>
-          <a:prstGeom prst="rect">
-            <a:avLst/>
-          </a:prstGeom>
-          <a:noFill/>
-        </p:spPr>
-        <p:txBody>
-          <a:bodyPr wrap="none" rtlCol="0">
-            <a:spAutoFit/>
-          </a:bodyPr>
-          <a:lstStyle/>
-          <a:p>
-            <a:r>
-              <a:rPr kumimoji="1" lang="ja-JP" altLang="en-US" dirty="0" smtClean="0"/>
-              <a:t>データベース案</a:t>
-            </a:r>
-            <a:endParaRPr kumimoji="1" lang="ja-JP" altLang="en-US" dirty="0"/>
-          </a:p>
-        </p:txBody>
-      </p:sp>
-      <p:cxnSp>
-        <p:nvCxnSpPr>
-          <p:cNvPr id="24" name="直線コネクタ 23"/>
-          <p:cNvCxnSpPr/>
-          <p:nvPr/>
-        </p:nvCxnSpPr>
-        <p:spPr>
-          <a:xfrm>
-            <a:off x="492036" y="3427275"/>
-            <a:ext cx="11242764" cy="0"/>
-          </a:xfrm>
-          <a:prstGeom prst="line">
-            <a:avLst/>
-          </a:prstGeom>
-          <a:ln w="19050">
-            <a:solidFill>
-              <a:schemeClr val="tx1"/>
-            </a:solidFill>
-            <a:prstDash val="dash"/>
-          </a:ln>
-        </p:spPr>
-        <p:style>
-          <a:lnRef idx="1">
-            <a:schemeClr val="accent1"/>
-          </a:lnRef>
-          <a:fillRef idx="0">
-            <a:schemeClr val="accent1"/>
-          </a:fillRef>
-          <a:effectRef idx="0">
-            <a:schemeClr val="accent1"/>
-          </a:effectRef>
-          <a:fontRef idx="minor">
-            <a:schemeClr val="tx1"/>
-          </a:fontRef>
-        </p:style>
-      </p:cxnSp>
-      <p:sp>
-        <p:nvSpPr>
-          <p:cNvPr id="12" name="右矢印 11"/>
-          <p:cNvSpPr/>
-          <p:nvPr/>
-        </p:nvSpPr>
-        <p:spPr>
-          <a:xfrm rot="5400000">
-            <a:off x="5302420" y="3142311"/>
-            <a:ext cx="904451" cy="484632"/>
-          </a:xfrm>
-          <a:prstGeom prst="rightArrow">
-            <a:avLst/>
-          </a:prstGeom>
-          <a:solidFill>
-            <a:schemeClr val="accent4"/>
-          </a:solidFill>
-        </p:spPr>
-        <p:style>
-          <a:lnRef idx="2">
-            <a:schemeClr val="accent1">
-              <a:shade val="50000"/>
-            </a:schemeClr>
-          </a:lnRef>
-          <a:fillRef idx="1">
-            <a:schemeClr val="accent1"/>
-          </a:fillRef>
-          <a:effectRef idx="0">
-            <a:schemeClr val="accent1"/>
-          </a:effectRef>
-          <a:fontRef idx="minor">
-            <a:schemeClr val="lt1"/>
-          </a:fontRef>
-        </p:style>
-        <p:txBody>
-          <a:bodyPr rtlCol="0" anchor="ctr"/>
-          <a:lstStyle/>
-          <a:p>
-            <a:pPr algn="ctr"/>
-            <a:endParaRPr kumimoji="1" lang="ja-JP" altLang="en-US"/>
-          </a:p>
-        </p:txBody>
-      </p:sp>
-      <p:graphicFrame>
-        <p:nvGraphicFramePr>
-          <p:cNvPr id="27" name="表 26"/>
-          <p:cNvGraphicFramePr>
-            <a:graphicFrameLocks noGrp="1"/>
-          </p:cNvGraphicFramePr>
-          <p:nvPr>
-            <p:extLst>
-              <p:ext uri="{D42A27DB-BD31-4B8C-83A1-F6EECF244321}">
-                <p14:modId xmlns:p14="http://schemas.microsoft.com/office/powerpoint/2010/main" val="3512935716"/>
-              </p:ext>
-            </p:extLst>
-          </p:nvPr>
-        </p:nvGraphicFramePr>
-        <p:xfrm>
-          <a:off x="1371944" y="4162243"/>
-          <a:ext cx="3227054" cy="2438400"/>
-        </p:xfrm>
-        <a:graphic>
-          <a:graphicData uri="http://schemas.openxmlformats.org/drawingml/2006/table">
-            <a:tbl>
-              <a:tblPr firstRow="1" bandRow="1">
-                <a:tableStyleId>{5C22544A-7EE6-4342-B048-85BDC9FD1C3A}</a:tableStyleId>
-              </a:tblPr>
-              <a:tblGrid>
-                <a:gridCol w="1613527"/>
-                <a:gridCol w="1613527"/>
-              </a:tblGrid>
-              <a:tr h="234698">
-                <a:tc gridSpan="2">
-                  <a:txBody>
-                    <a:bodyPr/>
-                    <a:lstStyle/>
-                    <a:p>
-                      <a:r>
-                        <a:rPr kumimoji="1" lang="en-US" altLang="ja-JP" sz="1000" dirty="0" smtClean="0"/>
-                        <a:t>&lt;monsters&gt;</a:t>
-                      </a:r>
-                      <a:endParaRPr kumimoji="1" lang="ja-JP" altLang="en-US" sz="1000" dirty="0"/>
-                    </a:p>
-                  </a:txBody>
-                  <a:tcPr>
-                    <a:solidFill>
-                      <a:schemeClr val="bg2">
-                        <a:lumMod val="75000"/>
-                      </a:schemeClr>
-                    </a:solidFill>
-                  </a:tcPr>
-                </a:tc>
-                <a:tc hMerge="1">
-                  <a:txBody>
-                    <a:bodyPr/>
-                    <a:lstStyle/>
-                    <a:p>
-                      <a:endParaRPr kumimoji="1" lang="ja-JP" altLang="en-US" dirty="0"/>
-                    </a:p>
-                  </a:txBody>
-                  <a:tcPr/>
-                </a:tc>
-              </a:tr>
-              <a:tr h="234698">
-                <a:tc>
-                  <a:txBody>
-                    <a:bodyPr/>
-                    <a:lstStyle/>
-                    <a:p>
-                      <a:r>
-                        <a:rPr kumimoji="1" lang="en-US" altLang="ja-JP" sz="1000" dirty="0" smtClean="0"/>
-                        <a:t>Id</a:t>
-                      </a:r>
-                      <a:endParaRPr kumimoji="1" lang="ja-JP" altLang="en-US" sz="1000" dirty="0"/>
-                    </a:p>
-                  </a:txBody>
-                  <a:tcPr/>
-                </a:tc>
-                <a:tc>
-                  <a:txBody>
-                    <a:bodyPr/>
-                    <a:lstStyle/>
-                    <a:p>
-                      <a:r>
-                        <a:rPr kumimoji="1" lang="en-US" altLang="ja-JP" sz="1000" dirty="0" err="1" smtClean="0"/>
-                        <a:t>Int</a:t>
-                      </a:r>
-                      <a:r>
-                        <a:rPr kumimoji="1" lang="en-US" altLang="ja-JP" sz="1000" dirty="0" smtClean="0"/>
-                        <a:t>/AI/</a:t>
-                      </a:r>
-                      <a:r>
-                        <a:rPr kumimoji="1" lang="en-US" altLang="ja-JP" sz="1000" dirty="0" err="1" smtClean="0"/>
-                        <a:t>pri</a:t>
-                      </a:r>
-                      <a:endParaRPr kumimoji="1" lang="ja-JP" altLang="en-US" sz="1000" dirty="0"/>
-                    </a:p>
-                  </a:txBody>
-                  <a:tcPr/>
-                </a:tc>
-              </a:tr>
-              <a:tr h="234698">
-                <a:tc>
-                  <a:txBody>
-                    <a:bodyPr/>
-                    <a:lstStyle/>
-                    <a:p>
-                      <a:r>
-                        <a:rPr kumimoji="1" lang="en-US" altLang="ja-JP" sz="1000" dirty="0" smtClean="0"/>
-                        <a:t>name</a:t>
-                      </a:r>
-                      <a:endParaRPr kumimoji="1" lang="ja-JP" altLang="en-US" sz="1000" dirty="0"/>
-                    </a:p>
-                  </a:txBody>
-                  <a:tcPr/>
-                </a:tc>
-                <a:tc>
-                  <a:txBody>
-                    <a:bodyPr/>
-                    <a:lstStyle/>
-                    <a:p>
-                      <a:r>
-                        <a:rPr kumimoji="1" lang="en-US" altLang="ja-JP" sz="1000" dirty="0" smtClean="0"/>
-                        <a:t>Varchar(32)</a:t>
-                      </a:r>
-                      <a:endParaRPr kumimoji="1" lang="ja-JP" altLang="en-US" sz="1000" dirty="0"/>
-                    </a:p>
-                  </a:txBody>
-                  <a:tcPr/>
-                </a:tc>
-              </a:tr>
-              <a:tr h="234698">
-                <a:tc>
-                  <a:txBody>
-                    <a:bodyPr/>
-                    <a:lstStyle/>
-                    <a:p>
-                      <a:r>
-                        <a:rPr kumimoji="1" lang="en-US" altLang="ja-JP" sz="1000" dirty="0" err="1" smtClean="0"/>
-                        <a:t>hp</a:t>
-                      </a:r>
-                      <a:endParaRPr kumimoji="1" lang="ja-JP" altLang="en-US" sz="1000" dirty="0"/>
-                    </a:p>
-                  </a:txBody>
-                  <a:tcPr/>
-                </a:tc>
-                <a:tc>
-                  <a:txBody>
-                    <a:bodyPr/>
-                    <a:lstStyle/>
-                    <a:p>
-                      <a:r>
-                        <a:rPr kumimoji="1" lang="en-US" altLang="ja-JP" sz="1000" dirty="0" err="1" smtClean="0"/>
-                        <a:t>Int</a:t>
-                      </a:r>
-                      <a:endParaRPr kumimoji="1" lang="ja-JP" altLang="en-US" sz="1000" dirty="0"/>
-                    </a:p>
-                  </a:txBody>
-                  <a:tcPr/>
-                </a:tc>
-              </a:tr>
-              <a:tr h="234698">
-                <a:tc>
-                  <a:txBody>
-                    <a:bodyPr/>
-                    <a:lstStyle/>
-                    <a:p>
-                      <a:r>
-                        <a:rPr kumimoji="1" lang="en-US" altLang="ja-JP" sz="1000" dirty="0" err="1" smtClean="0"/>
-                        <a:t>atatck</a:t>
-                      </a:r>
-                      <a:endParaRPr kumimoji="1" lang="ja-JP" altLang="en-US" sz="1000" dirty="0"/>
-                    </a:p>
-                  </a:txBody>
-                  <a:tcPr/>
-                </a:tc>
-                <a:tc>
-                  <a:txBody>
-                    <a:bodyPr/>
-                    <a:lstStyle/>
-                    <a:p>
-                      <a:r>
-                        <a:rPr kumimoji="1" lang="en-US" altLang="ja-JP" sz="1000" dirty="0" err="1" smtClean="0"/>
-                        <a:t>Int</a:t>
-                      </a:r>
-                      <a:endParaRPr kumimoji="1" lang="ja-JP" altLang="en-US" sz="1000" dirty="0"/>
-                    </a:p>
-                  </a:txBody>
-                  <a:tcPr/>
-                </a:tc>
-              </a:tr>
-              <a:tr h="234698">
-                <a:tc>
-                  <a:txBody>
-                    <a:bodyPr/>
-                    <a:lstStyle/>
-                    <a:p>
-                      <a:r>
-                        <a:rPr kumimoji="1" lang="en-US" altLang="ja-JP" sz="1000" dirty="0" err="1" smtClean="0"/>
-                        <a:t>attr_id</a:t>
-                      </a:r>
-                      <a:endParaRPr kumimoji="1" lang="ja-JP" altLang="en-US" sz="1000" dirty="0"/>
-                    </a:p>
-                  </a:txBody>
-                  <a:tcPr/>
-                </a:tc>
-                <a:tc>
-                  <a:txBody>
-                    <a:bodyPr/>
-                    <a:lstStyle/>
-                    <a:p>
-                      <a:r>
-                        <a:rPr kumimoji="1" lang="en-US" altLang="ja-JP" sz="1000" dirty="0" err="1" smtClean="0"/>
-                        <a:t>Int</a:t>
-                      </a:r>
-                      <a:endParaRPr kumimoji="1" lang="ja-JP" altLang="en-US" sz="1000" dirty="0"/>
-                    </a:p>
-                  </a:txBody>
-                  <a:tcPr/>
-                </a:tc>
-              </a:tr>
-              <a:tr h="234698">
-                <a:tc>
-                  <a:txBody>
-                    <a:bodyPr/>
-                    <a:lstStyle/>
-                    <a:p>
-                      <a:r>
-                        <a:rPr kumimoji="1" lang="en-US" altLang="ja-JP" sz="1000" dirty="0" err="1" smtClean="0"/>
-                        <a:t>Kind_id</a:t>
-                      </a:r>
-                      <a:endParaRPr kumimoji="1" lang="ja-JP" altLang="en-US" sz="1000" dirty="0"/>
-                    </a:p>
-                  </a:txBody>
-                  <a:tcPr/>
-                </a:tc>
-                <a:tc>
-                  <a:txBody>
-                    <a:bodyPr/>
-                    <a:lstStyle/>
-                    <a:p>
-                      <a:r>
-                        <a:rPr kumimoji="1" lang="en-US" altLang="ja-JP" sz="1000" dirty="0" err="1" smtClean="0"/>
-                        <a:t>Int</a:t>
-                      </a:r>
-                      <a:endParaRPr kumimoji="1" lang="ja-JP" altLang="en-US" sz="1000" dirty="0"/>
-                    </a:p>
-                  </a:txBody>
-                  <a:tcPr/>
-                </a:tc>
-              </a:tr>
-              <a:tr h="234698">
-                <a:tc>
-                  <a:txBody>
-                    <a:bodyPr/>
-                    <a:lstStyle/>
-                    <a:p>
-                      <a:r>
-                        <a:rPr kumimoji="1" lang="en-US" altLang="ja-JP" sz="1000" dirty="0" err="1" smtClean="0"/>
-                        <a:t>image_file_name</a:t>
-                      </a:r>
-                      <a:endParaRPr kumimoji="1" lang="ja-JP" altLang="en-US" sz="1000" dirty="0"/>
-                    </a:p>
-                  </a:txBody>
-                  <a:tcPr/>
-                </a:tc>
-                <a:tc>
-                  <a:txBody>
-                    <a:bodyPr/>
-                    <a:lstStyle/>
-                    <a:p>
-                      <a:r>
-                        <a:rPr kumimoji="1" lang="en-US" altLang="ja-JP" sz="1000" dirty="0" smtClean="0"/>
-                        <a:t>Varchar(255)/NULL</a:t>
-                      </a:r>
-                      <a:endParaRPr kumimoji="1" lang="ja-JP" altLang="en-US" sz="1000" dirty="0"/>
-                    </a:p>
-                  </a:txBody>
-                  <a:tcPr/>
-                </a:tc>
-              </a:tr>
-              <a:tr h="234698">
-                <a:tc>
-                  <a:txBody>
-                    <a:bodyPr/>
-                    <a:lstStyle/>
-                    <a:p>
-                      <a:r>
-                        <a:rPr kumimoji="1" lang="en-US" altLang="ja-JP" sz="1000" dirty="0" smtClean="0"/>
-                        <a:t>Created</a:t>
-                      </a:r>
-                      <a:endParaRPr kumimoji="1" lang="ja-JP" altLang="en-US" sz="1000" dirty="0"/>
-                    </a:p>
-                  </a:txBody>
-                  <a:tcPr/>
-                </a:tc>
-                <a:tc>
-                  <a:txBody>
-                    <a:bodyPr/>
-                    <a:lstStyle/>
-                    <a:p>
-                      <a:r>
-                        <a:rPr kumimoji="1" lang="en-US" altLang="ja-JP" sz="1000" dirty="0" err="1" smtClean="0"/>
-                        <a:t>datetime</a:t>
-                      </a:r>
-                      <a:endParaRPr kumimoji="1" lang="ja-JP" altLang="en-US" sz="1000" dirty="0"/>
-                    </a:p>
-                  </a:txBody>
-                  <a:tcPr/>
-                </a:tc>
-              </a:tr>
-              <a:tr h="234698">
-                <a:tc>
-                  <a:txBody>
-                    <a:bodyPr/>
-                    <a:lstStyle/>
-                    <a:p>
-                      <a:r>
-                        <a:rPr kumimoji="1" lang="en-US" altLang="ja-JP" sz="1000" dirty="0" smtClean="0"/>
-                        <a:t>Modified</a:t>
-                      </a:r>
-                      <a:endParaRPr kumimoji="1" lang="ja-JP" altLang="en-US" sz="1000" dirty="0"/>
-                    </a:p>
-                  </a:txBody>
-                  <a:tcPr/>
-                </a:tc>
-                <a:tc>
-                  <a:txBody>
-                    <a:bodyPr/>
-                    <a:lstStyle/>
-                    <a:p>
-                      <a:pPr marL="0" marR="0" indent="0" algn="l" defTabSz="914400" rtl="0" eaLnBrk="1" fontAlgn="auto" latinLnBrk="0" hangingPunct="1">
-                        <a:lnSpc>
-                          <a:spcPct val="100000"/>
-                        </a:lnSpc>
-                        <a:spcBef>
-                          <a:spcPts val="0"/>
-                        </a:spcBef>
-                        <a:spcAft>
-                          <a:spcPts val="0"/>
-                        </a:spcAft>
-                        <a:buClrTx/>
-                        <a:buSzTx/>
-                        <a:buFontTx/>
-                        <a:buNone/>
-                        <a:tabLst/>
-                        <a:defRPr/>
-                      </a:pPr>
-                      <a:r>
-                        <a:rPr kumimoji="1" lang="en-US" altLang="ja-JP" sz="1000" dirty="0" err="1" smtClean="0"/>
-                        <a:t>datetime</a:t>
-                      </a:r>
-                      <a:endParaRPr kumimoji="1" lang="ja-JP" altLang="en-US" sz="1000" dirty="0" smtClean="0"/>
-                    </a:p>
-                  </a:txBody>
-                  <a:tcPr/>
-                </a:tc>
-              </a:tr>
-            </a:tbl>
-          </a:graphicData>
-        </a:graphic>
-      </p:graphicFrame>
-      <p:graphicFrame>
-        <p:nvGraphicFramePr>
-          <p:cNvPr id="28" name="表 27"/>
-          <p:cNvGraphicFramePr>
-            <a:graphicFrameLocks noGrp="1"/>
-          </p:cNvGraphicFramePr>
-          <p:nvPr>
-            <p:extLst>
-              <p:ext uri="{D42A27DB-BD31-4B8C-83A1-F6EECF244321}">
-                <p14:modId xmlns:p14="http://schemas.microsoft.com/office/powerpoint/2010/main" val="2744209343"/>
-              </p:ext>
-            </p:extLst>
-          </p:nvPr>
-        </p:nvGraphicFramePr>
-        <p:xfrm>
-          <a:off x="6910295" y="3850661"/>
-          <a:ext cx="3227054" cy="1219200"/>
-        </p:xfrm>
-        <a:graphic>
-          <a:graphicData uri="http://schemas.openxmlformats.org/drawingml/2006/table">
-            <a:tbl>
-              <a:tblPr firstRow="1" bandRow="1">
-                <a:tableStyleId>{5C22544A-7EE6-4342-B048-85BDC9FD1C3A}</a:tableStyleId>
-              </a:tblPr>
-              <a:tblGrid>
-                <a:gridCol w="1613527"/>
-                <a:gridCol w="1613527"/>
-              </a:tblGrid>
-              <a:tr h="234698">
-                <a:tc gridSpan="2">
-                  <a:txBody>
-                    <a:bodyPr/>
-                    <a:lstStyle/>
-                    <a:p>
-                      <a:r>
-                        <a:rPr kumimoji="1" lang="en-US" altLang="ja-JP" sz="1000" dirty="0" smtClean="0"/>
-                        <a:t>&lt;</a:t>
-                      </a:r>
-                      <a:r>
-                        <a:rPr kumimoji="1" lang="en-US" altLang="ja-JP" sz="1000" dirty="0" err="1" smtClean="0"/>
-                        <a:t>attrs</a:t>
-                      </a:r>
-                      <a:r>
-                        <a:rPr kumimoji="1" lang="en-US" altLang="ja-JP" sz="1000" dirty="0" smtClean="0"/>
-                        <a:t>&gt;</a:t>
-                      </a:r>
-                      <a:endParaRPr kumimoji="1" lang="ja-JP" altLang="en-US" sz="1000" dirty="0"/>
-                    </a:p>
-                  </a:txBody>
-                  <a:tcPr>
-                    <a:solidFill>
-                      <a:schemeClr val="bg2">
-                        <a:lumMod val="75000"/>
-                      </a:schemeClr>
-                    </a:solidFill>
-                  </a:tcPr>
-                </a:tc>
-                <a:tc hMerge="1">
-                  <a:txBody>
-                    <a:bodyPr/>
-                    <a:lstStyle/>
-                    <a:p>
-                      <a:endParaRPr kumimoji="1" lang="ja-JP" altLang="en-US" dirty="0"/>
-                    </a:p>
-                  </a:txBody>
-                  <a:tcPr/>
-                </a:tc>
-              </a:tr>
-              <a:tr h="234698">
-                <a:tc>
-                  <a:txBody>
-                    <a:bodyPr/>
-                    <a:lstStyle/>
-                    <a:p>
-                      <a:r>
-                        <a:rPr kumimoji="1" lang="en-US" altLang="ja-JP" sz="1000" dirty="0" smtClean="0"/>
-                        <a:t>Id</a:t>
-                      </a:r>
-                      <a:endParaRPr kumimoji="1" lang="ja-JP" altLang="en-US" sz="1000" dirty="0"/>
-                    </a:p>
-                  </a:txBody>
-                  <a:tcPr/>
-                </a:tc>
-                <a:tc>
-                  <a:txBody>
-                    <a:bodyPr/>
-                    <a:lstStyle/>
-                    <a:p>
-                      <a:r>
-                        <a:rPr kumimoji="1" lang="en-US" altLang="ja-JP" sz="1000" dirty="0" err="1" smtClean="0"/>
-                        <a:t>Int</a:t>
-                      </a:r>
-                      <a:r>
-                        <a:rPr kumimoji="1" lang="en-US" altLang="ja-JP" sz="1000" dirty="0" smtClean="0"/>
-                        <a:t>/AI/</a:t>
-                      </a:r>
-                      <a:r>
-                        <a:rPr kumimoji="1" lang="en-US" altLang="ja-JP" sz="1000" dirty="0" err="1" smtClean="0"/>
-                        <a:t>pri</a:t>
-                      </a:r>
-                      <a:endParaRPr kumimoji="1" lang="ja-JP" altLang="en-US" sz="1000" dirty="0"/>
-                    </a:p>
-                  </a:txBody>
-                  <a:tcPr/>
-                </a:tc>
-              </a:tr>
-              <a:tr h="234698">
-                <a:tc>
-                  <a:txBody>
-                    <a:bodyPr/>
-                    <a:lstStyle/>
-                    <a:p>
-                      <a:r>
-                        <a:rPr kumimoji="1" lang="en-US" altLang="ja-JP" sz="1000" dirty="0" err="1" smtClean="0"/>
-                        <a:t>attr_type</a:t>
-                      </a:r>
-                      <a:endParaRPr kumimoji="1" lang="ja-JP" altLang="en-US" sz="1000" dirty="0"/>
-                    </a:p>
-                  </a:txBody>
-                  <a:tcPr/>
-                </a:tc>
-                <a:tc>
-                  <a:txBody>
-                    <a:bodyPr/>
-                    <a:lstStyle/>
-                    <a:p>
-                      <a:r>
-                        <a:rPr kumimoji="1" lang="en-US" altLang="ja-JP" sz="1000" dirty="0" smtClean="0"/>
-                        <a:t>Varchar(8)</a:t>
-                      </a:r>
-                      <a:endParaRPr kumimoji="1" lang="ja-JP" altLang="en-US" sz="1000" dirty="0"/>
-                    </a:p>
-                  </a:txBody>
-                  <a:tcPr/>
-                </a:tc>
-              </a:tr>
-              <a:tr h="234698">
-                <a:tc>
-                  <a:txBody>
-                    <a:bodyPr/>
-                    <a:lstStyle/>
-                    <a:p>
-                      <a:r>
-                        <a:rPr kumimoji="1" lang="en-US" altLang="ja-JP" sz="1000" dirty="0" smtClean="0"/>
-                        <a:t>Created</a:t>
-                      </a:r>
-                      <a:endParaRPr kumimoji="1" lang="ja-JP" altLang="en-US" sz="1000" dirty="0"/>
-                    </a:p>
-                  </a:txBody>
-                  <a:tcPr/>
-                </a:tc>
-                <a:tc>
-                  <a:txBody>
-                    <a:bodyPr/>
-                    <a:lstStyle/>
-                    <a:p>
-                      <a:r>
-                        <a:rPr kumimoji="1" lang="en-US" altLang="ja-JP" sz="1000" dirty="0" err="1" smtClean="0"/>
-                        <a:t>datetime</a:t>
-                      </a:r>
-                      <a:endParaRPr kumimoji="1" lang="ja-JP" altLang="en-US" sz="1000" dirty="0"/>
-                    </a:p>
-                  </a:txBody>
-                  <a:tcPr/>
-                </a:tc>
-              </a:tr>
-              <a:tr h="234698">
-                <a:tc>
-                  <a:txBody>
-                    <a:bodyPr/>
-                    <a:lstStyle/>
-                    <a:p>
-                      <a:r>
-                        <a:rPr kumimoji="1" lang="en-US" altLang="ja-JP" sz="1000" dirty="0" smtClean="0"/>
-                        <a:t>Modified</a:t>
-                      </a:r>
-                      <a:endParaRPr kumimoji="1" lang="ja-JP" altLang="en-US" sz="1000" dirty="0"/>
-                    </a:p>
-                  </a:txBody>
-                  <a:tcPr/>
-                </a:tc>
-                <a:tc>
-                  <a:txBody>
-                    <a:bodyPr/>
-                    <a:lstStyle/>
-                    <a:p>
-                      <a:pPr marL="0" marR="0" indent="0" algn="l" defTabSz="914400" rtl="0" eaLnBrk="1" fontAlgn="auto" latinLnBrk="0" hangingPunct="1">
-                        <a:lnSpc>
-                          <a:spcPct val="100000"/>
-                        </a:lnSpc>
-                        <a:spcBef>
-                          <a:spcPts val="0"/>
-                        </a:spcBef>
-                        <a:spcAft>
-                          <a:spcPts val="0"/>
-                        </a:spcAft>
-                        <a:buClrTx/>
-                        <a:buSzTx/>
-                        <a:buFontTx/>
-                        <a:buNone/>
-                        <a:tabLst/>
-                        <a:defRPr/>
-                      </a:pPr>
-                      <a:r>
-                        <a:rPr kumimoji="1" lang="en-US" altLang="ja-JP" sz="1000" dirty="0" err="1" smtClean="0"/>
-                        <a:t>datetime</a:t>
-                      </a:r>
-                      <a:endParaRPr kumimoji="1" lang="ja-JP" altLang="en-US" sz="1000" dirty="0" smtClean="0"/>
-                    </a:p>
-                  </a:txBody>
-                  <a:tcPr/>
-                </a:tc>
-              </a:tr>
-            </a:tbl>
-          </a:graphicData>
-        </a:graphic>
-      </p:graphicFrame>
-      <p:graphicFrame>
-        <p:nvGraphicFramePr>
-          <p:cNvPr id="29" name="表 28"/>
-          <p:cNvGraphicFramePr>
-            <a:graphicFrameLocks noGrp="1"/>
-          </p:cNvGraphicFramePr>
-          <p:nvPr>
-            <p:extLst>
-              <p:ext uri="{D42A27DB-BD31-4B8C-83A1-F6EECF244321}">
-                <p14:modId xmlns:p14="http://schemas.microsoft.com/office/powerpoint/2010/main" val="1616274284"/>
-              </p:ext>
-            </p:extLst>
-          </p:nvPr>
-        </p:nvGraphicFramePr>
-        <p:xfrm>
-          <a:off x="6910295" y="5301533"/>
-          <a:ext cx="3227054" cy="1219200"/>
-        </p:xfrm>
-        <a:graphic>
-          <a:graphicData uri="http://schemas.openxmlformats.org/drawingml/2006/table">
-            <a:tbl>
-              <a:tblPr firstRow="1" bandRow="1">
-                <a:tableStyleId>{5C22544A-7EE6-4342-B048-85BDC9FD1C3A}</a:tableStyleId>
-              </a:tblPr>
-              <a:tblGrid>
-                <a:gridCol w="1613527"/>
-                <a:gridCol w="1613527"/>
-              </a:tblGrid>
-              <a:tr h="234698">
-                <a:tc gridSpan="2">
-                  <a:txBody>
-                    <a:bodyPr/>
-                    <a:lstStyle/>
-                    <a:p>
-                      <a:r>
-                        <a:rPr kumimoji="1" lang="en-US" altLang="ja-JP" sz="1000" dirty="0" smtClean="0"/>
-                        <a:t>&lt;kinds&gt;</a:t>
-                      </a:r>
-                      <a:endParaRPr kumimoji="1" lang="ja-JP" altLang="en-US" sz="1000" dirty="0"/>
-                    </a:p>
-                  </a:txBody>
-                  <a:tcPr>
-                    <a:solidFill>
-                      <a:schemeClr val="bg2">
-                        <a:lumMod val="75000"/>
-                      </a:schemeClr>
-                    </a:solidFill>
-                  </a:tcPr>
-                </a:tc>
-                <a:tc hMerge="1">
-                  <a:txBody>
-                    <a:bodyPr/>
-                    <a:lstStyle/>
-                    <a:p>
-                      <a:endParaRPr kumimoji="1" lang="ja-JP" altLang="en-US" dirty="0"/>
-                    </a:p>
-                  </a:txBody>
-                  <a:tcPr/>
-                </a:tc>
-              </a:tr>
-              <a:tr h="234698">
-                <a:tc>
-                  <a:txBody>
-                    <a:bodyPr/>
-                    <a:lstStyle/>
-                    <a:p>
-                      <a:r>
-                        <a:rPr kumimoji="1" lang="en-US" altLang="ja-JP" sz="1000" dirty="0" smtClean="0"/>
-                        <a:t>Id</a:t>
-                      </a:r>
-                      <a:endParaRPr kumimoji="1" lang="ja-JP" altLang="en-US" sz="1000" dirty="0"/>
-                    </a:p>
-                  </a:txBody>
-                  <a:tcPr/>
-                </a:tc>
-                <a:tc>
-                  <a:txBody>
-                    <a:bodyPr/>
-                    <a:lstStyle/>
-                    <a:p>
-                      <a:r>
-                        <a:rPr kumimoji="1" lang="en-US" altLang="ja-JP" sz="1000" dirty="0" err="1" smtClean="0"/>
-                        <a:t>Int</a:t>
-                      </a:r>
-                      <a:r>
-                        <a:rPr kumimoji="1" lang="en-US" altLang="ja-JP" sz="1000" dirty="0" smtClean="0"/>
-                        <a:t>/AI/</a:t>
-                      </a:r>
-                      <a:r>
-                        <a:rPr kumimoji="1" lang="en-US" altLang="ja-JP" sz="1000" dirty="0" err="1" smtClean="0"/>
-                        <a:t>pri</a:t>
-                      </a:r>
-                      <a:endParaRPr kumimoji="1" lang="ja-JP" altLang="en-US" sz="1000" dirty="0"/>
-                    </a:p>
-                  </a:txBody>
-                  <a:tcPr/>
-                </a:tc>
-              </a:tr>
-              <a:tr h="234698">
-                <a:tc>
-                  <a:txBody>
-                    <a:bodyPr/>
-                    <a:lstStyle/>
-                    <a:p>
-                      <a:r>
-                        <a:rPr kumimoji="1" lang="en-US" altLang="ja-JP" sz="1000" dirty="0" err="1" smtClean="0"/>
-                        <a:t>kind_type</a:t>
-                      </a:r>
-                      <a:endParaRPr kumimoji="1" lang="ja-JP" altLang="en-US" sz="1000" dirty="0"/>
-                    </a:p>
-                  </a:txBody>
-                  <a:tcPr/>
-                </a:tc>
-                <a:tc>
-                  <a:txBody>
-                    <a:bodyPr/>
-                    <a:lstStyle/>
-                    <a:p>
-                      <a:r>
-                        <a:rPr kumimoji="1" lang="en-US" altLang="ja-JP" sz="1000" dirty="0" smtClean="0"/>
-                        <a:t>Varchar(32)</a:t>
-                      </a:r>
-                      <a:endParaRPr kumimoji="1" lang="ja-JP" altLang="en-US" sz="1000" dirty="0"/>
-                    </a:p>
-                  </a:txBody>
-                  <a:tcPr/>
-                </a:tc>
-              </a:tr>
-              <a:tr h="234698">
-                <a:tc>
-                  <a:txBody>
-                    <a:bodyPr/>
-                    <a:lstStyle/>
-                    <a:p>
-                      <a:r>
-                        <a:rPr kumimoji="1" lang="en-US" altLang="ja-JP" sz="1000" dirty="0" smtClean="0"/>
-                        <a:t>Created</a:t>
-                      </a:r>
-                      <a:endParaRPr kumimoji="1" lang="ja-JP" altLang="en-US" sz="1000" dirty="0"/>
-                    </a:p>
-                  </a:txBody>
-                  <a:tcPr/>
-                </a:tc>
-                <a:tc>
-                  <a:txBody>
-                    <a:bodyPr/>
-                    <a:lstStyle/>
-                    <a:p>
-                      <a:r>
-                        <a:rPr kumimoji="1" lang="en-US" altLang="ja-JP" sz="1000" dirty="0" err="1" smtClean="0"/>
-                        <a:t>datetime</a:t>
-                      </a:r>
-                      <a:endParaRPr kumimoji="1" lang="ja-JP" altLang="en-US" sz="1000" dirty="0"/>
-                    </a:p>
-                  </a:txBody>
-                  <a:tcPr/>
-                </a:tc>
-              </a:tr>
-              <a:tr h="234698">
-                <a:tc>
-                  <a:txBody>
-                    <a:bodyPr/>
-                    <a:lstStyle/>
-                    <a:p>
-                      <a:r>
-                        <a:rPr kumimoji="1" lang="en-US" altLang="ja-JP" sz="1000" dirty="0" smtClean="0"/>
-                        <a:t>Modified</a:t>
-                      </a:r>
-                      <a:endParaRPr kumimoji="1" lang="ja-JP" altLang="en-US" sz="1000" dirty="0"/>
-                    </a:p>
-                  </a:txBody>
-                  <a:tcPr/>
-                </a:tc>
-                <a:tc>
-                  <a:txBody>
-                    <a:bodyPr/>
-                    <a:lstStyle/>
-                    <a:p>
-                      <a:pPr marL="0" marR="0" indent="0" algn="l" defTabSz="914400" rtl="0" eaLnBrk="1" fontAlgn="auto" latinLnBrk="0" hangingPunct="1">
-                        <a:lnSpc>
-                          <a:spcPct val="100000"/>
-                        </a:lnSpc>
-                        <a:spcBef>
-                          <a:spcPts val="0"/>
-                        </a:spcBef>
-                        <a:spcAft>
-                          <a:spcPts val="0"/>
-                        </a:spcAft>
-                        <a:buClrTx/>
-                        <a:buSzTx/>
-                        <a:buFontTx/>
-                        <a:buNone/>
-                        <a:tabLst/>
-                        <a:defRPr/>
-                      </a:pPr>
-                      <a:r>
-                        <a:rPr kumimoji="1" lang="en-US" altLang="ja-JP" sz="1000" dirty="0" err="1" smtClean="0"/>
-                        <a:t>datetime</a:t>
-                      </a:r>
-                      <a:endParaRPr kumimoji="1" lang="ja-JP" altLang="en-US" sz="1000" dirty="0" smtClean="0"/>
-                    </a:p>
-                  </a:txBody>
-                  <a:tcPr/>
-                </a:tc>
-              </a:tr>
-            </a:tbl>
-          </a:graphicData>
-        </a:graphic>
-      </p:graphicFrame>
     </p:spTree>
     <p:extLst>
       <p:ext uri="{BB962C8B-B14F-4D97-AF65-F5344CB8AC3E}">
-        <p14:creationId xmlns:p14="http://schemas.microsoft.com/office/powerpoint/2010/main" val="2135604538"/>
+        <p14:creationId xmlns:p14="http://schemas.microsoft.com/office/powerpoint/2010/main" val="2605389808"/>
       </p:ext>
     </p:extLst>
   </p:cSld>
@@ -5897,7 +4468,7 @@
 </p:sld>
 </file>
 
-<file path=ppt/slides/slide5.xml><?xml version="1.0" encoding="utf-8"?>
+<file path=ppt/slides/slide4.xml><?xml version="1.0" encoding="utf-8"?>
 <p:sld xmlns:a="http://schemas.openxmlformats.org/drawingml/2006/main" xmlns:r="http://schemas.openxmlformats.org/officeDocument/2006/relationships" xmlns:p="http://schemas.openxmlformats.org/presentationml/2006/main">
   <p:cSld>
     <p:spTree>

--- a/設計資料.pptx
+++ b/設計資料.pptx
@@ -1,3 +1,119 @@
+
+<file path=ppt/presentation.xml><?xml version="1.0" encoding="utf-8"?>
+<p:presentation xmlns:a="http://schemas.openxmlformats.org/drawingml/2006/main" xmlns:r="http://schemas.openxmlformats.org/officeDocument/2006/relationships" xmlns:p="http://schemas.openxmlformats.org/presentationml/2006/main" saveSubsetFonts="1">
+  <p:sldMasterIdLst>
+    <p:sldMasterId id="2147483648" r:id="rId1"/>
+  </p:sldMasterIdLst>
+  <p:sldIdLst>
+    <p:sldId id="256" r:id="rId2"/>
+    <p:sldId id="262" r:id="rId3"/>
+    <p:sldId id="257" r:id="rId4"/>
+    <p:sldId id="259" r:id="rId5"/>
+  </p:sldIdLst>
+  <p:sldSz cx="12192000" cy="6858000"/>
+  <p:notesSz cx="6858000" cy="9144000"/>
+  <p:defaultTextStyle>
+    <a:defPPr>
+      <a:defRPr lang="ja-JP"/>
+    </a:defPPr>
+    <a:lvl1pPr marL="0" algn="l" defTabSz="914400" rtl="0" eaLnBrk="1" latinLnBrk="0" hangingPunct="1">
+      <a:defRPr kumimoji="1" sz="1800" kern="1200">
+        <a:solidFill>
+          <a:schemeClr val="tx1"/>
+        </a:solidFill>
+        <a:latin typeface="+mn-lt"/>
+        <a:ea typeface="+mn-ea"/>
+        <a:cs typeface="+mn-cs"/>
+      </a:defRPr>
+    </a:lvl1pPr>
+    <a:lvl2pPr marL="457200" algn="l" defTabSz="914400" rtl="0" eaLnBrk="1" latinLnBrk="0" hangingPunct="1">
+      <a:defRPr kumimoji="1" sz="1800" kern="1200">
+        <a:solidFill>
+          <a:schemeClr val="tx1"/>
+        </a:solidFill>
+        <a:latin typeface="+mn-lt"/>
+        <a:ea typeface="+mn-ea"/>
+        <a:cs typeface="+mn-cs"/>
+      </a:defRPr>
+    </a:lvl2pPr>
+    <a:lvl3pPr marL="914400" algn="l" defTabSz="914400" rtl="0" eaLnBrk="1" latinLnBrk="0" hangingPunct="1">
+      <a:defRPr kumimoji="1" sz="1800" kern="1200">
+        <a:solidFill>
+          <a:schemeClr val="tx1"/>
+        </a:solidFill>
+        <a:latin typeface="+mn-lt"/>
+        <a:ea typeface="+mn-ea"/>
+        <a:cs typeface="+mn-cs"/>
+      </a:defRPr>
+    </a:lvl3pPr>
+    <a:lvl4pPr marL="1371600" algn="l" defTabSz="914400" rtl="0" eaLnBrk="1" latinLnBrk="0" hangingPunct="1">
+      <a:defRPr kumimoji="1" sz="1800" kern="1200">
+        <a:solidFill>
+          <a:schemeClr val="tx1"/>
+        </a:solidFill>
+        <a:latin typeface="+mn-lt"/>
+        <a:ea typeface="+mn-ea"/>
+        <a:cs typeface="+mn-cs"/>
+      </a:defRPr>
+    </a:lvl4pPr>
+    <a:lvl5pPr marL="1828800" algn="l" defTabSz="914400" rtl="0" eaLnBrk="1" latinLnBrk="0" hangingPunct="1">
+      <a:defRPr kumimoji="1" sz="1800" kern="1200">
+        <a:solidFill>
+          <a:schemeClr val="tx1"/>
+        </a:solidFill>
+        <a:latin typeface="+mn-lt"/>
+        <a:ea typeface="+mn-ea"/>
+        <a:cs typeface="+mn-cs"/>
+      </a:defRPr>
+    </a:lvl5pPr>
+    <a:lvl6pPr marL="2286000" algn="l" defTabSz="914400" rtl="0" eaLnBrk="1" latinLnBrk="0" hangingPunct="1">
+      <a:defRPr kumimoji="1" sz="1800" kern="1200">
+        <a:solidFill>
+          <a:schemeClr val="tx1"/>
+        </a:solidFill>
+        <a:latin typeface="+mn-lt"/>
+        <a:ea typeface="+mn-ea"/>
+        <a:cs typeface="+mn-cs"/>
+      </a:defRPr>
+    </a:lvl6pPr>
+    <a:lvl7pPr marL="2743200" algn="l" defTabSz="914400" rtl="0" eaLnBrk="1" latinLnBrk="0" hangingPunct="1">
+      <a:defRPr kumimoji="1" sz="1800" kern="1200">
+        <a:solidFill>
+          <a:schemeClr val="tx1"/>
+        </a:solidFill>
+        <a:latin typeface="+mn-lt"/>
+        <a:ea typeface="+mn-ea"/>
+        <a:cs typeface="+mn-cs"/>
+      </a:defRPr>
+    </a:lvl7pPr>
+    <a:lvl8pPr marL="3200400" algn="l" defTabSz="914400" rtl="0" eaLnBrk="1" latinLnBrk="0" hangingPunct="1">
+      <a:defRPr kumimoji="1" sz="1800" kern="1200">
+        <a:solidFill>
+          <a:schemeClr val="tx1"/>
+        </a:solidFill>
+        <a:latin typeface="+mn-lt"/>
+        <a:ea typeface="+mn-ea"/>
+        <a:cs typeface="+mn-cs"/>
+      </a:defRPr>
+    </a:lvl8pPr>
+    <a:lvl9pPr marL="3657600" algn="l" defTabSz="914400" rtl="0" eaLnBrk="1" latinLnBrk="0" hangingPunct="1">
+      <a:defRPr kumimoji="1" sz="1800" kern="1200">
+        <a:solidFill>
+          <a:schemeClr val="tx1"/>
+        </a:solidFill>
+        <a:latin typeface="+mn-lt"/>
+        <a:ea typeface="+mn-ea"/>
+        <a:cs typeface="+mn-cs"/>
+      </a:defRPr>
+    </a:lvl9pPr>
+  </p:defaultTextStyle>
+  <p:extLst>
+    <p:ext uri="{EFAFB233-063F-42B5-8137-9DF3F51BA10A}">
+      <p15:sldGuideLst xmlns:p15="http://schemas.microsoft.com/office/powerpoint/2012/main"/>
+    </p:ext>
+  </p:extLst>
+</p:presentation>
+</file>
 
 <file path=ppt/slideLayouts/slideLayout1.xml><?xml version="1.0" encoding="utf-8"?>
 <p:sldLayout xmlns:a="http://schemas.openxmlformats.org/drawingml/2006/main" xmlns:r="http://schemas.openxmlformats.org/officeDocument/2006/relationships" xmlns:p="http://schemas.openxmlformats.org/presentationml/2006/main" type="title" preserve="1">
@@ -130,7 +246,7 @@
           <a:p>
             <a:fld id="{6D5AE416-A1F7-4A45-86C7-F92E55601727}" type="datetimeFigureOut">
               <a:rPr kumimoji="1" lang="ja-JP" altLang="en-US" smtClean="0"/>
-              <a:t>2016/1/20</a:t>
+              <a:t>2016/1/21</a:t>
             </a:fld>
             <a:endParaRPr kumimoji="1" lang="ja-JP" altLang="en-US"/>
           </a:p>
@@ -332,7 +448,7 @@
           <a:p>
             <a:fld id="{6D5AE416-A1F7-4A45-86C7-F92E55601727}" type="datetimeFigureOut">
               <a:rPr kumimoji="1" lang="ja-JP" altLang="en-US" smtClean="0"/>
-              <a:t>2016/1/20</a:t>
+              <a:t>2016/1/21</a:t>
             </a:fld>
             <a:endParaRPr kumimoji="1" lang="ja-JP" altLang="en-US"/>
           </a:p>
@@ -544,7 +660,7 @@
           <a:p>
             <a:fld id="{6D5AE416-A1F7-4A45-86C7-F92E55601727}" type="datetimeFigureOut">
               <a:rPr kumimoji="1" lang="ja-JP" altLang="en-US" smtClean="0"/>
-              <a:t>2016/1/20</a:t>
+              <a:t>2016/1/21</a:t>
             </a:fld>
             <a:endParaRPr kumimoji="1" lang="ja-JP" altLang="en-US"/>
           </a:p>
@@ -746,7 +862,7 @@
           <a:p>
             <a:fld id="{6D5AE416-A1F7-4A45-86C7-F92E55601727}" type="datetimeFigureOut">
               <a:rPr kumimoji="1" lang="ja-JP" altLang="en-US" smtClean="0"/>
-              <a:t>2016/1/20</a:t>
+              <a:t>2016/1/21</a:t>
             </a:fld>
             <a:endParaRPr kumimoji="1" lang="ja-JP" altLang="en-US"/>
           </a:p>
@@ -992,7 +1108,7 @@
           <a:p>
             <a:fld id="{6D5AE416-A1F7-4A45-86C7-F92E55601727}" type="datetimeFigureOut">
               <a:rPr kumimoji="1" lang="ja-JP" altLang="en-US" smtClean="0"/>
-              <a:t>2016/1/20</a:t>
+              <a:t>2016/1/21</a:t>
             </a:fld>
             <a:endParaRPr kumimoji="1" lang="ja-JP" altLang="en-US"/>
           </a:p>
@@ -1288,7 +1404,7 @@
           <a:p>
             <a:fld id="{6D5AE416-A1F7-4A45-86C7-F92E55601727}" type="datetimeFigureOut">
               <a:rPr kumimoji="1" lang="ja-JP" altLang="en-US" smtClean="0"/>
-              <a:t>2016/1/20</a:t>
+              <a:t>2016/1/21</a:t>
             </a:fld>
             <a:endParaRPr kumimoji="1" lang="ja-JP" altLang="en-US"/>
           </a:p>
@@ -1719,7 +1835,7 @@
           <a:p>
             <a:fld id="{6D5AE416-A1F7-4A45-86C7-F92E55601727}" type="datetimeFigureOut">
               <a:rPr kumimoji="1" lang="ja-JP" altLang="en-US" smtClean="0"/>
-              <a:t>2016/1/20</a:t>
+              <a:t>2016/1/21</a:t>
             </a:fld>
             <a:endParaRPr kumimoji="1" lang="ja-JP" altLang="en-US"/>
           </a:p>
@@ -1837,7 +1953,7 @@
           <a:p>
             <a:fld id="{6D5AE416-A1F7-4A45-86C7-F92E55601727}" type="datetimeFigureOut">
               <a:rPr kumimoji="1" lang="ja-JP" altLang="en-US" smtClean="0"/>
-              <a:t>2016/1/20</a:t>
+              <a:t>2016/1/21</a:t>
             </a:fld>
             <a:endParaRPr kumimoji="1" lang="ja-JP" altLang="en-US"/>
           </a:p>
@@ -1932,7 +2048,7 @@
           <a:p>
             <a:fld id="{6D5AE416-A1F7-4A45-86C7-F92E55601727}" type="datetimeFigureOut">
               <a:rPr kumimoji="1" lang="ja-JP" altLang="en-US" smtClean="0"/>
-              <a:t>2016/1/20</a:t>
+              <a:t>2016/1/21</a:t>
             </a:fld>
             <a:endParaRPr kumimoji="1" lang="ja-JP" altLang="en-US"/>
           </a:p>
@@ -2241,7 +2357,7 @@
           <a:p>
             <a:fld id="{6D5AE416-A1F7-4A45-86C7-F92E55601727}" type="datetimeFigureOut">
               <a:rPr kumimoji="1" lang="ja-JP" altLang="en-US" smtClean="0"/>
-              <a:t>2016/1/20</a:t>
+              <a:t>2016/1/21</a:t>
             </a:fld>
             <a:endParaRPr kumimoji="1" lang="ja-JP" altLang="en-US"/>
           </a:p>
@@ -2494,7 +2610,7 @@
           <a:p>
             <a:fld id="{6D5AE416-A1F7-4A45-86C7-F92E55601727}" type="datetimeFigureOut">
               <a:rPr kumimoji="1" lang="ja-JP" altLang="en-US" smtClean="0"/>
-              <a:t>2016/1/20</a:t>
+              <a:t>2016/1/21</a:t>
             </a:fld>
             <a:endParaRPr kumimoji="1" lang="ja-JP" altLang="en-US"/>
           </a:p>
@@ -2739,7 +2855,7 @@
           <a:p>
             <a:fld id="{6D5AE416-A1F7-4A45-86C7-F92E55601727}" type="datetimeFigureOut">
               <a:rPr kumimoji="1" lang="ja-JP" altLang="en-US" smtClean="0"/>
-              <a:t>2016/1/20</a:t>
+              <a:t>2016/1/21</a:t>
             </a:fld>
             <a:endParaRPr kumimoji="1" lang="ja-JP" altLang="en-US"/>
           </a:p>
@@ -3311,7 +3427,780 @@
 </p:sld>
 </file>
 
-<file path=ppt/slides/slide4.xml><?xml version="1.0" encoding="utf-8"?>
+<file path=ppt/slides/slide2.xml><?xml version="1.0" encoding="utf-8"?>
+<p:sld xmlns:a="http://schemas.openxmlformats.org/drawingml/2006/main" xmlns:r="http://schemas.openxmlformats.org/officeDocument/2006/relationships" xmlns:p="http://schemas.openxmlformats.org/presentationml/2006/main">
+  <p:cSld>
+    <p:spTree>
+      <p:nvGrpSpPr>
+        <p:cNvPr id="1" name=""/>
+        <p:cNvGrpSpPr/>
+        <p:nvPr/>
+      </p:nvGrpSpPr>
+      <p:grpSpPr>
+        <a:xfrm>
+          <a:off x="0" y="0"/>
+          <a:ext cx="0" cy="0"/>
+          <a:chOff x="0" y="0"/>
+          <a:chExt cx="0" cy="0"/>
+        </a:xfrm>
+      </p:grpSpPr>
+      <p:sp>
+        <p:nvSpPr>
+          <p:cNvPr id="7" name="テキスト ボックス 6"/>
+          <p:cNvSpPr txBox="1"/>
+          <p:nvPr/>
+        </p:nvSpPr>
+        <p:spPr>
+          <a:xfrm>
+            <a:off x="0" y="0"/>
+            <a:ext cx="12192000" cy="369332"/>
+          </a:xfrm>
+          <a:prstGeom prst="rect">
+            <a:avLst/>
+          </a:prstGeom>
+          <a:solidFill>
+            <a:schemeClr val="accent6"/>
+          </a:solidFill>
+        </p:spPr>
+        <p:txBody>
+          <a:bodyPr wrap="square" rtlCol="0">
+            <a:spAutoFit/>
+          </a:bodyPr>
+          <a:lstStyle/>
+          <a:p>
+            <a:r>
+              <a:rPr kumimoji="1" lang="ja-JP" altLang="en-US" dirty="0" smtClean="0"/>
+              <a:t>スケジュール</a:t>
+            </a:r>
+            <a:endParaRPr kumimoji="1" lang="en-US" altLang="ja-JP" dirty="0" smtClean="0"/>
+          </a:p>
+        </p:txBody>
+      </p:sp>
+      <p:graphicFrame>
+        <p:nvGraphicFramePr>
+          <p:cNvPr id="2" name="表 1"/>
+          <p:cNvGraphicFramePr>
+            <a:graphicFrameLocks noGrp="1"/>
+          </p:cNvGraphicFramePr>
+          <p:nvPr>
+            <p:extLst>
+              <p:ext uri="{D42A27DB-BD31-4B8C-83A1-F6EECF244321}">
+                <p14:modId xmlns:p14="http://schemas.microsoft.com/office/powerpoint/2010/main" val="1485504008"/>
+              </p:ext>
+            </p:extLst>
+          </p:nvPr>
+        </p:nvGraphicFramePr>
+        <p:xfrm>
+          <a:off x="1735908" y="946090"/>
+          <a:ext cx="8128000" cy="1285240"/>
+        </p:xfrm>
+        <a:graphic>
+          <a:graphicData uri="http://schemas.openxmlformats.org/drawingml/2006/table">
+            <a:tbl>
+              <a:tblPr firstRow="1" bandRow="1">
+                <a:tableStyleId>{5C22544A-7EE6-4342-B048-85BDC9FD1C3A}</a:tableStyleId>
+              </a:tblPr>
+              <a:tblGrid>
+                <a:gridCol w="1625600"/>
+                <a:gridCol w="1625600"/>
+                <a:gridCol w="1625600"/>
+                <a:gridCol w="1625600"/>
+                <a:gridCol w="1625600"/>
+              </a:tblGrid>
+              <a:tr h="370840">
+                <a:tc>
+                  <a:txBody>
+                    <a:bodyPr/>
+                    <a:lstStyle/>
+                    <a:p>
+                      <a:pPr marL="0" marR="0" indent="0" algn="l" defTabSz="914400" rtl="0" eaLnBrk="1" fontAlgn="auto" latinLnBrk="0" hangingPunct="1">
+                        <a:lnSpc>
+                          <a:spcPct val="100000"/>
+                        </a:lnSpc>
+                        <a:spcBef>
+                          <a:spcPts val="0"/>
+                        </a:spcBef>
+                        <a:spcAft>
+                          <a:spcPts val="0"/>
+                        </a:spcAft>
+                        <a:buClrTx/>
+                        <a:buSzTx/>
+                        <a:buFontTx/>
+                        <a:buNone/>
+                        <a:tabLst/>
+                        <a:defRPr/>
+                      </a:pPr>
+                      <a:r>
+                        <a:rPr kumimoji="1" lang="ja-JP" altLang="en-US" dirty="0" smtClean="0"/>
+                        <a:t>１日目（火）</a:t>
+                      </a:r>
+                    </a:p>
+                  </a:txBody>
+                  <a:tcPr/>
+                </a:tc>
+                <a:tc>
+                  <a:txBody>
+                    <a:bodyPr/>
+                    <a:lstStyle/>
+                    <a:p>
+                      <a:pPr marL="0" marR="0" indent="0" algn="l" defTabSz="914400" rtl="0" eaLnBrk="1" fontAlgn="auto" latinLnBrk="0" hangingPunct="1">
+                        <a:lnSpc>
+                          <a:spcPct val="100000"/>
+                        </a:lnSpc>
+                        <a:spcBef>
+                          <a:spcPts val="0"/>
+                        </a:spcBef>
+                        <a:spcAft>
+                          <a:spcPts val="0"/>
+                        </a:spcAft>
+                        <a:buClrTx/>
+                        <a:buSzTx/>
+                        <a:buFontTx/>
+                        <a:buNone/>
+                        <a:tabLst/>
+                        <a:defRPr/>
+                      </a:pPr>
+                      <a:r>
+                        <a:rPr kumimoji="1" lang="en-US" altLang="ja-JP" dirty="0" smtClean="0"/>
+                        <a:t>2</a:t>
+                      </a:r>
+                      <a:r>
+                        <a:rPr kumimoji="1" lang="ja-JP" altLang="en-US" dirty="0" smtClean="0"/>
+                        <a:t>日目（水）</a:t>
+                      </a:r>
+                    </a:p>
+                  </a:txBody>
+                  <a:tcPr/>
+                </a:tc>
+                <a:tc>
+                  <a:txBody>
+                    <a:bodyPr/>
+                    <a:lstStyle/>
+                    <a:p>
+                      <a:pPr marL="0" marR="0" indent="0" algn="l" defTabSz="914400" rtl="0" eaLnBrk="1" fontAlgn="auto" latinLnBrk="0" hangingPunct="1">
+                        <a:lnSpc>
+                          <a:spcPct val="100000"/>
+                        </a:lnSpc>
+                        <a:spcBef>
+                          <a:spcPts val="0"/>
+                        </a:spcBef>
+                        <a:spcAft>
+                          <a:spcPts val="0"/>
+                        </a:spcAft>
+                        <a:buClrTx/>
+                        <a:buSzTx/>
+                        <a:buFontTx/>
+                        <a:buNone/>
+                        <a:tabLst/>
+                        <a:defRPr/>
+                      </a:pPr>
+                      <a:r>
+                        <a:rPr kumimoji="1" lang="en-US" altLang="ja-JP" dirty="0" smtClean="0"/>
+                        <a:t>3</a:t>
+                      </a:r>
+                      <a:r>
+                        <a:rPr kumimoji="1" lang="ja-JP" altLang="en-US" dirty="0" smtClean="0"/>
+                        <a:t>日目（木）</a:t>
+                      </a:r>
+                    </a:p>
+                  </a:txBody>
+                  <a:tcPr/>
+                </a:tc>
+                <a:tc>
+                  <a:txBody>
+                    <a:bodyPr/>
+                    <a:lstStyle/>
+                    <a:p>
+                      <a:pPr marL="0" marR="0" indent="0" algn="l" defTabSz="914400" rtl="0" eaLnBrk="1" fontAlgn="auto" latinLnBrk="0" hangingPunct="1">
+                        <a:lnSpc>
+                          <a:spcPct val="100000"/>
+                        </a:lnSpc>
+                        <a:spcBef>
+                          <a:spcPts val="0"/>
+                        </a:spcBef>
+                        <a:spcAft>
+                          <a:spcPts val="0"/>
+                        </a:spcAft>
+                        <a:buClrTx/>
+                        <a:buSzTx/>
+                        <a:buFontTx/>
+                        <a:buNone/>
+                        <a:tabLst/>
+                        <a:defRPr/>
+                      </a:pPr>
+                      <a:r>
+                        <a:rPr kumimoji="1" lang="en-US" altLang="ja-JP" dirty="0" smtClean="0"/>
+                        <a:t>4</a:t>
+                      </a:r>
+                      <a:r>
+                        <a:rPr kumimoji="1" lang="ja-JP" altLang="en-US" dirty="0" smtClean="0"/>
+                        <a:t>日目（金）</a:t>
+                      </a:r>
+                    </a:p>
+                  </a:txBody>
+                  <a:tcPr/>
+                </a:tc>
+                <a:tc>
+                  <a:txBody>
+                    <a:bodyPr/>
+                    <a:lstStyle/>
+                    <a:p>
+                      <a:pPr marL="0" marR="0" indent="0" algn="l" defTabSz="914400" rtl="0" eaLnBrk="1" fontAlgn="auto" latinLnBrk="0" hangingPunct="1">
+                        <a:lnSpc>
+                          <a:spcPct val="100000"/>
+                        </a:lnSpc>
+                        <a:spcBef>
+                          <a:spcPts val="0"/>
+                        </a:spcBef>
+                        <a:spcAft>
+                          <a:spcPts val="0"/>
+                        </a:spcAft>
+                        <a:buClrTx/>
+                        <a:buSzTx/>
+                        <a:buFontTx/>
+                        <a:buNone/>
+                        <a:tabLst/>
+                        <a:defRPr/>
+                      </a:pPr>
+                      <a:r>
+                        <a:rPr kumimoji="1" lang="en-US" altLang="ja-JP" dirty="0" smtClean="0"/>
+                        <a:t>5</a:t>
+                      </a:r>
+                      <a:r>
+                        <a:rPr kumimoji="1" lang="ja-JP" altLang="en-US" dirty="0" smtClean="0"/>
+                        <a:t>日目（土）</a:t>
+                      </a:r>
+                    </a:p>
+                  </a:txBody>
+                  <a:tcPr/>
+                </a:tc>
+              </a:tr>
+              <a:tr h="370840">
+                <a:tc>
+                  <a:txBody>
+                    <a:bodyPr/>
+                    <a:lstStyle/>
+                    <a:p>
+                      <a:r>
+                        <a:rPr kumimoji="1" lang="ja-JP" altLang="en-US" dirty="0" smtClean="0"/>
+                        <a:t>・</a:t>
+                      </a:r>
+                      <a:r>
+                        <a:rPr kumimoji="1" lang="en-US" altLang="ja-JP" dirty="0" smtClean="0"/>
+                        <a:t>PC</a:t>
+                      </a:r>
+                      <a:r>
+                        <a:rPr kumimoji="1" lang="ja-JP" altLang="en-US" dirty="0" smtClean="0"/>
+                        <a:t>設定</a:t>
+                      </a:r>
+                      <a:endParaRPr kumimoji="1" lang="en-US" altLang="ja-JP" dirty="0" smtClean="0"/>
+                    </a:p>
+                    <a:p>
+                      <a:r>
+                        <a:rPr kumimoji="1" lang="ja-JP" altLang="en-US" dirty="0" smtClean="0"/>
+                        <a:t>・制作設計</a:t>
+                      </a:r>
+                      <a:endParaRPr kumimoji="1" lang="en-US" altLang="ja-JP" dirty="0" smtClean="0"/>
+                    </a:p>
+                    <a:p>
+                      <a:r>
+                        <a:rPr kumimoji="1" lang="ja-JP" altLang="en-US" dirty="0" smtClean="0"/>
+                        <a:t>・役割分担</a:t>
+                      </a:r>
+                      <a:endParaRPr kumimoji="1" lang="ja-JP" altLang="en-US" dirty="0"/>
+                    </a:p>
+                  </a:txBody>
+                  <a:tcPr/>
+                </a:tc>
+                <a:tc>
+                  <a:txBody>
+                    <a:bodyPr/>
+                    <a:lstStyle/>
+                    <a:p>
+                      <a:r>
+                        <a:rPr kumimoji="1" lang="ja-JP" altLang="en-US" dirty="0" smtClean="0"/>
+                        <a:t>・制作</a:t>
+                      </a:r>
+                      <a:endParaRPr kumimoji="1" lang="ja-JP" altLang="en-US" dirty="0"/>
+                    </a:p>
+                  </a:txBody>
+                  <a:tcPr/>
+                </a:tc>
+                <a:tc>
+                  <a:txBody>
+                    <a:bodyPr/>
+                    <a:lstStyle/>
+                    <a:p>
+                      <a:r>
+                        <a:rPr kumimoji="1" lang="ja-JP" altLang="en-US" dirty="0" smtClean="0"/>
+                        <a:t>・制作</a:t>
+                      </a:r>
+                      <a:endParaRPr kumimoji="1" lang="ja-JP" altLang="en-US" dirty="0"/>
+                    </a:p>
+                  </a:txBody>
+                  <a:tcPr/>
+                </a:tc>
+                <a:tc>
+                  <a:txBody>
+                    <a:bodyPr/>
+                    <a:lstStyle/>
+                    <a:p>
+                      <a:r>
+                        <a:rPr kumimoji="1" lang="ja-JP" altLang="en-US" dirty="0" smtClean="0"/>
+                        <a:t>・制作</a:t>
+                      </a:r>
+                      <a:endParaRPr kumimoji="1" lang="ja-JP" altLang="en-US" dirty="0"/>
+                    </a:p>
+                  </a:txBody>
+                  <a:tcPr/>
+                </a:tc>
+                <a:tc>
+                  <a:txBody>
+                    <a:bodyPr/>
+                    <a:lstStyle/>
+                    <a:p>
+                      <a:r>
+                        <a:rPr kumimoji="1" lang="ja-JP" altLang="en-US" dirty="0" smtClean="0"/>
+                        <a:t>・発表準備</a:t>
+                      </a:r>
+                      <a:endParaRPr kumimoji="1" lang="en-US" altLang="ja-JP" dirty="0" smtClean="0"/>
+                    </a:p>
+                    <a:p>
+                      <a:r>
+                        <a:rPr kumimoji="1" lang="ja-JP" altLang="en-US" dirty="0" smtClean="0"/>
+                        <a:t>・発表</a:t>
+                      </a:r>
+                      <a:endParaRPr kumimoji="1" lang="ja-JP" altLang="en-US" dirty="0"/>
+                    </a:p>
+                  </a:txBody>
+                  <a:tcPr/>
+                </a:tc>
+              </a:tr>
+            </a:tbl>
+          </a:graphicData>
+        </a:graphic>
+      </p:graphicFrame>
+      <p:sp>
+        <p:nvSpPr>
+          <p:cNvPr id="14" name="テキスト ボックス 13"/>
+          <p:cNvSpPr txBox="1"/>
+          <p:nvPr/>
+        </p:nvSpPr>
+        <p:spPr>
+          <a:xfrm>
+            <a:off x="254412" y="3374570"/>
+            <a:ext cx="1481496" cy="369332"/>
+          </a:xfrm>
+          <a:prstGeom prst="rect">
+            <a:avLst/>
+          </a:prstGeom>
+          <a:noFill/>
+        </p:spPr>
+        <p:txBody>
+          <a:bodyPr wrap="none" rtlCol="0">
+            <a:spAutoFit/>
+          </a:bodyPr>
+          <a:lstStyle/>
+          <a:p>
+            <a:r>
+              <a:rPr lang="ja-JP" altLang="en-US" dirty="0" smtClean="0"/>
+              <a:t>担当内容メモ</a:t>
+            </a:r>
+            <a:endParaRPr kumimoji="1" lang="en-US" altLang="ja-JP" dirty="0" smtClean="0"/>
+          </a:p>
+        </p:txBody>
+      </p:sp>
+      <p:graphicFrame>
+        <p:nvGraphicFramePr>
+          <p:cNvPr id="3" name="表 2"/>
+          <p:cNvGraphicFramePr>
+            <a:graphicFrameLocks noGrp="1"/>
+          </p:cNvGraphicFramePr>
+          <p:nvPr>
+            <p:extLst>
+              <p:ext uri="{D42A27DB-BD31-4B8C-83A1-F6EECF244321}">
+                <p14:modId xmlns:p14="http://schemas.microsoft.com/office/powerpoint/2010/main" val="3287496907"/>
+              </p:ext>
+            </p:extLst>
+          </p:nvPr>
+        </p:nvGraphicFramePr>
+        <p:xfrm>
+          <a:off x="1735908" y="3931151"/>
+          <a:ext cx="8128000" cy="2108200"/>
+        </p:xfrm>
+        <a:graphic>
+          <a:graphicData uri="http://schemas.openxmlformats.org/drawingml/2006/table">
+            <a:tbl>
+              <a:tblPr firstRow="1" bandRow="1">
+                <a:tableStyleId>{5C22544A-7EE6-4342-B048-85BDC9FD1C3A}</a:tableStyleId>
+              </a:tblPr>
+              <a:tblGrid>
+                <a:gridCol w="2032000"/>
+                <a:gridCol w="2032000"/>
+                <a:gridCol w="2032000"/>
+                <a:gridCol w="2032000"/>
+              </a:tblGrid>
+              <a:tr h="370840">
+                <a:tc>
+                  <a:txBody>
+                    <a:bodyPr/>
+                    <a:lstStyle/>
+                    <a:p>
+                      <a:r>
+                        <a:rPr kumimoji="1" lang="ja-JP" altLang="en-US" dirty="0" smtClean="0"/>
+                        <a:t>斎藤</a:t>
+                      </a:r>
+                      <a:endParaRPr kumimoji="1" lang="ja-JP" altLang="en-US" dirty="0"/>
+                    </a:p>
+                  </a:txBody>
+                  <a:tcPr>
+                    <a:solidFill>
+                      <a:schemeClr val="accent3"/>
+                    </a:solidFill>
+                  </a:tcPr>
+                </a:tc>
+                <a:tc>
+                  <a:txBody>
+                    <a:bodyPr/>
+                    <a:lstStyle/>
+                    <a:p>
+                      <a:r>
+                        <a:rPr kumimoji="1" lang="ja-JP" altLang="en-US" dirty="0" smtClean="0"/>
+                        <a:t>岩崎</a:t>
+                      </a:r>
+                      <a:endParaRPr kumimoji="1" lang="ja-JP" altLang="en-US" dirty="0"/>
+                    </a:p>
+                  </a:txBody>
+                  <a:tcPr>
+                    <a:solidFill>
+                      <a:schemeClr val="accent3"/>
+                    </a:solidFill>
+                  </a:tcPr>
+                </a:tc>
+                <a:tc>
+                  <a:txBody>
+                    <a:bodyPr/>
+                    <a:lstStyle/>
+                    <a:p>
+                      <a:r>
+                        <a:rPr kumimoji="1" lang="ja-JP" altLang="en-US" dirty="0" smtClean="0"/>
+                        <a:t>水野</a:t>
+                      </a:r>
+                      <a:endParaRPr kumimoji="1" lang="ja-JP" altLang="en-US" dirty="0"/>
+                    </a:p>
+                  </a:txBody>
+                  <a:tcPr>
+                    <a:solidFill>
+                      <a:schemeClr val="accent3"/>
+                    </a:solidFill>
+                  </a:tcPr>
+                </a:tc>
+                <a:tc>
+                  <a:txBody>
+                    <a:bodyPr/>
+                    <a:lstStyle/>
+                    <a:p>
+                      <a:r>
+                        <a:rPr kumimoji="1" lang="ja-JP" altLang="en-US" dirty="0" smtClean="0"/>
+                        <a:t>高野</a:t>
+                      </a:r>
+                      <a:endParaRPr kumimoji="1" lang="ja-JP" altLang="en-US" dirty="0"/>
+                    </a:p>
+                  </a:txBody>
+                  <a:tcPr>
+                    <a:solidFill>
+                      <a:schemeClr val="accent3"/>
+                    </a:solidFill>
+                  </a:tcPr>
+                </a:tc>
+              </a:tr>
+              <a:tr h="370840">
+                <a:tc>
+                  <a:txBody>
+                    <a:bodyPr/>
+                    <a:lstStyle/>
+                    <a:p>
+                      <a:pPr marL="0" marR="0" indent="0" algn="l" defTabSz="914400" rtl="0" eaLnBrk="1" fontAlgn="auto" latinLnBrk="0" hangingPunct="1">
+                        <a:lnSpc>
+                          <a:spcPct val="100000"/>
+                        </a:lnSpc>
+                        <a:spcBef>
+                          <a:spcPts val="0"/>
+                        </a:spcBef>
+                        <a:spcAft>
+                          <a:spcPts val="0"/>
+                        </a:spcAft>
+                        <a:buClrTx/>
+                        <a:buSzTx/>
+                        <a:buFontTx/>
+                        <a:buNone/>
+                        <a:tabLst/>
+                        <a:defRPr/>
+                      </a:pPr>
+                      <a:r>
+                        <a:rPr lang="ja-JP" altLang="en-US" dirty="0" smtClean="0"/>
+                        <a:t>・</a:t>
+                      </a:r>
+                      <a:r>
+                        <a:rPr kumimoji="1" lang="en-US" altLang="ja-JP" dirty="0" smtClean="0"/>
+                        <a:t>DB</a:t>
+                      </a:r>
+                      <a:r>
+                        <a:rPr kumimoji="1" lang="ja-JP" altLang="en-US" dirty="0" smtClean="0"/>
+                        <a:t>作成</a:t>
+                      </a:r>
+                      <a:endParaRPr kumimoji="1" lang="en-US" altLang="ja-JP" dirty="0" smtClean="0"/>
+                    </a:p>
+                    <a:p>
+                      <a:endParaRPr kumimoji="1" lang="ja-JP" altLang="en-US" dirty="0"/>
+                    </a:p>
+                  </a:txBody>
+                  <a:tcPr>
+                    <a:solidFill>
+                      <a:schemeClr val="bg2"/>
+                    </a:solidFill>
+                  </a:tcPr>
+                </a:tc>
+                <a:tc>
+                  <a:txBody>
+                    <a:bodyPr/>
+                    <a:lstStyle/>
+                    <a:p>
+                      <a:pPr marL="0" marR="0" indent="0" algn="l" defTabSz="914400" rtl="0" eaLnBrk="1" fontAlgn="auto" latinLnBrk="0" hangingPunct="1">
+                        <a:lnSpc>
+                          <a:spcPct val="100000"/>
+                        </a:lnSpc>
+                        <a:spcBef>
+                          <a:spcPts val="0"/>
+                        </a:spcBef>
+                        <a:spcAft>
+                          <a:spcPts val="0"/>
+                        </a:spcAft>
+                        <a:buClrTx/>
+                        <a:buSzTx/>
+                        <a:buFontTx/>
+                        <a:buNone/>
+                        <a:tabLst/>
+                        <a:defRPr/>
+                      </a:pPr>
+                      <a:r>
+                        <a:rPr lang="ja-JP" altLang="en-US" dirty="0" smtClean="0"/>
+                        <a:t>・塩ふり</a:t>
+                      </a:r>
+                      <a:r>
+                        <a:rPr lang="en-US" altLang="ja-JP" dirty="0" smtClean="0"/>
+                        <a:t>/</a:t>
+                      </a:r>
+                      <a:r>
+                        <a:rPr lang="en-US" altLang="ja-JP" dirty="0" err="1" smtClean="0"/>
+                        <a:t>gitHub</a:t>
+                      </a:r>
+                      <a:r>
+                        <a:rPr lang="ja-JP" altLang="en-US" dirty="0" smtClean="0"/>
+                        <a:t>準備</a:t>
+                      </a:r>
+                      <a:endParaRPr lang="en-US" altLang="ja-JP" dirty="0" smtClean="0"/>
+                    </a:p>
+                    <a:p>
+                      <a:pPr marL="0" marR="0" indent="0" algn="l" defTabSz="914400" rtl="0" eaLnBrk="1" fontAlgn="auto" latinLnBrk="0" hangingPunct="1">
+                        <a:lnSpc>
+                          <a:spcPct val="100000"/>
+                        </a:lnSpc>
+                        <a:spcBef>
+                          <a:spcPts val="0"/>
+                        </a:spcBef>
+                        <a:spcAft>
+                          <a:spcPts val="0"/>
+                        </a:spcAft>
+                        <a:buClrTx/>
+                        <a:buSzTx/>
+                        <a:buFontTx/>
+                        <a:buNone/>
+                        <a:tabLst/>
+                        <a:defRPr/>
+                      </a:pPr>
+                      <a:r>
+                        <a:rPr lang="ja-JP" altLang="en-US" dirty="0" smtClean="0"/>
+                        <a:t>・追加ページへ画像</a:t>
+                      </a:r>
+                      <a:r>
+                        <a:rPr lang="en-US" altLang="ja-JP" dirty="0" smtClean="0"/>
+                        <a:t>Upload</a:t>
+                      </a:r>
+                      <a:r>
+                        <a:rPr lang="ja-JP" altLang="en-US" dirty="0" smtClean="0"/>
+                        <a:t>ギミック追加</a:t>
+                      </a:r>
+                      <a:endParaRPr lang="en-US" altLang="ja-JP" dirty="0" smtClean="0"/>
+                    </a:p>
+                    <a:p>
+                      <a:endParaRPr kumimoji="1" lang="ja-JP" altLang="en-US" dirty="0"/>
+                    </a:p>
+                  </a:txBody>
+                  <a:tcPr>
+                    <a:solidFill>
+                      <a:schemeClr val="bg2"/>
+                    </a:solidFill>
+                  </a:tcPr>
+                </a:tc>
+                <a:tc>
+                  <a:txBody>
+                    <a:bodyPr/>
+                    <a:lstStyle/>
+                    <a:p>
+                      <a:pPr marL="0" marR="0" indent="0" algn="l" defTabSz="914400" rtl="0" eaLnBrk="1" fontAlgn="auto" latinLnBrk="0" hangingPunct="1">
+                        <a:lnSpc>
+                          <a:spcPct val="100000"/>
+                        </a:lnSpc>
+                        <a:spcBef>
+                          <a:spcPts val="0"/>
+                        </a:spcBef>
+                        <a:spcAft>
+                          <a:spcPts val="0"/>
+                        </a:spcAft>
+                        <a:buClrTx/>
+                        <a:buSzTx/>
+                        <a:buFontTx/>
+                        <a:buNone/>
+                        <a:tabLst/>
+                        <a:defRPr/>
+                      </a:pPr>
+                      <a:r>
+                        <a:rPr lang="ja-JP" altLang="en-US" dirty="0" smtClean="0"/>
+                        <a:t>・</a:t>
+                      </a:r>
+                      <a:r>
+                        <a:rPr lang="en-US" altLang="ja-JP" dirty="0" smtClean="0"/>
+                        <a:t>Bake</a:t>
+                      </a:r>
+                    </a:p>
+                    <a:p>
+                      <a:pPr marL="0" marR="0" indent="0" algn="l" defTabSz="914400" rtl="0" eaLnBrk="1" fontAlgn="auto" latinLnBrk="0" hangingPunct="1">
+                        <a:lnSpc>
+                          <a:spcPct val="100000"/>
+                        </a:lnSpc>
+                        <a:spcBef>
+                          <a:spcPts val="0"/>
+                        </a:spcBef>
+                        <a:spcAft>
+                          <a:spcPts val="0"/>
+                        </a:spcAft>
+                        <a:buClrTx/>
+                        <a:buSzTx/>
+                        <a:buFontTx/>
+                        <a:buNone/>
+                        <a:tabLst/>
+                        <a:defRPr/>
+                      </a:pPr>
+                      <a:r>
+                        <a:rPr lang="ja-JP" altLang="en-US" dirty="0" smtClean="0"/>
+                        <a:t>・モンスター詳細ページ作成</a:t>
+                      </a:r>
+                      <a:endParaRPr lang="en-US" altLang="ja-JP" dirty="0" smtClean="0"/>
+                    </a:p>
+                    <a:p>
+                      <a:endParaRPr kumimoji="1" lang="ja-JP" altLang="en-US" dirty="0"/>
+                    </a:p>
+                  </a:txBody>
+                  <a:tcPr>
+                    <a:solidFill>
+                      <a:schemeClr val="bg2"/>
+                    </a:solidFill>
+                  </a:tcPr>
+                </a:tc>
+                <a:tc>
+                  <a:txBody>
+                    <a:bodyPr/>
+                    <a:lstStyle/>
+                    <a:p>
+                      <a:pPr marL="0" marR="0" indent="0" algn="l" defTabSz="914400" rtl="0" eaLnBrk="1" fontAlgn="auto" latinLnBrk="0" hangingPunct="1">
+                        <a:lnSpc>
+                          <a:spcPct val="100000"/>
+                        </a:lnSpc>
+                        <a:spcBef>
+                          <a:spcPts val="0"/>
+                        </a:spcBef>
+                        <a:spcAft>
+                          <a:spcPts val="0"/>
+                        </a:spcAft>
+                        <a:buClrTx/>
+                        <a:buSzTx/>
+                        <a:buFontTx/>
+                        <a:buNone/>
+                        <a:tabLst/>
+                        <a:defRPr/>
+                      </a:pPr>
+                      <a:r>
+                        <a:rPr lang="ja-JP" altLang="en-US" dirty="0" smtClean="0"/>
+                        <a:t>・</a:t>
+                      </a:r>
+                      <a:r>
+                        <a:rPr lang="en-US" altLang="ja-JP" dirty="0" smtClean="0"/>
+                        <a:t>TOP</a:t>
+                      </a:r>
+                      <a:r>
+                        <a:rPr lang="ja-JP" altLang="en-US" dirty="0" smtClean="0"/>
+                        <a:t>ページ叩き台</a:t>
+                      </a:r>
+                      <a:r>
+                        <a:rPr lang="ja-JP" altLang="en-US" dirty="0" smtClean="0"/>
+                        <a:t>作成</a:t>
+                      </a:r>
+                      <a:endParaRPr lang="en-US" altLang="ja-JP" dirty="0" smtClean="0"/>
+                    </a:p>
+                    <a:p>
+                      <a:pPr marL="0" marR="0" indent="0" algn="l" defTabSz="914400" rtl="0" eaLnBrk="1" fontAlgn="auto" latinLnBrk="0" hangingPunct="1">
+                        <a:lnSpc>
+                          <a:spcPct val="100000"/>
+                        </a:lnSpc>
+                        <a:spcBef>
+                          <a:spcPts val="0"/>
+                        </a:spcBef>
+                        <a:spcAft>
+                          <a:spcPts val="0"/>
+                        </a:spcAft>
+                        <a:buClrTx/>
+                        <a:buSzTx/>
+                        <a:buFontTx/>
+                        <a:buNone/>
+                        <a:tabLst/>
+                        <a:defRPr/>
+                      </a:pPr>
+                      <a:r>
+                        <a:rPr lang="ja-JP" altLang="en-US" dirty="0" smtClean="0"/>
+                        <a:t>・各種レイアウト作成</a:t>
+                      </a:r>
+                      <a:endParaRPr lang="en-US" altLang="ja-JP" dirty="0" smtClean="0"/>
+                    </a:p>
+                    <a:p>
+                      <a:endParaRPr kumimoji="1" lang="ja-JP" altLang="en-US" dirty="0"/>
+                    </a:p>
+                  </a:txBody>
+                  <a:tcPr>
+                    <a:solidFill>
+                      <a:schemeClr val="bg2"/>
+                    </a:solidFill>
+                  </a:tcPr>
+                </a:tc>
+              </a:tr>
+            </a:tbl>
+          </a:graphicData>
+        </a:graphic>
+      </p:graphicFrame>
+    </p:spTree>
+    <p:extLst>
+      <p:ext uri="{BB962C8B-B14F-4D97-AF65-F5344CB8AC3E}">
+        <p14:creationId xmlns:p14="http://schemas.microsoft.com/office/powerpoint/2010/main" val="2714367686"/>
+      </p:ext>
+    </p:extLst>
+  </p:cSld>
+  <p:clrMapOvr>
+    <a:masterClrMapping/>
+  </p:clrMapOvr>
+</p:sld>
+</file>
+
+<file path=ppt/slides/slide3.xml><?xml version="1.0" encoding="utf-8"?>
 <p:sld xmlns:a="http://schemas.openxmlformats.org/drawingml/2006/main" xmlns:r="http://schemas.openxmlformats.org/officeDocument/2006/relationships" xmlns:p="http://schemas.openxmlformats.org/presentationml/2006/main">
   <p:cSld>
     <p:spTree>
@@ -4839,7 +5728,7 @@
 </p:sld>
 </file>
 
-<file path=ppt/slides/slide5.xml><?xml version="1.0" encoding="utf-8"?>
+<file path=ppt/slides/slide4.xml><?xml version="1.0" encoding="utf-8"?>
 <p:sld xmlns:a="http://schemas.openxmlformats.org/drawingml/2006/main" xmlns:r="http://schemas.openxmlformats.org/officeDocument/2006/relationships" xmlns:p="http://schemas.openxmlformats.org/presentationml/2006/main">
   <p:cSld>
     <p:spTree>

--- a/設計資料.pptx
+++ b/設計資料.pptx
@@ -3819,7 +3819,7 @@
           <p:nvPr>
             <p:extLst>
               <p:ext uri="{D42A27DB-BD31-4B8C-83A1-F6EECF244321}">
-                <p14:modId xmlns:p14="http://schemas.microsoft.com/office/powerpoint/2010/main" val="3287496907"/>
+                <p14:modId xmlns:p14="http://schemas.microsoft.com/office/powerpoint/2010/main" val="227621887"/>
               </p:ext>
             </p:extLst>
           </p:nvPr>
@@ -3952,6 +3952,18 @@
                       <a:endParaRPr kumimoji="1" lang="en-US" altLang="ja-JP" dirty="0" smtClean="0"/>
                     </a:p>
                     <a:p>
+                      <a:r>
+                        <a:rPr kumimoji="1" lang="ja-JP" altLang="en-US" dirty="0" smtClean="0"/>
+                        <a:t>・</a:t>
+                      </a:r>
+                      <a:r>
+                        <a:rPr kumimoji="1" lang="en-US" altLang="ja-JP" dirty="0" smtClean="0"/>
+                        <a:t>CRUD</a:t>
+                      </a:r>
+                      <a:r>
+                        <a:rPr kumimoji="1" lang="ja-JP" altLang="en-US" dirty="0" smtClean="0"/>
+                        <a:t>の日本語化</a:t>
+                      </a:r>
                       <a:endParaRPr kumimoji="1" lang="ja-JP" altLang="en-US" dirty="0"/>
                     </a:p>
                   </a:txBody>
@@ -4140,11 +4152,7 @@
                       </a:r>
                       <a:r>
                         <a:rPr lang="ja-JP" altLang="en-US" dirty="0" smtClean="0"/>
-                        <a:t>ページ叩き台</a:t>
-                      </a:r>
-                      <a:r>
-                        <a:rPr lang="ja-JP" altLang="en-US" dirty="0" smtClean="0"/>
-                        <a:t>作成</a:t>
+                        <a:t>ページ叩き台作成</a:t>
                       </a:r>
                       <a:endParaRPr lang="en-US" altLang="ja-JP" dirty="0" smtClean="0"/>
                     </a:p>

--- a/設計資料.pptx
+++ b/設計資料.pptx
@@ -9,7 +9,8 @@
     <p:sldId id="262" r:id="rId3"/>
     <p:sldId id="257" r:id="rId4"/>
     <p:sldId id="263" r:id="rId5"/>
-    <p:sldId id="259" r:id="rId6"/>
+    <p:sldId id="264" r:id="rId6"/>
+    <p:sldId id="259" r:id="rId7"/>
   </p:sldIdLst>
   <p:sldSz cx="12192000" cy="6858000"/>
   <p:notesSz cx="6858000" cy="9144000"/>
@@ -5903,6 +5904,356 @@
       </p:grpSpPr>
       <p:sp>
         <p:nvSpPr>
+          <p:cNvPr id="9" name="テキスト ボックス 8"/>
+          <p:cNvSpPr txBox="1"/>
+          <p:nvPr/>
+        </p:nvSpPr>
+        <p:spPr>
+          <a:xfrm>
+            <a:off x="0" y="0"/>
+            <a:ext cx="12192000" cy="369332"/>
+          </a:xfrm>
+          <a:prstGeom prst="rect">
+            <a:avLst/>
+          </a:prstGeom>
+          <a:solidFill>
+            <a:schemeClr val="accent6"/>
+          </a:solidFill>
+        </p:spPr>
+        <p:txBody>
+          <a:bodyPr wrap="square" rtlCol="0">
+            <a:spAutoFit/>
+          </a:bodyPr>
+          <a:lstStyle/>
+          <a:p>
+            <a:r>
+              <a:rPr kumimoji="1" lang="ja-JP" altLang="en-US" dirty="0" smtClean="0"/>
+              <a:t>技術共有</a:t>
+            </a:r>
+            <a:endParaRPr kumimoji="1" lang="en-US" altLang="ja-JP" dirty="0" smtClean="0"/>
+          </a:p>
+        </p:txBody>
+      </p:sp>
+      <p:sp>
+        <p:nvSpPr>
+          <p:cNvPr id="22" name="テキスト ボックス 21"/>
+          <p:cNvSpPr txBox="1"/>
+          <p:nvPr/>
+        </p:nvSpPr>
+        <p:spPr>
+          <a:xfrm>
+            <a:off x="119684" y="478832"/>
+            <a:ext cx="5004768" cy="369332"/>
+          </a:xfrm>
+          <a:prstGeom prst="rect">
+            <a:avLst/>
+          </a:prstGeom>
+          <a:noFill/>
+        </p:spPr>
+        <p:txBody>
+          <a:bodyPr wrap="none" rtlCol="0">
+            <a:spAutoFit/>
+          </a:bodyPr>
+          <a:lstStyle/>
+          <a:p>
+            <a:r>
+              <a:rPr kumimoji="1" lang="ja-JP" altLang="en-US" dirty="0" smtClean="0"/>
+              <a:t>■画像アップロードプラグイン</a:t>
+            </a:r>
+            <a:r>
+              <a:rPr kumimoji="1" lang="en-US" altLang="ja-JP" dirty="0" err="1" smtClean="0"/>
+              <a:t>UploadPack</a:t>
+            </a:r>
+            <a:r>
+              <a:rPr kumimoji="1" lang="ja-JP" altLang="en-US" dirty="0" smtClean="0"/>
+              <a:t>について</a:t>
+            </a:r>
+            <a:endParaRPr kumimoji="1" lang="ja-JP" altLang="en-US" dirty="0"/>
+          </a:p>
+        </p:txBody>
+      </p:sp>
+      <p:sp>
+        <p:nvSpPr>
+          <p:cNvPr id="2" name="正方形/長方形 1"/>
+          <p:cNvSpPr/>
+          <p:nvPr/>
+        </p:nvSpPr>
+        <p:spPr>
+          <a:xfrm>
+            <a:off x="165915" y="957664"/>
+            <a:ext cx="8562409" cy="2862322"/>
+          </a:xfrm>
+          <a:prstGeom prst="rect">
+            <a:avLst/>
+          </a:prstGeom>
+        </p:spPr>
+        <p:txBody>
+          <a:bodyPr wrap="none">
+            <a:spAutoFit/>
+          </a:bodyPr>
+          <a:lstStyle/>
+          <a:p>
+            <a:r>
+              <a:rPr lang="ja-JP" altLang="en-US" dirty="0" smtClean="0"/>
+              <a:t>詳しくは、下記ページを参照されたし。</a:t>
+            </a:r>
+            <a:endParaRPr lang="en-US" altLang="ja-JP" dirty="0" smtClean="0"/>
+          </a:p>
+          <a:p>
+            <a:r>
+              <a:rPr lang="ja-JP" altLang="en-US" dirty="0" smtClean="0">
+                <a:hlinkClick r:id="rId2"/>
+              </a:rPr>
+              <a:t>http</a:t>
+            </a:r>
+            <a:r>
+              <a:rPr lang="ja-JP" altLang="en-US" dirty="0">
+                <a:hlinkClick r:id="rId2"/>
+              </a:rPr>
+              <a:t>://blog.livedoor.jp/spyder_5615/archives/25844290.</a:t>
+            </a:r>
+            <a:r>
+              <a:rPr lang="ja-JP" altLang="en-US" dirty="0" smtClean="0">
+                <a:hlinkClick r:id="rId2"/>
+              </a:rPr>
+              <a:t>html</a:t>
+            </a:r>
+            <a:endParaRPr lang="en-US" altLang="ja-JP" dirty="0" smtClean="0"/>
+          </a:p>
+          <a:p>
+            <a:endParaRPr lang="en-US" altLang="ja-JP" dirty="0"/>
+          </a:p>
+          <a:p>
+            <a:r>
+              <a:rPr lang="ja-JP" altLang="en-US" dirty="0" smtClean="0"/>
+              <a:t>具体的な処理内容は、</a:t>
+            </a:r>
+            <a:endParaRPr lang="en-US" altLang="ja-JP" dirty="0" smtClean="0"/>
+          </a:p>
+          <a:p>
+            <a:r>
+              <a:rPr lang="en-US" altLang="ja-JP" dirty="0" smtClean="0"/>
+              <a:t>1</a:t>
+            </a:r>
+            <a:r>
+              <a:rPr lang="ja-JP" altLang="en-US" dirty="0" smtClean="0"/>
+              <a:t>）プラグインを</a:t>
+            </a:r>
+            <a:r>
+              <a:rPr lang="en-US" altLang="ja-JP" dirty="0" smtClean="0"/>
+              <a:t>Download</a:t>
+            </a:r>
+            <a:r>
+              <a:rPr lang="ja-JP" altLang="en-US" dirty="0" smtClean="0"/>
+              <a:t>してきて、所定フォルダ内に解凍する</a:t>
+            </a:r>
+            <a:endParaRPr lang="en-US" altLang="ja-JP" dirty="0" smtClean="0"/>
+          </a:p>
+          <a:p>
+            <a:r>
+              <a:rPr lang="en-US" altLang="ja-JP" dirty="0" smtClean="0"/>
+              <a:t>2</a:t>
+            </a:r>
+            <a:r>
+              <a:rPr lang="ja-JP" altLang="en-US" dirty="0" smtClean="0"/>
+              <a:t>）</a:t>
+            </a:r>
+            <a:r>
+              <a:rPr lang="en-US" altLang="ja-JP" dirty="0" smtClean="0"/>
+              <a:t>app/</a:t>
+            </a:r>
+            <a:r>
+              <a:rPr lang="en-US" altLang="ja-JP" dirty="0" err="1" smtClean="0"/>
+              <a:t>Config</a:t>
+            </a:r>
+            <a:r>
+              <a:rPr lang="en-US" altLang="ja-JP" dirty="0" smtClean="0"/>
+              <a:t>/</a:t>
+            </a:r>
+            <a:r>
+              <a:rPr lang="en-US" altLang="ja-JP" dirty="0" err="1" smtClean="0"/>
+              <a:t>bootstrap.php</a:t>
+            </a:r>
+            <a:r>
+              <a:rPr lang="ja-JP" altLang="en-US" dirty="0" smtClean="0"/>
+              <a:t>ファイルに、</a:t>
+            </a:r>
+            <a:r>
+              <a:rPr lang="en-US" altLang="ja-JP" dirty="0" err="1" smtClean="0"/>
+              <a:t>UploadPack</a:t>
+            </a:r>
+            <a:r>
+              <a:rPr lang="ja-JP" altLang="en-US" dirty="0" smtClean="0"/>
+              <a:t>プラグイン読み込み設定を記載</a:t>
+            </a:r>
+            <a:endParaRPr lang="en-US" altLang="ja-JP" dirty="0" smtClean="0"/>
+          </a:p>
+          <a:p>
+            <a:r>
+              <a:rPr lang="en-US" altLang="ja-JP" dirty="0" smtClean="0"/>
+              <a:t>3</a:t>
+            </a:r>
+            <a:r>
+              <a:rPr lang="ja-JP" altLang="en-US" dirty="0" smtClean="0"/>
+              <a:t>）</a:t>
+            </a:r>
+            <a:r>
+              <a:rPr lang="en-US" altLang="ja-JP" dirty="0" smtClean="0"/>
+              <a:t>app/Controller/</a:t>
+            </a:r>
+            <a:r>
+              <a:rPr lang="ja-JP" altLang="en-US" dirty="0" smtClean="0"/>
+              <a:t>対象のコントローラーファイルに、</a:t>
+            </a:r>
+            <a:r>
+              <a:rPr lang="en-US" altLang="ja-JP" dirty="0" smtClean="0"/>
+              <a:t>helper</a:t>
+            </a:r>
+            <a:r>
+              <a:rPr lang="ja-JP" altLang="en-US" dirty="0" smtClean="0"/>
+              <a:t>の定義を</a:t>
+            </a:r>
+            <a:r>
+              <a:rPr lang="en-US" altLang="ja-JP" dirty="0" smtClean="0"/>
+              <a:t>1</a:t>
+            </a:r>
+            <a:r>
+              <a:rPr lang="ja-JP" altLang="en-US" dirty="0" smtClean="0"/>
+              <a:t>行追加</a:t>
+            </a:r>
+            <a:endParaRPr lang="en-US" altLang="ja-JP" dirty="0" smtClean="0"/>
+          </a:p>
+          <a:p>
+            <a:r>
+              <a:rPr lang="en-US" altLang="ja-JP" dirty="0" smtClean="0"/>
+              <a:t>4</a:t>
+            </a:r>
+            <a:r>
+              <a:rPr lang="ja-JP" altLang="en-US" dirty="0" smtClean="0"/>
+              <a:t>）</a:t>
+            </a:r>
+            <a:r>
+              <a:rPr lang="en-US" altLang="ja-JP" dirty="0" smtClean="0"/>
+              <a:t>app/Model/</a:t>
+            </a:r>
+            <a:r>
+              <a:rPr lang="ja-JP" altLang="en-US" dirty="0" smtClean="0"/>
+              <a:t>対象のモデルに、</a:t>
+            </a:r>
+            <a:r>
+              <a:rPr lang="en-US" altLang="ja-JP" dirty="0" smtClean="0"/>
+              <a:t>$</a:t>
+            </a:r>
+            <a:r>
+              <a:rPr lang="en-US" altLang="ja-JP" dirty="0" err="1" smtClean="0"/>
+              <a:t>actAs</a:t>
+            </a:r>
+            <a:r>
+              <a:rPr lang="ja-JP" altLang="en-US" dirty="0" smtClean="0"/>
+              <a:t>変数を定義</a:t>
+            </a:r>
+            <a:endParaRPr lang="en-US" altLang="ja-JP" dirty="0" smtClean="0"/>
+          </a:p>
+          <a:p>
+            <a:r>
+              <a:rPr lang="en-US" altLang="ja-JP" dirty="0" smtClean="0"/>
+              <a:t>5</a:t>
+            </a:r>
+            <a:r>
+              <a:rPr lang="ja-JP" altLang="en-US" dirty="0" smtClean="0"/>
+              <a:t>）</a:t>
+            </a:r>
+            <a:r>
+              <a:rPr lang="en-US" altLang="ja-JP" dirty="0" smtClean="0"/>
+              <a:t>View</a:t>
+            </a:r>
+            <a:r>
+              <a:rPr lang="ja-JP" altLang="en-US" dirty="0" smtClean="0"/>
+              <a:t>フォルダ以下の、画像登録を行う*</a:t>
+            </a:r>
+            <a:r>
+              <a:rPr lang="en-US" altLang="ja-JP" dirty="0" smtClean="0"/>
+              <a:t>.</a:t>
+            </a:r>
+            <a:r>
+              <a:rPr lang="en-US" altLang="ja-JP" dirty="0" err="1" smtClean="0"/>
+              <a:t>ctp</a:t>
+            </a:r>
+            <a:r>
+              <a:rPr lang="ja-JP" altLang="en-US" dirty="0" smtClean="0"/>
+              <a:t>ファイルに、ヘルパーを用いた処理を追記</a:t>
+            </a:r>
+            <a:endParaRPr lang="en-US" altLang="ja-JP" dirty="0" smtClean="0"/>
+          </a:p>
+          <a:p>
+            <a:r>
+              <a:rPr lang="ja-JP" altLang="en-US" dirty="0"/>
+              <a:t>　</a:t>
+            </a:r>
+            <a:r>
+              <a:rPr lang="en-US" altLang="ja-JP" dirty="0" smtClean="0"/>
+              <a:t>※</a:t>
+            </a:r>
+            <a:r>
+              <a:rPr lang="ja-JP" altLang="en-US" dirty="0" smtClean="0"/>
+              <a:t>上記参考ホームページの、☆</a:t>
+            </a:r>
+            <a:r>
+              <a:rPr lang="en-US" altLang="ja-JP" dirty="0" smtClean="0"/>
+              <a:t>1</a:t>
+            </a:r>
+            <a:r>
+              <a:rPr lang="ja-JP" altLang="en-US" dirty="0" err="1" smtClean="0"/>
+              <a:t>、</a:t>
+            </a:r>
+            <a:r>
+              <a:rPr lang="ja-JP" altLang="en-US" dirty="0" smtClean="0"/>
+              <a:t>☆</a:t>
+            </a:r>
+            <a:r>
+              <a:rPr lang="en-US" altLang="ja-JP" dirty="0" smtClean="0"/>
+              <a:t>2</a:t>
+            </a:r>
+            <a:r>
+              <a:rPr lang="ja-JP" altLang="en-US" dirty="0" smtClean="0"/>
+              <a:t>をしっかり適用すること。</a:t>
+            </a:r>
+            <a:endParaRPr lang="ja-JP" altLang="en-US" dirty="0"/>
+          </a:p>
+        </p:txBody>
+      </p:sp>
+    </p:spTree>
+    <p:extLst>
+      <p:ext uri="{BB962C8B-B14F-4D97-AF65-F5344CB8AC3E}">
+        <p14:creationId xmlns:p14="http://schemas.microsoft.com/office/powerpoint/2010/main" val="103300298"/>
+      </p:ext>
+    </p:extLst>
+  </p:cSld>
+  <p:clrMapOvr>
+    <a:masterClrMapping/>
+  </p:clrMapOvr>
+</p:sld>
+</file>
+
+<file path=ppt/slides/slide6.xml><?xml version="1.0" encoding="utf-8"?>
+<p:sld xmlns:a="http://schemas.openxmlformats.org/drawingml/2006/main" xmlns:r="http://schemas.openxmlformats.org/officeDocument/2006/relationships" xmlns:p="http://schemas.openxmlformats.org/presentationml/2006/main">
+  <p:cSld>
+    <p:spTree>
+      <p:nvGrpSpPr>
+        <p:cNvPr id="1" name=""/>
+        <p:cNvGrpSpPr/>
+        <p:nvPr/>
+      </p:nvGrpSpPr>
+      <p:grpSpPr>
+        <a:xfrm>
+          <a:off x="0" y="0"/>
+          <a:ext cx="0" cy="0"/>
+          <a:chOff x="0" y="0"/>
+          <a:chExt cx="0" cy="0"/>
+        </a:xfrm>
+      </p:grpSpPr>
+      <p:sp>
+        <p:nvSpPr>
           <p:cNvPr id="4" name="テキスト ボックス 3"/>
           <p:cNvSpPr txBox="1"/>
           <p:nvPr/>
